--- a/lectures/01WelcomeNScratch/1.1Welcome/lecture.pptx
+++ b/lectures/01WelcomeNScratch/1.1Welcome/lecture.pptx
@@ -9,12 +9,13 @@
     <p:sldId id="266" r:id="rId3"/>
     <p:sldId id="267" r:id="rId4"/>
     <p:sldId id="269" r:id="rId5"/>
-    <p:sldId id="259" r:id="rId6"/>
-    <p:sldId id="258" r:id="rId7"/>
-    <p:sldId id="262" r:id="rId8"/>
-    <p:sldId id="270" r:id="rId9"/>
-    <p:sldId id="272" r:id="rId10"/>
-    <p:sldId id="265" r:id="rId11"/>
+    <p:sldId id="274" r:id="rId6"/>
+    <p:sldId id="273" r:id="rId7"/>
+    <p:sldId id="258" r:id="rId8"/>
+    <p:sldId id="275" r:id="rId9"/>
+    <p:sldId id="265" r:id="rId10"/>
+    <p:sldId id="259" r:id="rId11"/>
+    <p:sldId id="272" r:id="rId12"/>
   </p:sldIdLst>
   <p:sldSz cx="12192000" cy="6858000"/>
   <p:notesSz cx="6858000" cy="9144000"/>
@@ -270,7 +271,7 @@
           <a:p>
             <a:fld id="{66665395-52C5-5E4B-BB20-CD4E0BBC9899}" type="datetimeFigureOut">
               <a:rPr lang="en-GB" smtClean="0"/>
-              <a:t>04/09/2019</a:t>
+              <a:t>30/08/2020</a:t>
             </a:fld>
             <a:endParaRPr lang="en-GB"/>
           </a:p>
@@ -470,7 +471,7 @@
           <a:p>
             <a:fld id="{66665395-52C5-5E4B-BB20-CD4E0BBC9899}" type="datetimeFigureOut">
               <a:rPr lang="en-GB" smtClean="0"/>
-              <a:t>04/09/2019</a:t>
+              <a:t>30/08/2020</a:t>
             </a:fld>
             <a:endParaRPr lang="en-GB"/>
           </a:p>
@@ -680,7 +681,7 @@
           <a:p>
             <a:fld id="{66665395-52C5-5E4B-BB20-CD4E0BBC9899}" type="datetimeFigureOut">
               <a:rPr lang="en-GB" smtClean="0"/>
-              <a:t>04/09/2019</a:t>
+              <a:t>30/08/2020</a:t>
             </a:fld>
             <a:endParaRPr lang="en-GB"/>
           </a:p>
@@ -880,7 +881,7 @@
           <a:p>
             <a:fld id="{66665395-52C5-5E4B-BB20-CD4E0BBC9899}" type="datetimeFigureOut">
               <a:rPr lang="en-GB" smtClean="0"/>
-              <a:t>04/09/2019</a:t>
+              <a:t>30/08/2020</a:t>
             </a:fld>
             <a:endParaRPr lang="en-GB"/>
           </a:p>
@@ -1156,7 +1157,7 @@
           <a:p>
             <a:fld id="{66665395-52C5-5E4B-BB20-CD4E0BBC9899}" type="datetimeFigureOut">
               <a:rPr lang="en-GB" smtClean="0"/>
-              <a:t>04/09/2019</a:t>
+              <a:t>30/08/2020</a:t>
             </a:fld>
             <a:endParaRPr lang="en-GB"/>
           </a:p>
@@ -1424,7 +1425,7 @@
           <a:p>
             <a:fld id="{66665395-52C5-5E4B-BB20-CD4E0BBC9899}" type="datetimeFigureOut">
               <a:rPr lang="en-GB" smtClean="0"/>
-              <a:t>04/09/2019</a:t>
+              <a:t>30/08/2020</a:t>
             </a:fld>
             <a:endParaRPr lang="en-GB"/>
           </a:p>
@@ -1839,7 +1840,7 @@
           <a:p>
             <a:fld id="{66665395-52C5-5E4B-BB20-CD4E0BBC9899}" type="datetimeFigureOut">
               <a:rPr lang="en-GB" smtClean="0"/>
-              <a:t>04/09/2019</a:t>
+              <a:t>30/08/2020</a:t>
             </a:fld>
             <a:endParaRPr lang="en-GB"/>
           </a:p>
@@ -1981,7 +1982,7 @@
           <a:p>
             <a:fld id="{66665395-52C5-5E4B-BB20-CD4E0BBC9899}" type="datetimeFigureOut">
               <a:rPr lang="en-GB" smtClean="0"/>
-              <a:t>04/09/2019</a:t>
+              <a:t>30/08/2020</a:t>
             </a:fld>
             <a:endParaRPr lang="en-GB"/>
           </a:p>
@@ -2094,7 +2095,7 @@
           <a:p>
             <a:fld id="{66665395-52C5-5E4B-BB20-CD4E0BBC9899}" type="datetimeFigureOut">
               <a:rPr lang="en-GB" smtClean="0"/>
-              <a:t>04/09/2019</a:t>
+              <a:t>30/08/2020</a:t>
             </a:fld>
             <a:endParaRPr lang="en-GB"/>
           </a:p>
@@ -2407,7 +2408,7 @@
           <a:p>
             <a:fld id="{66665395-52C5-5E4B-BB20-CD4E0BBC9899}" type="datetimeFigureOut">
               <a:rPr lang="en-GB" smtClean="0"/>
-              <a:t>04/09/2019</a:t>
+              <a:t>30/08/2020</a:t>
             </a:fld>
             <a:endParaRPr lang="en-GB"/>
           </a:p>
@@ -2696,7 +2697,7 @@
           <a:p>
             <a:fld id="{66665395-52C5-5E4B-BB20-CD4E0BBC9899}" type="datetimeFigureOut">
               <a:rPr lang="en-GB" smtClean="0"/>
-              <a:t>04/09/2019</a:t>
+              <a:t>30/08/2020</a:t>
             </a:fld>
             <a:endParaRPr lang="en-GB"/>
           </a:p>
@@ -2939,7 +2940,7 @@
           <a:p>
             <a:fld id="{66665395-52C5-5E4B-BB20-CD4E0BBC9899}" type="datetimeFigureOut">
               <a:rPr lang="en-GB" smtClean="0"/>
-              <a:t>04/09/2019</a:t>
+              <a:t>30/08/2020</a:t>
             </a:fld>
             <a:endParaRPr lang="en-GB"/>
           </a:p>
@@ -3447,2816 +3448,6 @@
           <p:cNvPr id="2" name="Title 1">
             <a:extLst>
               <a:ext uri="{FF2B5EF4-FFF2-40B4-BE49-F238E27FC236}">
-                <a16:creationId xmlns:a16="http://schemas.microsoft.com/office/drawing/2014/main" id="{0ACBB10D-A260-F941-8B71-00F8F1DB22DC}"/>
-              </a:ext>
-            </a:extLst>
-          </p:cNvPr>
-          <p:cNvSpPr>
-            <a:spLocks noGrp="1"/>
-          </p:cNvSpPr>
-          <p:nvPr>
-            <p:ph type="title"/>
-          </p:nvPr>
-        </p:nvSpPr>
-        <p:spPr/>
-        <p:txBody>
-          <a:bodyPr/>
-          <a:lstStyle/>
-          <a:p>
-            <a:r>
-              <a:rPr lang="en-GB" dirty="0"/>
-              <a:t>Online programming…</a:t>
-            </a:r>
-          </a:p>
-        </p:txBody>
-      </p:sp>
-      <p:sp>
-        <p:nvSpPr>
-          <p:cNvPr id="3" name="Content Placeholder 2">
-            <a:extLst>
-              <a:ext uri="{FF2B5EF4-FFF2-40B4-BE49-F238E27FC236}">
-                <a16:creationId xmlns:a16="http://schemas.microsoft.com/office/drawing/2014/main" id="{19372C29-81C6-9F40-B8C8-8C83CEE68784}"/>
-              </a:ext>
-            </a:extLst>
-          </p:cNvPr>
-          <p:cNvSpPr>
-            <a:spLocks noGrp="1"/>
-          </p:cNvSpPr>
-          <p:nvPr>
-            <p:ph idx="1"/>
-          </p:nvPr>
-        </p:nvSpPr>
-        <p:spPr/>
-        <p:txBody>
-          <a:bodyPr/>
-          <a:lstStyle/>
-          <a:p>
-            <a:r>
-              <a:rPr lang="en-GB" dirty="0"/>
-              <a:t>Hello World</a:t>
-            </a:r>
-          </a:p>
-          <a:p>
-            <a:r>
-              <a:rPr lang="en-GB" dirty="0"/>
-              <a:t>Count to 9</a:t>
-            </a:r>
-          </a:p>
-        </p:txBody>
-      </p:sp>
-      <p:pic>
-        <p:nvPicPr>
-          <p:cNvPr id="5" name="Picture 4">
-            <a:extLst>
-              <a:ext uri="{FF2B5EF4-FFF2-40B4-BE49-F238E27FC236}">
-                <a16:creationId xmlns:a16="http://schemas.microsoft.com/office/drawing/2014/main" id="{CF614A0F-735B-F84C-9E06-7A9450D193BB}"/>
-              </a:ext>
-            </a:extLst>
-          </p:cNvPr>
-          <p:cNvPicPr>
-            <a:picLocks noChangeAspect="1"/>
-          </p:cNvPicPr>
-          <p:nvPr/>
-        </p:nvPicPr>
-        <p:blipFill>
-          <a:blip r:embed="rId2"/>
-          <a:stretch>
-            <a:fillRect/>
-          </a:stretch>
-        </p:blipFill>
-        <p:spPr>
-          <a:xfrm>
-            <a:off x="4191000" y="1863725"/>
-            <a:ext cx="2590800" cy="2222500"/>
-          </a:xfrm>
-          <a:prstGeom prst="rect">
-            <a:avLst/>
-          </a:prstGeom>
-        </p:spPr>
-      </p:pic>
-      <p:pic>
-        <p:nvPicPr>
-          <p:cNvPr id="7" name="Picture 6">
-            <a:extLst>
-              <a:ext uri="{FF2B5EF4-FFF2-40B4-BE49-F238E27FC236}">
-                <a16:creationId xmlns:a16="http://schemas.microsoft.com/office/drawing/2014/main" id="{757C8A41-E8CF-AC45-ACCA-7E553DBC599E}"/>
-              </a:ext>
-            </a:extLst>
-          </p:cNvPr>
-          <p:cNvPicPr>
-            <a:picLocks noChangeAspect="1"/>
-          </p:cNvPicPr>
-          <p:nvPr/>
-        </p:nvPicPr>
-        <p:blipFill>
-          <a:blip r:embed="rId3"/>
-          <a:stretch>
-            <a:fillRect/>
-          </a:stretch>
-        </p:blipFill>
-        <p:spPr>
-          <a:xfrm>
-            <a:off x="7797800" y="1825625"/>
-            <a:ext cx="2540000" cy="3175000"/>
-          </a:xfrm>
-          <a:prstGeom prst="rect">
-            <a:avLst/>
-          </a:prstGeom>
-        </p:spPr>
-      </p:pic>
-    </p:spTree>
-    <p:extLst>
-      <p:ext uri="{BB962C8B-B14F-4D97-AF65-F5344CB8AC3E}">
-        <p14:creationId xmlns:p14="http://schemas.microsoft.com/office/powerpoint/2010/main" val="1754232616"/>
-      </p:ext>
-    </p:extLst>
-  </p:cSld>
-  <p:clrMapOvr>
-    <a:masterClrMapping/>
-  </p:clrMapOvr>
-  <p:timing>
-    <p:tnLst>
-      <p:par>
-        <p:cTn id="1" dur="indefinite" restart="never" nodeType="tmRoot">
-          <p:childTnLst>
-            <p:seq concurrent="1" nextAc="seek">
-              <p:cTn id="2" dur="indefinite" nodeType="mainSeq">
-                <p:childTnLst>
-                  <p:par>
-                    <p:cTn id="3" fill="hold">
-                      <p:stCondLst>
-                        <p:cond delay="indefinite"/>
-                      </p:stCondLst>
-                      <p:childTnLst>
-                        <p:par>
-                          <p:cTn id="4" fill="hold">
-                            <p:stCondLst>
-                              <p:cond delay="0"/>
-                            </p:stCondLst>
-                            <p:childTnLst>
-                              <p:par>
-                                <p:cTn id="5" presetID="1" presetClass="entr" presetSubtype="0" fill="hold" nodeType="clickEffect">
-                                  <p:stCondLst>
-                                    <p:cond delay="0"/>
-                                  </p:stCondLst>
-                                  <p:childTnLst>
-                                    <p:set>
-                                      <p:cBhvr>
-                                        <p:cTn id="6" dur="1" fill="hold">
-                                          <p:stCondLst>
-                                            <p:cond delay="0"/>
-                                          </p:stCondLst>
-                                        </p:cTn>
-                                        <p:tgtEl>
-                                          <p:spTgt spid="5"/>
-                                        </p:tgtEl>
-                                        <p:attrNameLst>
-                                          <p:attrName>style.visibility</p:attrName>
-                                        </p:attrNameLst>
-                                      </p:cBhvr>
-                                      <p:to>
-                                        <p:strVal val="visible"/>
-                                      </p:to>
-                                    </p:set>
-                                  </p:childTnLst>
-                                </p:cTn>
-                              </p:par>
-                              <p:par>
-                                <p:cTn id="7" presetID="1" presetClass="entr" presetSubtype="0" fill="hold" nodeType="withEffect">
-                                  <p:stCondLst>
-                                    <p:cond delay="0"/>
-                                  </p:stCondLst>
-                                  <p:childTnLst>
-                                    <p:set>
-                                      <p:cBhvr>
-                                        <p:cTn id="8" dur="1" fill="hold">
-                                          <p:stCondLst>
-                                            <p:cond delay="0"/>
-                                          </p:stCondLst>
-                                        </p:cTn>
-                                        <p:tgtEl>
-                                          <p:spTgt spid="7"/>
-                                        </p:tgtEl>
-                                        <p:attrNameLst>
-                                          <p:attrName>style.visibility</p:attrName>
-                                        </p:attrNameLst>
-                                      </p:cBhvr>
-                                      <p:to>
-                                        <p:strVal val="visible"/>
-                                      </p:to>
-                                    </p:set>
-                                  </p:childTnLst>
-                                </p:cTn>
-                              </p:par>
-                            </p:childTnLst>
-                          </p:cTn>
-                        </p:par>
-                      </p:childTnLst>
-                    </p:cTn>
-                  </p:par>
-                </p:childTnLst>
-              </p:cTn>
-              <p:prevCondLst>
-                <p:cond evt="onPrev" delay="0">
-                  <p:tgtEl>
-                    <p:sldTgt/>
-                  </p:tgtEl>
-                </p:cond>
-              </p:prevCondLst>
-              <p:nextCondLst>
-                <p:cond evt="onNext" delay="0">
-                  <p:tgtEl>
-                    <p:sldTgt/>
-                  </p:tgtEl>
-                </p:cond>
-              </p:nextCondLst>
-            </p:seq>
-          </p:childTnLst>
-        </p:cTn>
-      </p:par>
-    </p:tnLst>
-  </p:timing>
-</p:sld>
-</file>
-
-<file path=ppt/slides/slide2.xml><?xml version="1.0" encoding="utf-8"?>
-<p:sld xmlns:a="http://schemas.openxmlformats.org/drawingml/2006/main" xmlns:r="http://schemas.openxmlformats.org/officeDocument/2006/relationships" xmlns:p="http://schemas.openxmlformats.org/presentationml/2006/main">
-  <p:cSld>
-    <p:spTree>
-      <p:nvGrpSpPr>
-        <p:cNvPr id="1" name=""/>
-        <p:cNvGrpSpPr/>
-        <p:nvPr/>
-      </p:nvGrpSpPr>
-      <p:grpSpPr>
-        <a:xfrm>
-          <a:off x="0" y="0"/>
-          <a:ext cx="0" cy="0"/>
-          <a:chOff x="0" y="0"/>
-          <a:chExt cx="0" cy="0"/>
-        </a:xfrm>
-      </p:grpSpPr>
-      <p:pic>
-        <p:nvPicPr>
-          <p:cNvPr id="5" name="Content Placeholder 4">
-            <a:extLst>
-              <a:ext uri="{FF2B5EF4-FFF2-40B4-BE49-F238E27FC236}">
-                <a16:creationId xmlns:a16="http://schemas.microsoft.com/office/drawing/2014/main" id="{71B2E94C-49FF-2E48-8E94-EDAF9733FFAC}"/>
-              </a:ext>
-            </a:extLst>
-          </p:cNvPr>
-          <p:cNvPicPr>
-            <a:picLocks noGrp="1" noChangeAspect="1"/>
-          </p:cNvPicPr>
-          <p:nvPr>
-            <p:ph idx="1"/>
-          </p:nvPr>
-        </p:nvPicPr>
-        <p:blipFill>
-          <a:blip r:embed="rId2"/>
-          <a:stretch>
-            <a:fillRect/>
-          </a:stretch>
-        </p:blipFill>
-        <p:spPr>
-          <a:xfrm>
-            <a:off x="4906878" y="1970503"/>
-            <a:ext cx="2188411" cy="2188411"/>
-          </a:xfrm>
-        </p:spPr>
-      </p:pic>
-      <p:sp>
-        <p:nvSpPr>
-          <p:cNvPr id="6" name="TextBox 5">
-            <a:extLst>
-              <a:ext uri="{FF2B5EF4-FFF2-40B4-BE49-F238E27FC236}">
-                <a16:creationId xmlns:a16="http://schemas.microsoft.com/office/drawing/2014/main" id="{52470712-2037-984B-9DCB-F2AE2E6E7403}"/>
-              </a:ext>
-            </a:extLst>
-          </p:cNvPr>
-          <p:cNvSpPr txBox="1"/>
-          <p:nvPr/>
-        </p:nvSpPr>
-        <p:spPr>
-          <a:xfrm>
-            <a:off x="4816528" y="4128346"/>
-            <a:ext cx="1632819" cy="369332"/>
-          </a:xfrm>
-          <a:prstGeom prst="rect">
-            <a:avLst/>
-          </a:prstGeom>
-          <a:noFill/>
-        </p:spPr>
-        <p:txBody>
-          <a:bodyPr wrap="none" rtlCol="0">
-            <a:spAutoFit/>
-          </a:bodyPr>
-          <a:lstStyle/>
-          <a:p>
-            <a:r>
-              <a:rPr lang="en-GB" dirty="0"/>
-              <a:t>Christina </a:t>
-            </a:r>
-            <a:r>
-              <a:rPr lang="en-GB" dirty="0" err="1"/>
-              <a:t>Lioma</a:t>
-            </a:r>
-            <a:endParaRPr lang="en-GB" dirty="0"/>
-          </a:p>
-        </p:txBody>
-      </p:sp>
-      <p:pic>
-        <p:nvPicPr>
-          <p:cNvPr id="8" name="Picture 7">
-            <a:extLst>
-              <a:ext uri="{FF2B5EF4-FFF2-40B4-BE49-F238E27FC236}">
-                <a16:creationId xmlns:a16="http://schemas.microsoft.com/office/drawing/2014/main" id="{1CF04836-3FA3-C448-841D-805ACB7CB0C6}"/>
-              </a:ext>
-            </a:extLst>
-          </p:cNvPr>
-          <p:cNvPicPr>
-            <a:picLocks noChangeAspect="1"/>
-          </p:cNvPicPr>
-          <p:nvPr/>
-        </p:nvPicPr>
-        <p:blipFill>
-          <a:blip r:embed="rId3"/>
-          <a:stretch>
-            <a:fillRect/>
-          </a:stretch>
-        </p:blipFill>
-        <p:spPr>
-          <a:xfrm>
-            <a:off x="7906752" y="1939935"/>
-            <a:ext cx="2188411" cy="2188411"/>
-          </a:xfrm>
-          <a:prstGeom prst="rect">
-            <a:avLst/>
-          </a:prstGeom>
-        </p:spPr>
-      </p:pic>
-      <p:sp>
-        <p:nvSpPr>
-          <p:cNvPr id="9" name="TextBox 8">
-            <a:extLst>
-              <a:ext uri="{FF2B5EF4-FFF2-40B4-BE49-F238E27FC236}">
-                <a16:creationId xmlns:a16="http://schemas.microsoft.com/office/drawing/2014/main" id="{0A59EDA7-1145-2049-AF5D-11EAF633824A}"/>
-              </a:ext>
-            </a:extLst>
-          </p:cNvPr>
-          <p:cNvSpPr txBox="1"/>
-          <p:nvPr/>
-        </p:nvSpPr>
-        <p:spPr>
-          <a:xfrm>
-            <a:off x="7816402" y="4128346"/>
-            <a:ext cx="1548822" cy="369332"/>
-          </a:xfrm>
-          <a:prstGeom prst="rect">
-            <a:avLst/>
-          </a:prstGeom>
-          <a:noFill/>
-        </p:spPr>
-        <p:txBody>
-          <a:bodyPr wrap="none" rtlCol="0">
-            <a:spAutoFit/>
-          </a:bodyPr>
-          <a:lstStyle/>
-          <a:p>
-            <a:r>
-              <a:rPr lang="en-GB" dirty="0"/>
-              <a:t>Martin </a:t>
-            </a:r>
-            <a:r>
-              <a:rPr lang="en-GB" dirty="0" err="1"/>
-              <a:t>Elsman</a:t>
-            </a:r>
-            <a:endParaRPr lang="en-GB" dirty="0"/>
-          </a:p>
-        </p:txBody>
-      </p:sp>
-      <p:pic>
-        <p:nvPicPr>
-          <p:cNvPr id="10" name="Picture 9">
-            <a:extLst>
-              <a:ext uri="{FF2B5EF4-FFF2-40B4-BE49-F238E27FC236}">
-                <a16:creationId xmlns:a16="http://schemas.microsoft.com/office/drawing/2014/main" id="{3C4B5FA4-FB77-2340-A7CA-43AD0F1DAB54}"/>
-              </a:ext>
-            </a:extLst>
-          </p:cNvPr>
-          <p:cNvPicPr>
-            <a:picLocks noChangeAspect="1"/>
-          </p:cNvPicPr>
-          <p:nvPr/>
-        </p:nvPicPr>
-        <p:blipFill>
-          <a:blip r:embed="rId4"/>
-          <a:stretch>
-            <a:fillRect/>
-          </a:stretch>
-        </p:blipFill>
-        <p:spPr>
-          <a:xfrm>
-            <a:off x="1762625" y="1970503"/>
-            <a:ext cx="2188411" cy="2188411"/>
-          </a:xfrm>
-          <a:prstGeom prst="rect">
-            <a:avLst/>
-          </a:prstGeom>
-        </p:spPr>
-      </p:pic>
-      <p:sp>
-        <p:nvSpPr>
-          <p:cNvPr id="11" name="TextBox 10">
-            <a:extLst>
-              <a:ext uri="{FF2B5EF4-FFF2-40B4-BE49-F238E27FC236}">
-                <a16:creationId xmlns:a16="http://schemas.microsoft.com/office/drawing/2014/main" id="{00596542-498D-5A48-AE42-D4D208721A03}"/>
-              </a:ext>
-            </a:extLst>
-          </p:cNvPr>
-          <p:cNvSpPr txBox="1"/>
-          <p:nvPr/>
-        </p:nvSpPr>
-        <p:spPr>
-          <a:xfrm>
-            <a:off x="1715279" y="4128346"/>
-            <a:ext cx="1348446" cy="369332"/>
-          </a:xfrm>
-          <a:prstGeom prst="rect">
-            <a:avLst/>
-          </a:prstGeom>
-          <a:noFill/>
-        </p:spPr>
-        <p:txBody>
-          <a:bodyPr wrap="none" rtlCol="0">
-            <a:spAutoFit/>
-          </a:bodyPr>
-          <a:lstStyle/>
-          <a:p>
-            <a:r>
-              <a:rPr lang="en-GB" dirty="0"/>
-              <a:t>Jon Sporring</a:t>
-            </a:r>
-          </a:p>
-        </p:txBody>
-      </p:sp>
-      <p:sp>
-        <p:nvSpPr>
-          <p:cNvPr id="12" name="TextBox 11">
-            <a:extLst>
-              <a:ext uri="{FF2B5EF4-FFF2-40B4-BE49-F238E27FC236}">
-                <a16:creationId xmlns:a16="http://schemas.microsoft.com/office/drawing/2014/main" id="{F7859A43-FA85-2D4E-B1FA-7113E56AD735}"/>
-              </a:ext>
-            </a:extLst>
-          </p:cNvPr>
-          <p:cNvSpPr txBox="1"/>
-          <p:nvPr/>
-        </p:nvSpPr>
-        <p:spPr>
-          <a:xfrm>
-            <a:off x="4816528" y="4497678"/>
-            <a:ext cx="2278761" cy="369332"/>
-          </a:xfrm>
-          <a:prstGeom prst="rect">
-            <a:avLst/>
-          </a:prstGeom>
-          <a:noFill/>
-        </p:spPr>
-        <p:txBody>
-          <a:bodyPr wrap="square" rtlCol="0">
-            <a:spAutoFit/>
-          </a:bodyPr>
-          <a:lstStyle/>
-          <a:p>
-            <a:r>
-              <a:rPr lang="da-DK" dirty="0"/>
-              <a:t>Information </a:t>
-            </a:r>
-            <a:r>
-              <a:rPr lang="da-DK" dirty="0" err="1"/>
-              <a:t>Retrieval</a:t>
-            </a:r>
-            <a:endParaRPr lang="en-GB" dirty="0"/>
-          </a:p>
-        </p:txBody>
-      </p:sp>
-      <p:sp>
-        <p:nvSpPr>
-          <p:cNvPr id="13" name="TextBox 12">
-            <a:extLst>
-              <a:ext uri="{FF2B5EF4-FFF2-40B4-BE49-F238E27FC236}">
-                <a16:creationId xmlns:a16="http://schemas.microsoft.com/office/drawing/2014/main" id="{E6C9D2E3-FB94-CC49-9E11-33EC82030286}"/>
-              </a:ext>
-            </a:extLst>
-          </p:cNvPr>
-          <p:cNvSpPr txBox="1"/>
-          <p:nvPr/>
-        </p:nvSpPr>
-        <p:spPr>
-          <a:xfrm>
-            <a:off x="7816402" y="4497678"/>
-            <a:ext cx="2851598" cy="369332"/>
-          </a:xfrm>
-          <a:prstGeom prst="rect">
-            <a:avLst/>
-          </a:prstGeom>
-          <a:noFill/>
-        </p:spPr>
-        <p:txBody>
-          <a:bodyPr wrap="square" rtlCol="0">
-            <a:spAutoFit/>
-          </a:bodyPr>
-          <a:lstStyle/>
-          <a:p>
-            <a:r>
-              <a:rPr lang="da-DK" dirty="0"/>
-              <a:t>Programming </a:t>
-            </a:r>
-            <a:r>
-              <a:rPr lang="da-DK" dirty="0" err="1"/>
-              <a:t>languages</a:t>
-            </a:r>
-            <a:endParaRPr lang="en-GB" dirty="0"/>
-          </a:p>
-        </p:txBody>
-      </p:sp>
-      <p:sp>
-        <p:nvSpPr>
-          <p:cNvPr id="14" name="TextBox 13">
-            <a:extLst>
-              <a:ext uri="{FF2B5EF4-FFF2-40B4-BE49-F238E27FC236}">
-                <a16:creationId xmlns:a16="http://schemas.microsoft.com/office/drawing/2014/main" id="{F116F630-A6FC-1646-9117-C6EFC35EF4A7}"/>
-              </a:ext>
-            </a:extLst>
-          </p:cNvPr>
-          <p:cNvSpPr txBox="1"/>
-          <p:nvPr/>
-        </p:nvSpPr>
-        <p:spPr>
-          <a:xfrm>
-            <a:off x="1715279" y="4497678"/>
-            <a:ext cx="2628900" cy="369332"/>
-          </a:xfrm>
-          <a:prstGeom prst="rect">
-            <a:avLst/>
-          </a:prstGeom>
-          <a:noFill/>
-        </p:spPr>
-        <p:txBody>
-          <a:bodyPr wrap="square" rtlCol="0">
-            <a:spAutoFit/>
-          </a:bodyPr>
-          <a:lstStyle/>
-          <a:p>
-            <a:r>
-              <a:rPr lang="da-DK" dirty="0"/>
-              <a:t>Image </a:t>
-            </a:r>
-            <a:r>
-              <a:rPr lang="da-DK" dirty="0" err="1"/>
-              <a:t>processing</a:t>
-            </a:r>
-            <a:endParaRPr lang="da-DK" dirty="0"/>
-          </a:p>
-        </p:txBody>
-      </p:sp>
-      <p:sp>
-        <p:nvSpPr>
-          <p:cNvPr id="17" name="Title 1">
-            <a:extLst>
-              <a:ext uri="{FF2B5EF4-FFF2-40B4-BE49-F238E27FC236}">
-                <a16:creationId xmlns:a16="http://schemas.microsoft.com/office/drawing/2014/main" id="{D9F60061-7455-3D49-B13C-B997EB71D0CE}"/>
-              </a:ext>
-            </a:extLst>
-          </p:cNvPr>
-          <p:cNvSpPr>
-            <a:spLocks noGrp="1"/>
-          </p:cNvSpPr>
-          <p:nvPr>
-            <p:ph type="title"/>
-          </p:nvPr>
-        </p:nvSpPr>
-        <p:spPr>
-          <a:xfrm>
-            <a:off x="838200" y="365125"/>
-            <a:ext cx="10515600" cy="1325563"/>
-          </a:xfrm>
-        </p:spPr>
-        <p:txBody>
-          <a:bodyPr/>
-          <a:lstStyle/>
-          <a:p>
-            <a:r>
-              <a:rPr lang="da-DK" dirty="0"/>
-              <a:t>Undervisere</a:t>
-            </a:r>
-          </a:p>
-        </p:txBody>
-      </p:sp>
-    </p:spTree>
-    <p:extLst>
-      <p:ext uri="{BB962C8B-B14F-4D97-AF65-F5344CB8AC3E}">
-        <p14:creationId xmlns:p14="http://schemas.microsoft.com/office/powerpoint/2010/main" val="4266050752"/>
-      </p:ext>
-    </p:extLst>
-  </p:cSld>
-  <p:clrMapOvr>
-    <a:masterClrMapping/>
-  </p:clrMapOvr>
-</p:sld>
-</file>
-
-<file path=ppt/slides/slide3.xml><?xml version="1.0" encoding="utf-8"?>
-<p:sld xmlns:a="http://schemas.openxmlformats.org/drawingml/2006/main" xmlns:r="http://schemas.openxmlformats.org/officeDocument/2006/relationships" xmlns:p="http://schemas.openxmlformats.org/presentationml/2006/main">
-  <p:cSld>
-    <p:spTree>
-      <p:nvGrpSpPr>
-        <p:cNvPr id="1" name=""/>
-        <p:cNvGrpSpPr/>
-        <p:nvPr/>
-      </p:nvGrpSpPr>
-      <p:grpSpPr>
-        <a:xfrm>
-          <a:off x="0" y="0"/>
-          <a:ext cx="0" cy="0"/>
-          <a:chOff x="0" y="0"/>
-          <a:chExt cx="0" cy="0"/>
-        </a:xfrm>
-      </p:grpSpPr>
-      <p:graphicFrame>
-        <p:nvGraphicFramePr>
-          <p:cNvPr id="4" name="Table 3">
-            <a:extLst>
-              <a:ext uri="{FF2B5EF4-FFF2-40B4-BE49-F238E27FC236}">
-                <a16:creationId xmlns:a16="http://schemas.microsoft.com/office/drawing/2014/main" id="{35029DD5-5F83-CC42-9DD3-D19C6346D2C9}"/>
-              </a:ext>
-            </a:extLst>
-          </p:cNvPr>
-          <p:cNvGraphicFramePr>
-            <a:graphicFrameLocks noGrp="1"/>
-          </p:cNvGraphicFramePr>
-          <p:nvPr>
-            <p:extLst>
-              <p:ext uri="{D42A27DB-BD31-4B8C-83A1-F6EECF244321}">
-                <p14:modId xmlns:p14="http://schemas.microsoft.com/office/powerpoint/2010/main" val="1943171789"/>
-              </p:ext>
-            </p:extLst>
-          </p:nvPr>
-        </p:nvGraphicFramePr>
-        <p:xfrm>
-          <a:off x="1971792" y="1573206"/>
-          <a:ext cx="8248416" cy="4351344"/>
-        </p:xfrm>
-        <a:graphic>
-          <a:graphicData uri="http://schemas.openxmlformats.org/drawingml/2006/table">
-            <a:tbl>
-              <a:tblPr/>
-              <a:tblGrid>
-                <a:gridCol w="2062104">
-                  <a:extLst>
-                    <a:ext uri="{9D8B030D-6E8A-4147-A177-3AD203B41FA5}">
-                      <a16:colId xmlns:a16="http://schemas.microsoft.com/office/drawing/2014/main" val="164358559"/>
-                    </a:ext>
-                  </a:extLst>
-                </a:gridCol>
-                <a:gridCol w="2062104">
-                  <a:extLst>
-                    <a:ext uri="{9D8B030D-6E8A-4147-A177-3AD203B41FA5}">
-                      <a16:colId xmlns:a16="http://schemas.microsoft.com/office/drawing/2014/main" val="3889591070"/>
-                    </a:ext>
-                  </a:extLst>
-                </a:gridCol>
-                <a:gridCol w="2062104">
-                  <a:extLst>
-                    <a:ext uri="{9D8B030D-6E8A-4147-A177-3AD203B41FA5}">
-                      <a16:colId xmlns:a16="http://schemas.microsoft.com/office/drawing/2014/main" val="3322815278"/>
-                    </a:ext>
-                  </a:extLst>
-                </a:gridCol>
-                <a:gridCol w="2062104">
-                  <a:extLst>
-                    <a:ext uri="{9D8B030D-6E8A-4147-A177-3AD203B41FA5}">
-                      <a16:colId xmlns:a16="http://schemas.microsoft.com/office/drawing/2014/main" val="986341912"/>
-                    </a:ext>
-                  </a:extLst>
-                </a:gridCol>
-              </a:tblGrid>
-              <a:tr h="245062">
-                <a:tc>
-                  <a:txBody>
-                    <a:bodyPr/>
-                    <a:lstStyle/>
-                    <a:p>
-                      <a:r>
-                        <a:rPr lang="da-DK" sz="1400">
-                          <a:effectLst/>
-                        </a:rPr>
-                        <a:t>Hold</a:t>
-                      </a:r>
-                    </a:p>
-                  </a:txBody>
-                  <a:tcPr marL="14943" marR="14943" marT="14943" marB="14943" anchor="ctr">
-                    <a:lnL>
-                      <a:noFill/>
-                    </a:lnL>
-                    <a:lnR>
-                      <a:noFill/>
-                    </a:lnR>
-                    <a:lnT>
-                      <a:noFill/>
-                    </a:lnT>
-                    <a:lnB>
-                      <a:noFill/>
-                    </a:lnB>
-                  </a:tcPr>
-                </a:tc>
-                <a:tc>
-                  <a:txBody>
-                    <a:bodyPr/>
-                    <a:lstStyle/>
-                    <a:p>
-                      <a:r>
-                        <a:rPr lang="da-DK" sz="1400">
-                          <a:effectLst/>
-                        </a:rPr>
-                        <a:t>Lokale</a:t>
-                      </a:r>
-                    </a:p>
-                  </a:txBody>
-                  <a:tcPr marL="14943" marR="14943" marT="14943" marB="14943" anchor="ctr">
-                    <a:lnL>
-                      <a:noFill/>
-                    </a:lnL>
-                    <a:lnR>
-                      <a:noFill/>
-                    </a:lnR>
-                    <a:lnT>
-                      <a:noFill/>
-                    </a:lnT>
-                    <a:lnB>
-                      <a:noFill/>
-                    </a:lnB>
-                  </a:tcPr>
-                </a:tc>
-                <a:tc>
-                  <a:txBody>
-                    <a:bodyPr/>
-                    <a:lstStyle/>
-                    <a:p>
-                      <a:r>
-                        <a:rPr lang="da-DK" sz="1400">
-                          <a:effectLst/>
-                        </a:rPr>
-                        <a:t>Instruktor</a:t>
-                      </a:r>
-                    </a:p>
-                  </a:txBody>
-                  <a:tcPr marL="14943" marR="14943" marT="14943" marB="14943" anchor="ctr">
-                    <a:lnL>
-                      <a:noFill/>
-                    </a:lnL>
-                    <a:lnR>
-                      <a:noFill/>
-                    </a:lnR>
-                    <a:lnT>
-                      <a:noFill/>
-                    </a:lnT>
-                    <a:lnB>
-                      <a:noFill/>
-                    </a:lnB>
-                  </a:tcPr>
-                </a:tc>
-                <a:tc>
-                  <a:txBody>
-                    <a:bodyPr/>
-                    <a:lstStyle/>
-                    <a:p>
-                      <a:r>
-                        <a:rPr lang="da-DK" sz="1400">
-                          <a:effectLst/>
-                        </a:rPr>
-                        <a:t>Mentor</a:t>
-                      </a:r>
-                    </a:p>
-                  </a:txBody>
-                  <a:tcPr marL="14943" marR="14943" marT="14943" marB="14943" anchor="ctr">
-                    <a:lnL>
-                      <a:noFill/>
-                    </a:lnL>
-                    <a:lnR>
-                      <a:noFill/>
-                    </a:lnR>
-                    <a:lnT>
-                      <a:noFill/>
-                    </a:lnT>
-                    <a:lnB>
-                      <a:noFill/>
-                    </a:lnB>
-                  </a:tcPr>
-                </a:tc>
-                <a:extLst>
-                  <a:ext uri="{0D108BD9-81ED-4DB2-BD59-A6C34878D82A}">
-                    <a16:rowId xmlns:a16="http://schemas.microsoft.com/office/drawing/2014/main" val="2881446193"/>
-                  </a:ext>
-                </a:extLst>
-              </a:tr>
-              <a:tr h="245062">
-                <a:tc>
-                  <a:txBody>
-                    <a:bodyPr/>
-                    <a:lstStyle/>
-                    <a:p>
-                      <a:r>
-                        <a:rPr lang="da-DK" sz="1400">
-                          <a:effectLst/>
-                        </a:rPr>
-                        <a:t>1</a:t>
-                      </a:r>
-                    </a:p>
-                  </a:txBody>
-                  <a:tcPr marL="14943" marR="14943" marT="14943" marB="14943" anchor="ctr">
-                    <a:lnL>
-                      <a:noFill/>
-                    </a:lnL>
-                    <a:lnR>
-                      <a:noFill/>
-                    </a:lnR>
-                    <a:lnT>
-                      <a:noFill/>
-                    </a:lnT>
-                    <a:lnB>
-                      <a:noFill/>
-                    </a:lnB>
-                  </a:tcPr>
-                </a:tc>
-                <a:tc>
-                  <a:txBody>
-                    <a:bodyPr/>
-                    <a:lstStyle/>
-                    <a:p>
-                      <a:r>
-                        <a:rPr lang="da-DK" sz="1400">
-                          <a:effectLst/>
-                        </a:rPr>
-                        <a:t>DIKU - 1-0-14</a:t>
-                      </a:r>
-                    </a:p>
-                  </a:txBody>
-                  <a:tcPr marL="14943" marR="14943" marT="14943" marB="14943" anchor="ctr">
-                    <a:lnL>
-                      <a:noFill/>
-                    </a:lnL>
-                    <a:lnR>
-                      <a:noFill/>
-                    </a:lnR>
-                    <a:lnT>
-                      <a:noFill/>
-                    </a:lnT>
-                    <a:lnB>
-                      <a:noFill/>
-                    </a:lnB>
-                  </a:tcPr>
-                </a:tc>
-                <a:tc>
-                  <a:txBody>
-                    <a:bodyPr/>
-                    <a:lstStyle/>
-                    <a:p>
-                      <a:r>
-                        <a:rPr lang="da-DK" sz="1400">
-                          <a:effectLst/>
-                        </a:rPr>
-                        <a:t>Pernille Horn</a:t>
-                      </a:r>
-                    </a:p>
-                  </a:txBody>
-                  <a:tcPr marL="14943" marR="14943" marT="14943" marB="14943" anchor="ctr">
-                    <a:lnL>
-                      <a:noFill/>
-                    </a:lnL>
-                    <a:lnR>
-                      <a:noFill/>
-                    </a:lnR>
-                    <a:lnT>
-                      <a:noFill/>
-                    </a:lnT>
-                    <a:lnB>
-                      <a:noFill/>
-                    </a:lnB>
-                  </a:tcPr>
-                </a:tc>
-                <a:tc>
-                  <a:txBody>
-                    <a:bodyPr/>
-                    <a:lstStyle/>
-                    <a:p>
-                      <a:r>
-                        <a:rPr lang="da-DK" sz="1400">
-                          <a:effectLst/>
-                        </a:rPr>
-                        <a:t>Emma Leschly</a:t>
-                      </a:r>
-                    </a:p>
-                  </a:txBody>
-                  <a:tcPr marL="14943" marR="14943" marT="14943" marB="14943" anchor="ctr">
-                    <a:lnL>
-                      <a:noFill/>
-                    </a:lnL>
-                    <a:lnR>
-                      <a:noFill/>
-                    </a:lnR>
-                    <a:lnT>
-                      <a:noFill/>
-                    </a:lnT>
-                    <a:lnB>
-                      <a:noFill/>
-                    </a:lnB>
-                  </a:tcPr>
-                </a:tc>
-                <a:extLst>
-                  <a:ext uri="{0D108BD9-81ED-4DB2-BD59-A6C34878D82A}">
-                    <a16:rowId xmlns:a16="http://schemas.microsoft.com/office/drawing/2014/main" val="3100109255"/>
-                  </a:ext>
-                </a:extLst>
-              </a:tr>
-              <a:tr h="245062">
-                <a:tc>
-                  <a:txBody>
-                    <a:bodyPr/>
-                    <a:lstStyle/>
-                    <a:p>
-                      <a:r>
-                        <a:rPr lang="da-DK" sz="1400">
-                          <a:effectLst/>
-                        </a:rPr>
-                        <a:t>2</a:t>
-                      </a:r>
-                    </a:p>
-                  </a:txBody>
-                  <a:tcPr marL="14943" marR="14943" marT="14943" marB="14943" anchor="ctr">
-                    <a:lnL>
-                      <a:noFill/>
-                    </a:lnL>
-                    <a:lnR>
-                      <a:noFill/>
-                    </a:lnR>
-                    <a:lnT>
-                      <a:noFill/>
-                    </a:lnT>
-                    <a:lnB>
-                      <a:noFill/>
-                    </a:lnB>
-                  </a:tcPr>
-                </a:tc>
-                <a:tc>
-                  <a:txBody>
-                    <a:bodyPr/>
-                    <a:lstStyle/>
-                    <a:p>
-                      <a:r>
-                        <a:rPr lang="da-DK" sz="1400">
-                          <a:effectLst/>
-                        </a:rPr>
-                        <a:t>DIKU - 1-0-22</a:t>
-                      </a:r>
-                    </a:p>
-                  </a:txBody>
-                  <a:tcPr marL="14943" marR="14943" marT="14943" marB="14943" anchor="ctr">
-                    <a:lnL>
-                      <a:noFill/>
-                    </a:lnL>
-                    <a:lnR>
-                      <a:noFill/>
-                    </a:lnR>
-                    <a:lnT>
-                      <a:noFill/>
-                    </a:lnT>
-                    <a:lnB>
-                      <a:noFill/>
-                    </a:lnB>
-                  </a:tcPr>
-                </a:tc>
-                <a:tc>
-                  <a:txBody>
-                    <a:bodyPr/>
-                    <a:lstStyle/>
-                    <a:p>
-                      <a:r>
-                        <a:rPr lang="da-DK" sz="1400">
-                          <a:effectLst/>
-                        </a:rPr>
-                        <a:t>Simon Rotendahl</a:t>
-                      </a:r>
-                    </a:p>
-                  </a:txBody>
-                  <a:tcPr marL="14943" marR="14943" marT="14943" marB="14943" anchor="ctr">
-                    <a:lnL>
-                      <a:noFill/>
-                    </a:lnL>
-                    <a:lnR>
-                      <a:noFill/>
-                    </a:lnR>
-                    <a:lnT>
-                      <a:noFill/>
-                    </a:lnT>
-                    <a:lnB>
-                      <a:noFill/>
-                    </a:lnB>
-                  </a:tcPr>
-                </a:tc>
-                <a:tc>
-                  <a:txBody>
-                    <a:bodyPr/>
-                    <a:lstStyle/>
-                    <a:p>
-                      <a:r>
-                        <a:rPr lang="da-DK" sz="1400">
-                          <a:effectLst/>
-                        </a:rPr>
-                        <a:t>Layla Guelli</a:t>
-                      </a:r>
-                    </a:p>
-                  </a:txBody>
-                  <a:tcPr marL="14943" marR="14943" marT="14943" marB="14943" anchor="ctr">
-                    <a:lnL>
-                      <a:noFill/>
-                    </a:lnL>
-                    <a:lnR>
-                      <a:noFill/>
-                    </a:lnR>
-                    <a:lnT>
-                      <a:noFill/>
-                    </a:lnT>
-                    <a:lnB>
-                      <a:noFill/>
-                    </a:lnB>
-                  </a:tcPr>
-                </a:tc>
-                <a:extLst>
-                  <a:ext uri="{0D108BD9-81ED-4DB2-BD59-A6C34878D82A}">
-                    <a16:rowId xmlns:a16="http://schemas.microsoft.com/office/drawing/2014/main" val="1988263141"/>
-                  </a:ext>
-                </a:extLst>
-              </a:tr>
-              <a:tr h="460238">
-                <a:tc>
-                  <a:txBody>
-                    <a:bodyPr/>
-                    <a:lstStyle/>
-                    <a:p>
-                      <a:r>
-                        <a:rPr lang="da-DK" sz="1400">
-                          <a:effectLst/>
-                        </a:rPr>
-                        <a:t>3</a:t>
-                      </a:r>
-                    </a:p>
-                  </a:txBody>
-                  <a:tcPr marL="14943" marR="14943" marT="14943" marB="14943" anchor="ctr">
-                    <a:lnL>
-                      <a:noFill/>
-                    </a:lnL>
-                    <a:lnR>
-                      <a:noFill/>
-                    </a:lnR>
-                    <a:lnT>
-                      <a:noFill/>
-                    </a:lnT>
-                    <a:lnB>
-                      <a:noFill/>
-                    </a:lnB>
-                  </a:tcPr>
-                </a:tc>
-                <a:tc>
-                  <a:txBody>
-                    <a:bodyPr/>
-                    <a:lstStyle/>
-                    <a:p>
-                      <a:r>
-                        <a:rPr lang="da-DK" sz="1400">
-                          <a:effectLst/>
-                        </a:rPr>
-                        <a:t>DIKU - 1-0-34</a:t>
-                      </a:r>
-                    </a:p>
-                  </a:txBody>
-                  <a:tcPr marL="14943" marR="14943" marT="14943" marB="14943" anchor="ctr">
-                    <a:lnL>
-                      <a:noFill/>
-                    </a:lnL>
-                    <a:lnR>
-                      <a:noFill/>
-                    </a:lnR>
-                    <a:lnT>
-                      <a:noFill/>
-                    </a:lnT>
-                    <a:lnB>
-                      <a:noFill/>
-                    </a:lnB>
-                  </a:tcPr>
-                </a:tc>
-                <a:tc>
-                  <a:txBody>
-                    <a:bodyPr/>
-                    <a:lstStyle/>
-                    <a:p>
-                      <a:r>
-                        <a:rPr lang="da-DK" sz="1400">
-                          <a:effectLst/>
-                        </a:rPr>
-                        <a:t>Karen Larsen</a:t>
-                      </a:r>
-                    </a:p>
-                  </a:txBody>
-                  <a:tcPr marL="14943" marR="14943" marT="14943" marB="14943" anchor="ctr">
-                    <a:lnL>
-                      <a:noFill/>
-                    </a:lnL>
-                    <a:lnR>
-                      <a:noFill/>
-                    </a:lnR>
-                    <a:lnT>
-                      <a:noFill/>
-                    </a:lnT>
-                    <a:lnB>
-                      <a:noFill/>
-                    </a:lnB>
-                  </a:tcPr>
-                </a:tc>
-                <a:tc>
-                  <a:txBody>
-                    <a:bodyPr/>
-                    <a:lstStyle/>
-                    <a:p>
-                      <a:r>
-                        <a:rPr lang="da-DK" sz="1400">
-                          <a:effectLst/>
-                        </a:rPr>
-                        <a:t>Nathalia Krøigaard Jørgensen</a:t>
-                      </a:r>
-                    </a:p>
-                  </a:txBody>
-                  <a:tcPr marL="14943" marR="14943" marT="14943" marB="14943" anchor="ctr">
-                    <a:lnL>
-                      <a:noFill/>
-                    </a:lnL>
-                    <a:lnR>
-                      <a:noFill/>
-                    </a:lnR>
-                    <a:lnT>
-                      <a:noFill/>
-                    </a:lnT>
-                    <a:lnB>
-                      <a:noFill/>
-                    </a:lnB>
-                  </a:tcPr>
-                </a:tc>
-                <a:extLst>
-                  <a:ext uri="{0D108BD9-81ED-4DB2-BD59-A6C34878D82A}">
-                    <a16:rowId xmlns:a16="http://schemas.microsoft.com/office/drawing/2014/main" val="382574053"/>
-                  </a:ext>
-                </a:extLst>
-              </a:tr>
-              <a:tr h="245062">
-                <a:tc>
-                  <a:txBody>
-                    <a:bodyPr/>
-                    <a:lstStyle/>
-                    <a:p>
-                      <a:r>
-                        <a:rPr lang="da-DK" sz="1400">
-                          <a:effectLst/>
-                        </a:rPr>
-                        <a:t>4</a:t>
-                      </a:r>
-                    </a:p>
-                  </a:txBody>
-                  <a:tcPr marL="14943" marR="14943" marT="14943" marB="14943" anchor="ctr">
-                    <a:lnL>
-                      <a:noFill/>
-                    </a:lnL>
-                    <a:lnR>
-                      <a:noFill/>
-                    </a:lnR>
-                    <a:lnT>
-                      <a:noFill/>
-                    </a:lnT>
-                    <a:lnB>
-                      <a:noFill/>
-                    </a:lnB>
-                  </a:tcPr>
-                </a:tc>
-                <a:tc>
-                  <a:txBody>
-                    <a:bodyPr/>
-                    <a:lstStyle/>
-                    <a:p>
-                      <a:r>
-                        <a:rPr lang="da-DK" sz="1400">
-                          <a:effectLst/>
-                        </a:rPr>
-                        <a:t>DIKU - 1-0-10</a:t>
-                      </a:r>
-                    </a:p>
-                  </a:txBody>
-                  <a:tcPr marL="14943" marR="14943" marT="14943" marB="14943" anchor="ctr">
-                    <a:lnL>
-                      <a:noFill/>
-                    </a:lnL>
-                    <a:lnR>
-                      <a:noFill/>
-                    </a:lnR>
-                    <a:lnT>
-                      <a:noFill/>
-                    </a:lnT>
-                    <a:lnB>
-                      <a:noFill/>
-                    </a:lnB>
-                  </a:tcPr>
-                </a:tc>
-                <a:tc>
-                  <a:txBody>
-                    <a:bodyPr/>
-                    <a:lstStyle/>
-                    <a:p>
-                      <a:r>
-                        <a:rPr lang="da-DK" sz="1400">
-                          <a:effectLst/>
-                        </a:rPr>
-                        <a:t>Zi Sian Peter Lim</a:t>
-                      </a:r>
-                    </a:p>
-                  </a:txBody>
-                  <a:tcPr marL="14943" marR="14943" marT="14943" marB="14943" anchor="ctr">
-                    <a:lnL>
-                      <a:noFill/>
-                    </a:lnL>
-                    <a:lnR>
-                      <a:noFill/>
-                    </a:lnR>
-                    <a:lnT>
-                      <a:noFill/>
-                    </a:lnT>
-                    <a:lnB>
-                      <a:noFill/>
-                    </a:lnB>
-                  </a:tcPr>
-                </a:tc>
-                <a:tc>
-                  <a:txBody>
-                    <a:bodyPr/>
-                    <a:lstStyle/>
-                    <a:p>
-                      <a:r>
-                        <a:rPr lang="da-DK" sz="1400">
-                          <a:effectLst/>
-                        </a:rPr>
-                        <a:t>Maja Ling Han</a:t>
-                      </a:r>
-                    </a:p>
-                  </a:txBody>
-                  <a:tcPr marL="14943" marR="14943" marT="14943" marB="14943" anchor="ctr">
-                    <a:lnL>
-                      <a:noFill/>
-                    </a:lnL>
-                    <a:lnR>
-                      <a:noFill/>
-                    </a:lnR>
-                    <a:lnT>
-                      <a:noFill/>
-                    </a:lnT>
-                    <a:lnB>
-                      <a:noFill/>
-                    </a:lnB>
-                  </a:tcPr>
-                </a:tc>
-                <a:extLst>
-                  <a:ext uri="{0D108BD9-81ED-4DB2-BD59-A6C34878D82A}">
-                    <a16:rowId xmlns:a16="http://schemas.microsoft.com/office/drawing/2014/main" val="289637425"/>
-                  </a:ext>
-                </a:extLst>
-              </a:tr>
-              <a:tr h="460238">
-                <a:tc>
-                  <a:txBody>
-                    <a:bodyPr/>
-                    <a:lstStyle/>
-                    <a:p>
-                      <a:r>
-                        <a:rPr lang="da-DK" sz="1400" dirty="0">
-                          <a:effectLst/>
-                        </a:rPr>
-                        <a:t>5</a:t>
-                      </a:r>
-                    </a:p>
-                  </a:txBody>
-                  <a:tcPr marL="14943" marR="14943" marT="14943" marB="14943" anchor="ctr">
-                    <a:lnL>
-                      <a:noFill/>
-                    </a:lnL>
-                    <a:lnR>
-                      <a:noFill/>
-                    </a:lnR>
-                    <a:lnT>
-                      <a:noFill/>
-                    </a:lnT>
-                    <a:lnB>
-                      <a:noFill/>
-                    </a:lnB>
-                  </a:tcPr>
-                </a:tc>
-                <a:tc>
-                  <a:txBody>
-                    <a:bodyPr/>
-                    <a:lstStyle/>
-                    <a:p>
-                      <a:r>
-                        <a:rPr lang="da-DK" sz="1400">
-                          <a:effectLst/>
-                        </a:rPr>
-                        <a:t>DIKU - 1-0-18</a:t>
-                      </a:r>
-                    </a:p>
-                  </a:txBody>
-                  <a:tcPr marL="14943" marR="14943" marT="14943" marB="14943" anchor="ctr">
-                    <a:lnL>
-                      <a:noFill/>
-                    </a:lnL>
-                    <a:lnR>
-                      <a:noFill/>
-                    </a:lnR>
-                    <a:lnT>
-                      <a:noFill/>
-                    </a:lnT>
-                    <a:lnB>
-                      <a:noFill/>
-                    </a:lnB>
-                  </a:tcPr>
-                </a:tc>
-                <a:tc>
-                  <a:txBody>
-                    <a:bodyPr/>
-                    <a:lstStyle/>
-                    <a:p>
-                      <a:r>
-                        <a:rPr lang="da-DK" sz="1400">
-                          <a:effectLst/>
-                        </a:rPr>
-                        <a:t>Ayman Hussein</a:t>
-                      </a:r>
-                    </a:p>
-                  </a:txBody>
-                  <a:tcPr marL="14943" marR="14943" marT="14943" marB="14943" anchor="ctr">
-                    <a:lnL>
-                      <a:noFill/>
-                    </a:lnL>
-                    <a:lnR>
-                      <a:noFill/>
-                    </a:lnR>
-                    <a:lnT>
-                      <a:noFill/>
-                    </a:lnT>
-                    <a:lnB>
-                      <a:noFill/>
-                    </a:lnB>
-                  </a:tcPr>
-                </a:tc>
-                <a:tc>
-                  <a:txBody>
-                    <a:bodyPr/>
-                    <a:lstStyle/>
-                    <a:p>
-                      <a:r>
-                        <a:rPr lang="da-DK" sz="1400">
-                          <a:effectLst/>
-                        </a:rPr>
-                        <a:t>Mathias Niebuhr Bjerregaard</a:t>
-                      </a:r>
-                    </a:p>
-                  </a:txBody>
-                  <a:tcPr marL="14943" marR="14943" marT="14943" marB="14943" anchor="ctr">
-                    <a:lnL>
-                      <a:noFill/>
-                    </a:lnL>
-                    <a:lnR>
-                      <a:noFill/>
-                    </a:lnR>
-                    <a:lnT>
-                      <a:noFill/>
-                    </a:lnT>
-                    <a:lnB>
-                      <a:noFill/>
-                    </a:lnB>
-                  </a:tcPr>
-                </a:tc>
-                <a:extLst>
-                  <a:ext uri="{0D108BD9-81ED-4DB2-BD59-A6C34878D82A}">
-                    <a16:rowId xmlns:a16="http://schemas.microsoft.com/office/drawing/2014/main" val="87606583"/>
-                  </a:ext>
-                </a:extLst>
-              </a:tr>
-              <a:tr h="245062">
-                <a:tc>
-                  <a:txBody>
-                    <a:bodyPr/>
-                    <a:lstStyle/>
-                    <a:p>
-                      <a:r>
-                        <a:rPr lang="da-DK" sz="1400">
-                          <a:effectLst/>
-                        </a:rPr>
-                        <a:t>6</a:t>
-                      </a:r>
-                    </a:p>
-                  </a:txBody>
-                  <a:tcPr marL="14943" marR="14943" marT="14943" marB="14943" anchor="ctr">
-                    <a:lnL>
-                      <a:noFill/>
-                    </a:lnL>
-                    <a:lnR>
-                      <a:noFill/>
-                    </a:lnR>
-                    <a:lnT>
-                      <a:noFill/>
-                    </a:lnT>
-                    <a:lnB>
-                      <a:noFill/>
-                    </a:lnB>
-                  </a:tcPr>
-                </a:tc>
-                <a:tc>
-                  <a:txBody>
-                    <a:bodyPr/>
-                    <a:lstStyle/>
-                    <a:p>
-                      <a:r>
-                        <a:rPr lang="da-DK" sz="1400">
-                          <a:effectLst/>
-                        </a:rPr>
-                        <a:t>DIKU - 1-0-30</a:t>
-                      </a:r>
-                    </a:p>
-                  </a:txBody>
-                  <a:tcPr marL="14943" marR="14943" marT="14943" marB="14943" anchor="ctr">
-                    <a:lnL>
-                      <a:noFill/>
-                    </a:lnL>
-                    <a:lnR>
-                      <a:noFill/>
-                    </a:lnR>
-                    <a:lnT>
-                      <a:noFill/>
-                    </a:lnT>
-                    <a:lnB>
-                      <a:noFill/>
-                    </a:lnB>
-                  </a:tcPr>
-                </a:tc>
-                <a:tc>
-                  <a:txBody>
-                    <a:bodyPr/>
-                    <a:lstStyle/>
-                    <a:p>
-                      <a:r>
-                        <a:rPr lang="da-DK" sz="1400">
-                          <a:effectLst/>
-                        </a:rPr>
-                        <a:t>Troels Korreman Nielsen</a:t>
-                      </a:r>
-                    </a:p>
-                  </a:txBody>
-                  <a:tcPr marL="14943" marR="14943" marT="14943" marB="14943" anchor="ctr">
-                    <a:lnL>
-                      <a:noFill/>
-                    </a:lnL>
-                    <a:lnR>
-                      <a:noFill/>
-                    </a:lnR>
-                    <a:lnT>
-                      <a:noFill/>
-                    </a:lnT>
-                    <a:lnB>
-                      <a:noFill/>
-                    </a:lnB>
-                  </a:tcPr>
-                </a:tc>
-                <a:tc>
-                  <a:txBody>
-                    <a:bodyPr/>
-                    <a:lstStyle/>
-                    <a:p>
-                      <a:r>
-                        <a:rPr lang="da-DK" sz="1400">
-                          <a:effectLst/>
-                        </a:rPr>
-                        <a:t>Mads Østerø Nørregaard</a:t>
-                      </a:r>
-                    </a:p>
-                  </a:txBody>
-                  <a:tcPr marL="14943" marR="14943" marT="14943" marB="14943" anchor="ctr">
-                    <a:lnL>
-                      <a:noFill/>
-                    </a:lnL>
-                    <a:lnR>
-                      <a:noFill/>
-                    </a:lnR>
-                    <a:lnT>
-                      <a:noFill/>
-                    </a:lnT>
-                    <a:lnB>
-                      <a:noFill/>
-                    </a:lnB>
-                  </a:tcPr>
-                </a:tc>
-                <a:extLst>
-                  <a:ext uri="{0D108BD9-81ED-4DB2-BD59-A6C34878D82A}">
-                    <a16:rowId xmlns:a16="http://schemas.microsoft.com/office/drawing/2014/main" val="2197297301"/>
-                  </a:ext>
-                </a:extLst>
-              </a:tr>
-              <a:tr h="245062">
-                <a:tc>
-                  <a:txBody>
-                    <a:bodyPr/>
-                    <a:lstStyle/>
-                    <a:p>
-                      <a:r>
-                        <a:rPr lang="da-DK" sz="1400">
-                          <a:effectLst/>
-                        </a:rPr>
-                        <a:t>7</a:t>
-                      </a:r>
-                    </a:p>
-                  </a:txBody>
-                  <a:tcPr marL="14943" marR="14943" marT="14943" marB="14943" anchor="ctr">
-                    <a:lnL>
-                      <a:noFill/>
-                    </a:lnL>
-                    <a:lnR>
-                      <a:noFill/>
-                    </a:lnR>
-                    <a:lnT>
-                      <a:noFill/>
-                    </a:lnT>
-                    <a:lnB>
-                      <a:noFill/>
-                    </a:lnB>
-                  </a:tcPr>
-                </a:tc>
-                <a:tc>
-                  <a:txBody>
-                    <a:bodyPr/>
-                    <a:lstStyle/>
-                    <a:p>
-                      <a:r>
-                        <a:rPr lang="da-DK" sz="1400">
-                          <a:effectLst/>
-                        </a:rPr>
-                        <a:t>HCØ-Aud 6</a:t>
-                      </a:r>
-                    </a:p>
-                  </a:txBody>
-                  <a:tcPr marL="14943" marR="14943" marT="14943" marB="14943" anchor="ctr">
-                    <a:lnL>
-                      <a:noFill/>
-                    </a:lnL>
-                    <a:lnR>
-                      <a:noFill/>
-                    </a:lnR>
-                    <a:lnT>
-                      <a:noFill/>
-                    </a:lnT>
-                    <a:lnB>
-                      <a:noFill/>
-                    </a:lnB>
-                  </a:tcPr>
-                </a:tc>
-                <a:tc>
-                  <a:txBody>
-                    <a:bodyPr/>
-                    <a:lstStyle/>
-                    <a:p>
-                      <a:r>
-                        <a:rPr lang="da-DK" sz="1400">
-                          <a:effectLst/>
-                        </a:rPr>
-                        <a:t>Mikkel Sørensen</a:t>
-                      </a:r>
-                    </a:p>
-                  </a:txBody>
-                  <a:tcPr marL="14943" marR="14943" marT="14943" marB="14943" anchor="ctr">
-                    <a:lnL>
-                      <a:noFill/>
-                    </a:lnL>
-                    <a:lnR>
-                      <a:noFill/>
-                    </a:lnR>
-                    <a:lnT>
-                      <a:noFill/>
-                    </a:lnT>
-                    <a:lnB>
-                      <a:noFill/>
-                    </a:lnB>
-                  </a:tcPr>
-                </a:tc>
-                <a:tc>
-                  <a:txBody>
-                    <a:bodyPr/>
-                    <a:lstStyle/>
-                    <a:p>
-                      <a:r>
-                        <a:rPr lang="da-DK" sz="1400">
-                          <a:effectLst/>
-                        </a:rPr>
-                        <a:t>Christoffer Karlborg</a:t>
-                      </a:r>
-                    </a:p>
-                  </a:txBody>
-                  <a:tcPr marL="14943" marR="14943" marT="14943" marB="14943" anchor="ctr">
-                    <a:lnL>
-                      <a:noFill/>
-                    </a:lnL>
-                    <a:lnR>
-                      <a:noFill/>
-                    </a:lnR>
-                    <a:lnT>
-                      <a:noFill/>
-                    </a:lnT>
-                    <a:lnB>
-                      <a:noFill/>
-                    </a:lnB>
-                  </a:tcPr>
-                </a:tc>
-                <a:extLst>
-                  <a:ext uri="{0D108BD9-81ED-4DB2-BD59-A6C34878D82A}">
-                    <a16:rowId xmlns:a16="http://schemas.microsoft.com/office/drawing/2014/main" val="1500089631"/>
-                  </a:ext>
-                </a:extLst>
-              </a:tr>
-              <a:tr h="245062">
-                <a:tc>
-                  <a:txBody>
-                    <a:bodyPr/>
-                    <a:lstStyle/>
-                    <a:p>
-                      <a:r>
-                        <a:rPr lang="da-DK" sz="1400">
-                          <a:effectLst/>
-                        </a:rPr>
-                        <a:t>8</a:t>
-                      </a:r>
-                    </a:p>
-                  </a:txBody>
-                  <a:tcPr marL="14943" marR="14943" marT="14943" marB="14943" anchor="ctr">
-                    <a:lnL>
-                      <a:noFill/>
-                    </a:lnL>
-                    <a:lnR>
-                      <a:noFill/>
-                    </a:lnR>
-                    <a:lnT>
-                      <a:noFill/>
-                    </a:lnT>
-                    <a:lnB>
-                      <a:noFill/>
-                    </a:lnB>
-                  </a:tcPr>
-                </a:tc>
-                <a:tc>
-                  <a:txBody>
-                    <a:bodyPr/>
-                    <a:lstStyle/>
-                    <a:p>
-                      <a:r>
-                        <a:rPr lang="da-DK" sz="1400">
-                          <a:effectLst/>
-                        </a:rPr>
-                        <a:t>HCØ-Aud 6</a:t>
-                      </a:r>
-                    </a:p>
-                  </a:txBody>
-                  <a:tcPr marL="14943" marR="14943" marT="14943" marB="14943" anchor="ctr">
-                    <a:lnL>
-                      <a:noFill/>
-                    </a:lnL>
-                    <a:lnR>
-                      <a:noFill/>
-                    </a:lnR>
-                    <a:lnT>
-                      <a:noFill/>
-                    </a:lnT>
-                    <a:lnB>
-                      <a:noFill/>
-                    </a:lnB>
-                  </a:tcPr>
-                </a:tc>
-                <a:tc>
-                  <a:txBody>
-                    <a:bodyPr/>
-                    <a:lstStyle/>
-                    <a:p>
-                      <a:r>
-                        <a:rPr lang="da-DK" sz="1400">
-                          <a:effectLst/>
-                        </a:rPr>
-                        <a:t>Emillie Burkal</a:t>
-                      </a:r>
-                    </a:p>
-                  </a:txBody>
-                  <a:tcPr marL="14943" marR="14943" marT="14943" marB="14943" anchor="ctr">
-                    <a:lnL>
-                      <a:noFill/>
-                    </a:lnL>
-                    <a:lnR>
-                      <a:noFill/>
-                    </a:lnR>
-                    <a:lnT>
-                      <a:noFill/>
-                    </a:lnT>
-                    <a:lnB>
-                      <a:noFill/>
-                    </a:lnB>
-                  </a:tcPr>
-                </a:tc>
-                <a:tc>
-                  <a:txBody>
-                    <a:bodyPr/>
-                    <a:lstStyle/>
-                    <a:p>
-                      <a:r>
-                        <a:rPr lang="da-DK" sz="1400">
-                          <a:effectLst/>
-                        </a:rPr>
-                        <a:t>Jacob Olesen</a:t>
-                      </a:r>
-                    </a:p>
-                  </a:txBody>
-                  <a:tcPr marL="14943" marR="14943" marT="14943" marB="14943" anchor="ctr">
-                    <a:lnL>
-                      <a:noFill/>
-                    </a:lnL>
-                    <a:lnR>
-                      <a:noFill/>
-                    </a:lnR>
-                    <a:lnT>
-                      <a:noFill/>
-                    </a:lnT>
-                    <a:lnB>
-                      <a:noFill/>
-                    </a:lnB>
-                  </a:tcPr>
-                </a:tc>
-                <a:extLst>
-                  <a:ext uri="{0D108BD9-81ED-4DB2-BD59-A6C34878D82A}">
-                    <a16:rowId xmlns:a16="http://schemas.microsoft.com/office/drawing/2014/main" val="2105614746"/>
-                  </a:ext>
-                </a:extLst>
-              </a:tr>
-              <a:tr h="245062">
-                <a:tc>
-                  <a:txBody>
-                    <a:bodyPr/>
-                    <a:lstStyle/>
-                    <a:p>
-                      <a:r>
-                        <a:rPr lang="da-DK" sz="1400">
-                          <a:effectLst/>
-                        </a:rPr>
-                        <a:t>9</a:t>
-                      </a:r>
-                    </a:p>
-                  </a:txBody>
-                  <a:tcPr marL="14943" marR="14943" marT="14943" marB="14943" anchor="ctr">
-                    <a:lnL>
-                      <a:noFill/>
-                    </a:lnL>
-                    <a:lnR>
-                      <a:noFill/>
-                    </a:lnR>
-                    <a:lnT>
-                      <a:noFill/>
-                    </a:lnT>
-                    <a:lnB>
-                      <a:noFill/>
-                    </a:lnB>
-                  </a:tcPr>
-                </a:tc>
-                <a:tc>
-                  <a:txBody>
-                    <a:bodyPr/>
-                    <a:lstStyle/>
-                    <a:p>
-                      <a:r>
-                        <a:rPr lang="da-DK" sz="1400">
-                          <a:effectLst/>
-                        </a:rPr>
-                        <a:t>DIKU - 1-0-37</a:t>
-                      </a:r>
-                    </a:p>
-                  </a:txBody>
-                  <a:tcPr marL="14943" marR="14943" marT="14943" marB="14943" anchor="ctr">
-                    <a:lnL>
-                      <a:noFill/>
-                    </a:lnL>
-                    <a:lnR>
-                      <a:noFill/>
-                    </a:lnR>
-                    <a:lnT>
-                      <a:noFill/>
-                    </a:lnT>
-                    <a:lnB>
-                      <a:noFill/>
-                    </a:lnB>
-                  </a:tcPr>
-                </a:tc>
-                <a:tc>
-                  <a:txBody>
-                    <a:bodyPr/>
-                    <a:lstStyle/>
-                    <a:p>
-                      <a:r>
-                        <a:rPr lang="da-DK" sz="1400">
-                          <a:effectLst/>
-                        </a:rPr>
-                        <a:t>Mads Obitsø Thomsen</a:t>
-                      </a:r>
-                    </a:p>
-                  </a:txBody>
-                  <a:tcPr marL="14943" marR="14943" marT="14943" marB="14943" anchor="ctr">
-                    <a:lnL>
-                      <a:noFill/>
-                    </a:lnL>
-                    <a:lnR>
-                      <a:noFill/>
-                    </a:lnR>
-                    <a:lnT>
-                      <a:noFill/>
-                    </a:lnT>
-                    <a:lnB>
-                      <a:noFill/>
-                    </a:lnB>
-                  </a:tcPr>
-                </a:tc>
-                <a:tc>
-                  <a:txBody>
-                    <a:bodyPr/>
-                    <a:lstStyle/>
-                    <a:p>
-                      <a:r>
-                        <a:rPr lang="da-DK" sz="1400">
-                          <a:effectLst/>
-                        </a:rPr>
-                        <a:t>Jonas Flach-Jensen</a:t>
-                      </a:r>
-                    </a:p>
-                  </a:txBody>
-                  <a:tcPr marL="14943" marR="14943" marT="14943" marB="14943" anchor="ctr">
-                    <a:lnL>
-                      <a:noFill/>
-                    </a:lnL>
-                    <a:lnR>
-                      <a:noFill/>
-                    </a:lnR>
-                    <a:lnT>
-                      <a:noFill/>
-                    </a:lnT>
-                    <a:lnB>
-                      <a:noFill/>
-                    </a:lnB>
-                  </a:tcPr>
-                </a:tc>
-                <a:extLst>
-                  <a:ext uri="{0D108BD9-81ED-4DB2-BD59-A6C34878D82A}">
-                    <a16:rowId xmlns:a16="http://schemas.microsoft.com/office/drawing/2014/main" val="3832200242"/>
-                  </a:ext>
-                </a:extLst>
-              </a:tr>
-              <a:tr h="245062">
-                <a:tc>
-                  <a:txBody>
-                    <a:bodyPr/>
-                    <a:lstStyle/>
-                    <a:p>
-                      <a:r>
-                        <a:rPr lang="da-DK" sz="1400">
-                          <a:effectLst/>
-                        </a:rPr>
-                        <a:t>10</a:t>
-                      </a:r>
-                    </a:p>
-                  </a:txBody>
-                  <a:tcPr marL="14943" marR="14943" marT="14943" marB="14943" anchor="ctr">
-                    <a:lnL>
-                      <a:noFill/>
-                    </a:lnL>
-                    <a:lnR>
-                      <a:noFill/>
-                    </a:lnR>
-                    <a:lnT>
-                      <a:noFill/>
-                    </a:lnT>
-                    <a:lnB>
-                      <a:noFill/>
-                    </a:lnB>
-                  </a:tcPr>
-                </a:tc>
-                <a:tc>
-                  <a:txBody>
-                    <a:bodyPr/>
-                    <a:lstStyle/>
-                    <a:p>
-                      <a:r>
-                        <a:rPr lang="da-DK" sz="1400">
-                          <a:effectLst/>
-                        </a:rPr>
-                        <a:t>DIKU - 1-0-26</a:t>
-                      </a:r>
-                    </a:p>
-                  </a:txBody>
-                  <a:tcPr marL="14943" marR="14943" marT="14943" marB="14943" anchor="ctr">
-                    <a:lnL>
-                      <a:noFill/>
-                    </a:lnL>
-                    <a:lnR>
-                      <a:noFill/>
-                    </a:lnR>
-                    <a:lnT>
-                      <a:noFill/>
-                    </a:lnT>
-                    <a:lnB>
-                      <a:noFill/>
-                    </a:lnB>
-                  </a:tcPr>
-                </a:tc>
-                <a:tc>
-                  <a:txBody>
-                    <a:bodyPr/>
-                    <a:lstStyle/>
-                    <a:p>
-                      <a:r>
-                        <a:rPr lang="da-DK" sz="1400">
-                          <a:effectLst/>
-                        </a:rPr>
-                        <a:t>Casper Frandsen</a:t>
-                      </a:r>
-                    </a:p>
-                  </a:txBody>
-                  <a:tcPr marL="14943" marR="14943" marT="14943" marB="14943" anchor="ctr">
-                    <a:lnL>
-                      <a:noFill/>
-                    </a:lnL>
-                    <a:lnR>
-                      <a:noFill/>
-                    </a:lnR>
-                    <a:lnT>
-                      <a:noFill/>
-                    </a:lnT>
-                    <a:lnB>
-                      <a:noFill/>
-                    </a:lnB>
-                  </a:tcPr>
-                </a:tc>
-                <a:tc>
-                  <a:txBody>
-                    <a:bodyPr/>
-                    <a:lstStyle/>
-                    <a:p>
-                      <a:r>
-                        <a:rPr lang="da-DK" sz="1400">
-                          <a:effectLst/>
-                        </a:rPr>
-                        <a:t>Magnus Joensen</a:t>
-                      </a:r>
-                    </a:p>
-                  </a:txBody>
-                  <a:tcPr marL="14943" marR="14943" marT="14943" marB="14943" anchor="ctr">
-                    <a:lnL>
-                      <a:noFill/>
-                    </a:lnL>
-                    <a:lnR>
-                      <a:noFill/>
-                    </a:lnR>
-                    <a:lnT>
-                      <a:noFill/>
-                    </a:lnT>
-                    <a:lnB>
-                      <a:noFill/>
-                    </a:lnB>
-                  </a:tcPr>
-                </a:tc>
-                <a:extLst>
-                  <a:ext uri="{0D108BD9-81ED-4DB2-BD59-A6C34878D82A}">
-                    <a16:rowId xmlns:a16="http://schemas.microsoft.com/office/drawing/2014/main" val="4273256131"/>
-                  </a:ext>
-                </a:extLst>
-              </a:tr>
-              <a:tr h="245062">
-                <a:tc>
-                  <a:txBody>
-                    <a:bodyPr/>
-                    <a:lstStyle/>
-                    <a:p>
-                      <a:r>
-                        <a:rPr lang="da-DK" sz="1400">
-                          <a:effectLst/>
-                        </a:rPr>
-                        <a:t>11</a:t>
-                      </a:r>
-                    </a:p>
-                  </a:txBody>
-                  <a:tcPr marL="14943" marR="14943" marT="14943" marB="14943" anchor="ctr">
-                    <a:lnL>
-                      <a:noFill/>
-                    </a:lnL>
-                    <a:lnR>
-                      <a:noFill/>
-                    </a:lnR>
-                    <a:lnT>
-                      <a:noFill/>
-                    </a:lnT>
-                    <a:lnB>
-                      <a:noFill/>
-                    </a:lnB>
-                  </a:tcPr>
-                </a:tc>
-                <a:tc>
-                  <a:txBody>
-                    <a:bodyPr/>
-                    <a:lstStyle/>
-                    <a:p>
-                      <a:r>
-                        <a:rPr lang="da-DK" sz="1400">
-                          <a:effectLst/>
-                        </a:rPr>
-                        <a:t>HCØ - Aud 5</a:t>
-                      </a:r>
-                    </a:p>
-                  </a:txBody>
-                  <a:tcPr marL="14943" marR="14943" marT="14943" marB="14943" anchor="ctr">
-                    <a:lnL>
-                      <a:noFill/>
-                    </a:lnL>
-                    <a:lnR>
-                      <a:noFill/>
-                    </a:lnR>
-                    <a:lnT>
-                      <a:noFill/>
-                    </a:lnT>
-                    <a:lnB>
-                      <a:noFill/>
-                    </a:lnB>
-                  </a:tcPr>
-                </a:tc>
-                <a:tc>
-                  <a:txBody>
-                    <a:bodyPr/>
-                    <a:lstStyle/>
-                    <a:p>
-                      <a:r>
-                        <a:rPr lang="da-DK" sz="1400">
-                          <a:effectLst/>
-                        </a:rPr>
-                        <a:t>Balder Ivarsen</a:t>
-                      </a:r>
-                    </a:p>
-                  </a:txBody>
-                  <a:tcPr marL="14943" marR="14943" marT="14943" marB="14943" anchor="ctr">
-                    <a:lnL>
-                      <a:noFill/>
-                    </a:lnL>
-                    <a:lnR>
-                      <a:noFill/>
-                    </a:lnR>
-                    <a:lnT>
-                      <a:noFill/>
-                    </a:lnT>
-                    <a:lnB>
-                      <a:noFill/>
-                    </a:lnB>
-                  </a:tcPr>
-                </a:tc>
-                <a:tc>
-                  <a:txBody>
-                    <a:bodyPr/>
-                    <a:lstStyle/>
-                    <a:p>
-                      <a:r>
-                        <a:rPr lang="da-DK" sz="1400">
-                          <a:effectLst/>
-                        </a:rPr>
-                        <a:t>Ronnie Andersen</a:t>
-                      </a:r>
-                    </a:p>
-                  </a:txBody>
-                  <a:tcPr marL="14943" marR="14943" marT="14943" marB="14943" anchor="ctr">
-                    <a:lnL>
-                      <a:noFill/>
-                    </a:lnL>
-                    <a:lnR>
-                      <a:noFill/>
-                    </a:lnR>
-                    <a:lnT>
-                      <a:noFill/>
-                    </a:lnT>
-                    <a:lnB>
-                      <a:noFill/>
-                    </a:lnB>
-                  </a:tcPr>
-                </a:tc>
-                <a:extLst>
-                  <a:ext uri="{0D108BD9-81ED-4DB2-BD59-A6C34878D82A}">
-                    <a16:rowId xmlns:a16="http://schemas.microsoft.com/office/drawing/2014/main" val="1027853438"/>
-                  </a:ext>
-                </a:extLst>
-              </a:tr>
-              <a:tr h="245062">
-                <a:tc>
-                  <a:txBody>
-                    <a:bodyPr/>
-                    <a:lstStyle/>
-                    <a:p>
-                      <a:r>
-                        <a:rPr lang="da-DK" sz="1400">
-                          <a:effectLst/>
-                        </a:rPr>
-                        <a:t>12</a:t>
-                      </a:r>
-                    </a:p>
-                  </a:txBody>
-                  <a:tcPr marL="14943" marR="14943" marT="14943" marB="14943" anchor="ctr">
-                    <a:lnL>
-                      <a:noFill/>
-                    </a:lnL>
-                    <a:lnR>
-                      <a:noFill/>
-                    </a:lnR>
-                    <a:lnT>
-                      <a:noFill/>
-                    </a:lnT>
-                    <a:lnB>
-                      <a:noFill/>
-                    </a:lnB>
-                  </a:tcPr>
-                </a:tc>
-                <a:tc>
-                  <a:txBody>
-                    <a:bodyPr/>
-                    <a:lstStyle/>
-                    <a:p>
-                      <a:r>
-                        <a:rPr lang="da-DK" sz="1400">
-                          <a:effectLst/>
-                        </a:rPr>
-                        <a:t>HCØ - Aud 5</a:t>
-                      </a:r>
-                    </a:p>
-                  </a:txBody>
-                  <a:tcPr marL="14943" marR="14943" marT="14943" marB="14943" anchor="ctr">
-                    <a:lnL>
-                      <a:noFill/>
-                    </a:lnL>
-                    <a:lnR>
-                      <a:noFill/>
-                    </a:lnR>
-                    <a:lnT>
-                      <a:noFill/>
-                    </a:lnT>
-                    <a:lnB>
-                      <a:noFill/>
-                    </a:lnB>
-                  </a:tcPr>
-                </a:tc>
-                <a:tc>
-                  <a:txBody>
-                    <a:bodyPr/>
-                    <a:lstStyle/>
-                    <a:p>
-                      <a:r>
-                        <a:rPr lang="da-DK" sz="1400">
-                          <a:effectLst/>
-                        </a:rPr>
-                        <a:t>Jan Rolandsen</a:t>
-                      </a:r>
-                    </a:p>
-                  </a:txBody>
-                  <a:tcPr marL="14943" marR="14943" marT="14943" marB="14943" anchor="ctr">
-                    <a:lnL>
-                      <a:noFill/>
-                    </a:lnL>
-                    <a:lnR>
-                      <a:noFill/>
-                    </a:lnR>
-                    <a:lnT>
-                      <a:noFill/>
-                    </a:lnT>
-                    <a:lnB>
-                      <a:noFill/>
-                    </a:lnB>
-                  </a:tcPr>
-                </a:tc>
-                <a:tc>
-                  <a:txBody>
-                    <a:bodyPr/>
-                    <a:lstStyle/>
-                    <a:p>
-                      <a:r>
-                        <a:rPr lang="da-DK" sz="1400">
-                          <a:effectLst/>
-                        </a:rPr>
-                        <a:t>Thor Steen Larsen</a:t>
-                      </a:r>
-                    </a:p>
-                  </a:txBody>
-                  <a:tcPr marL="14943" marR="14943" marT="14943" marB="14943" anchor="ctr">
-                    <a:lnL>
-                      <a:noFill/>
-                    </a:lnL>
-                    <a:lnR>
-                      <a:noFill/>
-                    </a:lnR>
-                    <a:lnT>
-                      <a:noFill/>
-                    </a:lnT>
-                    <a:lnB>
-                      <a:noFill/>
-                    </a:lnB>
-                  </a:tcPr>
-                </a:tc>
-                <a:extLst>
-                  <a:ext uri="{0D108BD9-81ED-4DB2-BD59-A6C34878D82A}">
-                    <a16:rowId xmlns:a16="http://schemas.microsoft.com/office/drawing/2014/main" val="2036386689"/>
-                  </a:ext>
-                </a:extLst>
-              </a:tr>
-              <a:tr h="245062">
-                <a:tc>
-                  <a:txBody>
-                    <a:bodyPr/>
-                    <a:lstStyle/>
-                    <a:p>
-                      <a:r>
-                        <a:rPr lang="da-DK" sz="1400">
-                          <a:effectLst/>
-                        </a:rPr>
-                        <a:t>13</a:t>
-                      </a:r>
-                    </a:p>
-                  </a:txBody>
-                  <a:tcPr marL="14943" marR="14943" marT="14943" marB="14943" anchor="ctr">
-                    <a:lnL>
-                      <a:noFill/>
-                    </a:lnL>
-                    <a:lnR>
-                      <a:noFill/>
-                    </a:lnR>
-                    <a:lnT>
-                      <a:noFill/>
-                    </a:lnT>
-                    <a:lnB>
-                      <a:noFill/>
-                    </a:lnB>
-                  </a:tcPr>
-                </a:tc>
-                <a:tc>
-                  <a:txBody>
-                    <a:bodyPr/>
-                    <a:lstStyle/>
-                    <a:p>
-                      <a:r>
-                        <a:rPr lang="da-DK" sz="1400">
-                          <a:effectLst/>
-                        </a:rPr>
-                        <a:t>DIKU - 4-0-17</a:t>
-                      </a:r>
-                    </a:p>
-                  </a:txBody>
-                  <a:tcPr marL="14943" marR="14943" marT="14943" marB="14943" anchor="ctr">
-                    <a:lnL>
-                      <a:noFill/>
-                    </a:lnL>
-                    <a:lnR>
-                      <a:noFill/>
-                    </a:lnR>
-                    <a:lnT>
-                      <a:noFill/>
-                    </a:lnT>
-                    <a:lnB>
-                      <a:noFill/>
-                    </a:lnB>
-                  </a:tcPr>
-                </a:tc>
-                <a:tc>
-                  <a:txBody>
-                    <a:bodyPr/>
-                    <a:lstStyle/>
-                    <a:p>
-                      <a:r>
-                        <a:rPr lang="da-DK" sz="1400">
-                          <a:effectLst/>
-                        </a:rPr>
-                        <a:t>August Laursen</a:t>
-                      </a:r>
-                    </a:p>
-                  </a:txBody>
-                  <a:tcPr marL="14943" marR="14943" marT="14943" marB="14943" anchor="ctr">
-                    <a:lnL>
-                      <a:noFill/>
-                    </a:lnL>
-                    <a:lnR>
-                      <a:noFill/>
-                    </a:lnR>
-                    <a:lnT>
-                      <a:noFill/>
-                    </a:lnT>
-                    <a:lnB>
-                      <a:noFill/>
-                    </a:lnB>
-                  </a:tcPr>
-                </a:tc>
-                <a:tc>
-                  <a:txBody>
-                    <a:bodyPr/>
-                    <a:lstStyle/>
-                    <a:p>
-                      <a:r>
-                        <a:rPr lang="da-DK" sz="1400">
-                          <a:effectLst/>
-                        </a:rPr>
-                        <a:t>Matilde Broløs</a:t>
-                      </a:r>
-                    </a:p>
-                  </a:txBody>
-                  <a:tcPr marL="14943" marR="14943" marT="14943" marB="14943" anchor="ctr">
-                    <a:lnL>
-                      <a:noFill/>
-                    </a:lnL>
-                    <a:lnR>
-                      <a:noFill/>
-                    </a:lnR>
-                    <a:lnT>
-                      <a:noFill/>
-                    </a:lnT>
-                    <a:lnB>
-                      <a:noFill/>
-                    </a:lnB>
-                  </a:tcPr>
-                </a:tc>
-                <a:extLst>
-                  <a:ext uri="{0D108BD9-81ED-4DB2-BD59-A6C34878D82A}">
-                    <a16:rowId xmlns:a16="http://schemas.microsoft.com/office/drawing/2014/main" val="2434748509"/>
-                  </a:ext>
-                </a:extLst>
-              </a:tr>
-              <a:tr h="245062">
-                <a:tc>
-                  <a:txBody>
-                    <a:bodyPr/>
-                    <a:lstStyle/>
-                    <a:p>
-                      <a:r>
-                        <a:rPr lang="da-DK" sz="1400">
-                          <a:effectLst/>
-                        </a:rPr>
-                        <a:t>14</a:t>
-                      </a:r>
-                    </a:p>
-                  </a:txBody>
-                  <a:tcPr marL="14943" marR="14943" marT="14943" marB="14943" anchor="ctr">
-                    <a:lnL>
-                      <a:noFill/>
-                    </a:lnL>
-                    <a:lnR>
-                      <a:noFill/>
-                    </a:lnR>
-                    <a:lnT>
-                      <a:noFill/>
-                    </a:lnT>
-                    <a:lnB>
-                      <a:noFill/>
-                    </a:lnB>
-                  </a:tcPr>
-                </a:tc>
-                <a:tc>
-                  <a:txBody>
-                    <a:bodyPr/>
-                    <a:lstStyle/>
-                    <a:p>
-                      <a:r>
-                        <a:rPr lang="da-DK" sz="1400">
-                          <a:effectLst/>
-                        </a:rPr>
-                        <a:t>DIKU - 4-0-17</a:t>
-                      </a:r>
-                    </a:p>
-                  </a:txBody>
-                  <a:tcPr marL="14943" marR="14943" marT="14943" marB="14943" anchor="ctr">
-                    <a:lnL>
-                      <a:noFill/>
-                    </a:lnL>
-                    <a:lnR>
-                      <a:noFill/>
-                    </a:lnR>
-                    <a:lnT>
-                      <a:noFill/>
-                    </a:lnT>
-                    <a:lnB>
-                      <a:noFill/>
-                    </a:lnB>
-                  </a:tcPr>
-                </a:tc>
-                <a:tc>
-                  <a:txBody>
-                    <a:bodyPr/>
-                    <a:lstStyle/>
-                    <a:p>
-                      <a:r>
-                        <a:rPr lang="da-DK" sz="1400">
-                          <a:effectLst/>
-                        </a:rPr>
-                        <a:t>Mads Larsen</a:t>
-                      </a:r>
-                    </a:p>
-                  </a:txBody>
-                  <a:tcPr marL="14943" marR="14943" marT="14943" marB="14943" anchor="ctr">
-                    <a:lnL>
-                      <a:noFill/>
-                    </a:lnL>
-                    <a:lnR>
-                      <a:noFill/>
-                    </a:lnR>
-                    <a:lnT>
-                      <a:noFill/>
-                    </a:lnT>
-                    <a:lnB>
-                      <a:noFill/>
-                    </a:lnB>
-                  </a:tcPr>
-                </a:tc>
-                <a:tc>
-                  <a:txBody>
-                    <a:bodyPr/>
-                    <a:lstStyle/>
-                    <a:p>
-                      <a:r>
-                        <a:rPr lang="da-DK" sz="1400">
-                          <a:effectLst/>
-                        </a:rPr>
-                        <a:t>August Clement Leve</a:t>
-                      </a:r>
-                    </a:p>
-                  </a:txBody>
-                  <a:tcPr marL="14943" marR="14943" marT="14943" marB="14943" anchor="ctr">
-                    <a:lnL>
-                      <a:noFill/>
-                    </a:lnL>
-                    <a:lnR>
-                      <a:noFill/>
-                    </a:lnR>
-                    <a:lnT>
-                      <a:noFill/>
-                    </a:lnT>
-                    <a:lnB>
-                      <a:noFill/>
-                    </a:lnB>
-                  </a:tcPr>
-                </a:tc>
-                <a:extLst>
-                  <a:ext uri="{0D108BD9-81ED-4DB2-BD59-A6C34878D82A}">
-                    <a16:rowId xmlns:a16="http://schemas.microsoft.com/office/drawing/2014/main" val="2009205998"/>
-                  </a:ext>
-                </a:extLst>
-              </a:tr>
-              <a:tr h="245062">
-                <a:tc>
-                  <a:txBody>
-                    <a:bodyPr/>
-                    <a:lstStyle/>
-                    <a:p>
-                      <a:r>
-                        <a:rPr lang="da-DK" sz="1400">
-                          <a:effectLst/>
-                        </a:rPr>
-                        <a:t>15</a:t>
-                      </a:r>
-                    </a:p>
-                  </a:txBody>
-                  <a:tcPr marL="14943" marR="14943" marT="14943" marB="14943" anchor="ctr">
-                    <a:lnL>
-                      <a:noFill/>
-                    </a:lnL>
-                    <a:lnR>
-                      <a:noFill/>
-                    </a:lnR>
-                    <a:lnT>
-                      <a:noFill/>
-                    </a:lnT>
-                    <a:lnB>
-                      <a:noFill/>
-                    </a:lnB>
-                  </a:tcPr>
-                </a:tc>
-                <a:tc>
-                  <a:txBody>
-                    <a:bodyPr/>
-                    <a:lstStyle/>
-                    <a:p>
-                      <a:r>
-                        <a:rPr lang="da-DK" sz="1400">
-                          <a:effectLst/>
-                        </a:rPr>
-                        <a:t>DIKU - 1-0-04</a:t>
-                      </a:r>
-                    </a:p>
-                  </a:txBody>
-                  <a:tcPr marL="14943" marR="14943" marT="14943" marB="14943" anchor="ctr">
-                    <a:lnL>
-                      <a:noFill/>
-                    </a:lnL>
-                    <a:lnR>
-                      <a:noFill/>
-                    </a:lnR>
-                    <a:lnT>
-                      <a:noFill/>
-                    </a:lnT>
-                    <a:lnB>
-                      <a:noFill/>
-                    </a:lnB>
-                  </a:tcPr>
-                </a:tc>
-                <a:tc>
-                  <a:txBody>
-                    <a:bodyPr/>
-                    <a:lstStyle/>
-                    <a:p>
-                      <a:r>
-                        <a:rPr lang="da-DK" sz="1400">
-                          <a:effectLst/>
-                        </a:rPr>
-                        <a:t>Laura Boesen</a:t>
-                      </a:r>
-                    </a:p>
-                  </a:txBody>
-                  <a:tcPr marL="14943" marR="14943" marT="14943" marB="14943" anchor="ctr">
-                    <a:lnL>
-                      <a:noFill/>
-                    </a:lnL>
-                    <a:lnR>
-                      <a:noFill/>
-                    </a:lnR>
-                    <a:lnT>
-                      <a:noFill/>
-                    </a:lnT>
-                    <a:lnB>
-                      <a:noFill/>
-                    </a:lnB>
-                  </a:tcPr>
-                </a:tc>
-                <a:tc>
-                  <a:txBody>
-                    <a:bodyPr/>
-                    <a:lstStyle/>
-                    <a:p>
-                      <a:r>
-                        <a:rPr lang="da-DK" sz="1400" dirty="0">
-                          <a:effectLst/>
-                        </a:rPr>
-                        <a:t>-</a:t>
-                      </a:r>
-                    </a:p>
-                  </a:txBody>
-                  <a:tcPr marL="14943" marR="14943" marT="14943" marB="14943" anchor="ctr">
-                    <a:lnL>
-                      <a:noFill/>
-                    </a:lnL>
-                    <a:lnR>
-                      <a:noFill/>
-                    </a:lnR>
-                    <a:lnT>
-                      <a:noFill/>
-                    </a:lnT>
-                    <a:lnB>
-                      <a:noFill/>
-                    </a:lnB>
-                  </a:tcPr>
-                </a:tc>
-                <a:extLst>
-                  <a:ext uri="{0D108BD9-81ED-4DB2-BD59-A6C34878D82A}">
-                    <a16:rowId xmlns:a16="http://schemas.microsoft.com/office/drawing/2014/main" val="2381883036"/>
-                  </a:ext>
-                </a:extLst>
-              </a:tr>
-            </a:tbl>
-          </a:graphicData>
-        </a:graphic>
-      </p:graphicFrame>
-      <p:sp>
-        <p:nvSpPr>
-          <p:cNvPr id="5" name="TextBox 4">
-            <a:extLst>
-              <a:ext uri="{FF2B5EF4-FFF2-40B4-BE49-F238E27FC236}">
-                <a16:creationId xmlns:a16="http://schemas.microsoft.com/office/drawing/2014/main" id="{B4E4A34C-6735-0E42-81E1-4DDC43E28870}"/>
-              </a:ext>
-            </a:extLst>
-          </p:cNvPr>
-          <p:cNvSpPr txBox="1"/>
-          <p:nvPr/>
-        </p:nvSpPr>
-        <p:spPr>
-          <a:xfrm>
-            <a:off x="6019800" y="6096000"/>
-            <a:ext cx="1310615" cy="307777"/>
-          </a:xfrm>
-          <a:prstGeom prst="rect">
-            <a:avLst/>
-          </a:prstGeom>
-          <a:noFill/>
-        </p:spPr>
-        <p:txBody>
-          <a:bodyPr wrap="none" rtlCol="0">
-            <a:spAutoFit/>
-          </a:bodyPr>
-          <a:lstStyle/>
-          <a:p>
-            <a:r>
-              <a:rPr lang="en-GB" sz="1400" dirty="0"/>
-              <a:t>Cami Dalsgaard</a:t>
-            </a:r>
-          </a:p>
-        </p:txBody>
-      </p:sp>
-      <p:sp>
-        <p:nvSpPr>
-          <p:cNvPr id="6" name="Title 1">
-            <a:extLst>
-              <a:ext uri="{FF2B5EF4-FFF2-40B4-BE49-F238E27FC236}">
-                <a16:creationId xmlns:a16="http://schemas.microsoft.com/office/drawing/2014/main" id="{96197070-91AC-3744-9ACB-D5FE75105FD4}"/>
-              </a:ext>
-            </a:extLst>
-          </p:cNvPr>
-          <p:cNvSpPr>
-            <a:spLocks noGrp="1"/>
-          </p:cNvSpPr>
-          <p:nvPr>
-            <p:ph type="title"/>
-          </p:nvPr>
-        </p:nvSpPr>
-        <p:spPr>
-          <a:xfrm>
-            <a:off x="838200" y="365125"/>
-            <a:ext cx="10515600" cy="1325563"/>
-          </a:xfrm>
-        </p:spPr>
-        <p:txBody>
-          <a:bodyPr/>
-          <a:lstStyle/>
-          <a:p>
-            <a:r>
-              <a:rPr lang="en-GB" dirty="0" err="1"/>
-              <a:t>Instruktorer</a:t>
-            </a:r>
-            <a:r>
-              <a:rPr lang="en-GB" dirty="0"/>
-              <a:t> </a:t>
-            </a:r>
-            <a:r>
-              <a:rPr lang="en-GB" dirty="0" err="1"/>
-              <a:t>og</a:t>
-            </a:r>
-            <a:r>
-              <a:rPr lang="en-GB" dirty="0"/>
-              <a:t> </a:t>
-            </a:r>
-            <a:r>
-              <a:rPr lang="en-GB" dirty="0" err="1"/>
-              <a:t>mentorer</a:t>
-            </a:r>
-            <a:endParaRPr lang="en-GB" dirty="0"/>
-          </a:p>
-        </p:txBody>
-      </p:sp>
-    </p:spTree>
-    <p:extLst>
-      <p:ext uri="{BB962C8B-B14F-4D97-AF65-F5344CB8AC3E}">
-        <p14:creationId xmlns:p14="http://schemas.microsoft.com/office/powerpoint/2010/main" val="3267069011"/>
-      </p:ext>
-    </p:extLst>
-  </p:cSld>
-  <p:clrMapOvr>
-    <a:masterClrMapping/>
-  </p:clrMapOvr>
-</p:sld>
-</file>
-
-<file path=ppt/slides/slide4.xml><?xml version="1.0" encoding="utf-8"?>
-<p:sld xmlns:a="http://schemas.openxmlformats.org/drawingml/2006/main" xmlns:r="http://schemas.openxmlformats.org/officeDocument/2006/relationships" xmlns:p="http://schemas.openxmlformats.org/presentationml/2006/main">
-  <p:cSld>
-    <p:spTree>
-      <p:nvGrpSpPr>
-        <p:cNvPr id="1" name=""/>
-        <p:cNvGrpSpPr/>
-        <p:nvPr/>
-      </p:nvGrpSpPr>
-      <p:grpSpPr>
-        <a:xfrm>
-          <a:off x="0" y="0"/>
-          <a:ext cx="0" cy="0"/>
-          <a:chOff x="0" y="0"/>
-          <a:chExt cx="0" cy="0"/>
-        </a:xfrm>
-      </p:grpSpPr>
-      <p:sp>
-        <p:nvSpPr>
-          <p:cNvPr id="2" name="Title 1">
-            <a:extLst>
-              <a:ext uri="{FF2B5EF4-FFF2-40B4-BE49-F238E27FC236}">
-                <a16:creationId xmlns:a16="http://schemas.microsoft.com/office/drawing/2014/main" id="{ACC7887D-CB34-E844-8909-F4A8A7893D02}"/>
-              </a:ext>
-            </a:extLst>
-          </p:cNvPr>
-          <p:cNvSpPr>
-            <a:spLocks noGrp="1"/>
-          </p:cNvSpPr>
-          <p:nvPr>
-            <p:ph type="title"/>
-          </p:nvPr>
-        </p:nvSpPr>
-        <p:spPr/>
-        <p:txBody>
-          <a:bodyPr/>
-          <a:lstStyle/>
-          <a:p>
-            <a:r>
-              <a:rPr lang="en-GB" dirty="0" err="1"/>
-              <a:t>Absalon</a:t>
-            </a:r>
-            <a:endParaRPr lang="en-GB" dirty="0"/>
-          </a:p>
-        </p:txBody>
-      </p:sp>
-      <p:pic>
-        <p:nvPicPr>
-          <p:cNvPr id="5" name="Content Placeholder 4">
-            <a:extLst>
-              <a:ext uri="{FF2B5EF4-FFF2-40B4-BE49-F238E27FC236}">
-                <a16:creationId xmlns:a16="http://schemas.microsoft.com/office/drawing/2014/main" id="{6A036E8B-D70F-244A-8F95-243E605B9EF9}"/>
-              </a:ext>
-            </a:extLst>
-          </p:cNvPr>
-          <p:cNvPicPr>
-            <a:picLocks noGrp="1" noChangeAspect="1"/>
-          </p:cNvPicPr>
-          <p:nvPr>
-            <p:ph idx="1"/>
-          </p:nvPr>
-        </p:nvPicPr>
-        <p:blipFill>
-          <a:blip r:embed="rId2"/>
-          <a:stretch>
-            <a:fillRect/>
-          </a:stretch>
-        </p:blipFill>
-        <p:spPr>
-          <a:xfrm>
-            <a:off x="2202238" y="1306512"/>
-            <a:ext cx="7787523" cy="5186363"/>
-          </a:xfrm>
-        </p:spPr>
-      </p:pic>
-    </p:spTree>
-    <p:extLst>
-      <p:ext uri="{BB962C8B-B14F-4D97-AF65-F5344CB8AC3E}">
-        <p14:creationId xmlns:p14="http://schemas.microsoft.com/office/powerpoint/2010/main" val="2143202098"/>
-      </p:ext>
-    </p:extLst>
-  </p:cSld>
-  <p:clrMapOvr>
-    <a:masterClrMapping/>
-  </p:clrMapOvr>
-</p:sld>
-</file>
-
-<file path=ppt/slides/slide5.xml><?xml version="1.0" encoding="utf-8"?>
-<p:sld xmlns:a="http://schemas.openxmlformats.org/drawingml/2006/main" xmlns:r="http://schemas.openxmlformats.org/officeDocument/2006/relationships" xmlns:p="http://schemas.openxmlformats.org/presentationml/2006/main">
-  <p:cSld>
-    <p:spTree>
-      <p:nvGrpSpPr>
-        <p:cNvPr id="1" name=""/>
-        <p:cNvGrpSpPr/>
-        <p:nvPr/>
-      </p:nvGrpSpPr>
-      <p:grpSpPr>
-        <a:xfrm>
-          <a:off x="0" y="0"/>
-          <a:ext cx="0" cy="0"/>
-          <a:chOff x="0" y="0"/>
-          <a:chExt cx="0" cy="0"/>
-        </a:xfrm>
-      </p:grpSpPr>
-      <p:sp>
-        <p:nvSpPr>
-          <p:cNvPr id="2" name="Title 1">
-            <a:extLst>
-              <a:ext uri="{FF2B5EF4-FFF2-40B4-BE49-F238E27FC236}">
                 <a16:creationId xmlns:a16="http://schemas.microsoft.com/office/drawing/2014/main" id="{2ABA7DA9-92FB-4044-83FF-B1DEB2040912}"/>
               </a:ext>
             </a:extLst>
@@ -6649,7 +3840,5631 @@
 </p:sld>
 </file>
 
+<file path=ppt/slides/slide11.xml><?xml version="1.0" encoding="utf-8"?>
+<p:sld xmlns:a="http://schemas.openxmlformats.org/drawingml/2006/main" xmlns:r="http://schemas.openxmlformats.org/officeDocument/2006/relationships" xmlns:p="http://schemas.openxmlformats.org/presentationml/2006/main">
+  <p:cSld>
+    <p:spTree>
+      <p:nvGrpSpPr>
+        <p:cNvPr id="1" name=""/>
+        <p:cNvGrpSpPr/>
+        <p:nvPr/>
+      </p:nvGrpSpPr>
+      <p:grpSpPr>
+        <a:xfrm>
+          <a:off x="0" y="0"/>
+          <a:ext cx="0" cy="0"/>
+          <a:chOff x="0" y="0"/>
+          <a:chExt cx="0" cy="0"/>
+        </a:xfrm>
+      </p:grpSpPr>
+      <p:sp>
+        <p:nvSpPr>
+          <p:cNvPr id="2" name="Title 1">
+            <a:extLst>
+              <a:ext uri="{FF2B5EF4-FFF2-40B4-BE49-F238E27FC236}">
+                <a16:creationId xmlns:a16="http://schemas.microsoft.com/office/drawing/2014/main" id="{3DB75344-6F71-1740-929A-4952137F2B04}"/>
+              </a:ext>
+            </a:extLst>
+          </p:cNvPr>
+          <p:cNvSpPr>
+            <a:spLocks noGrp="1"/>
+          </p:cNvSpPr>
+          <p:nvPr>
+            <p:ph type="title"/>
+          </p:nvPr>
+        </p:nvSpPr>
+        <p:spPr/>
+        <p:txBody>
+          <a:bodyPr/>
+          <a:lstStyle/>
+          <a:p>
+            <a:r>
+              <a:rPr lang="en-GB" dirty="0" err="1"/>
+              <a:t>Hvem</a:t>
+            </a:r>
+            <a:r>
+              <a:rPr lang="en-GB" dirty="0"/>
+              <a:t> </a:t>
+            </a:r>
+            <a:r>
+              <a:rPr lang="en-GB" dirty="0" err="1"/>
+              <a:t>er</a:t>
+            </a:r>
+            <a:r>
+              <a:rPr lang="en-GB" dirty="0"/>
+              <a:t> I?</a:t>
+            </a:r>
+          </a:p>
+        </p:txBody>
+      </p:sp>
+      <p:sp>
+        <p:nvSpPr>
+          <p:cNvPr id="4" name="Content Placeholder 2">
+            <a:extLst>
+              <a:ext uri="{FF2B5EF4-FFF2-40B4-BE49-F238E27FC236}">
+                <a16:creationId xmlns:a16="http://schemas.microsoft.com/office/drawing/2014/main" id="{156DF278-FBFD-A643-A23D-2686598A394C}"/>
+              </a:ext>
+            </a:extLst>
+          </p:cNvPr>
+          <p:cNvSpPr>
+            <a:spLocks noGrp="1"/>
+          </p:cNvSpPr>
+          <p:nvPr>
+            <p:ph idx="1"/>
+          </p:nvPr>
+        </p:nvSpPr>
+        <p:spPr>
+          <a:xfrm>
+            <a:off x="3570514" y="3093979"/>
+            <a:ext cx="5536163" cy="761824"/>
+          </a:xfrm>
+        </p:spPr>
+        <p:txBody>
+          <a:bodyPr>
+            <a:normAutofit/>
+          </a:bodyPr>
+          <a:lstStyle/>
+          <a:p>
+            <a:pPr marL="0" indent="0">
+              <a:buNone/>
+            </a:pPr>
+            <a:r>
+              <a:rPr lang="en-GB" dirty="0"/>
+              <a:t>https://</a:t>
+            </a:r>
+            <a:r>
+              <a:rPr lang="en-GB" dirty="0" err="1"/>
+              <a:t>tinyurl.com</a:t>
+            </a:r>
+            <a:r>
+              <a:rPr lang="en-GB" dirty="0"/>
+              <a:t>/yykjc8oh</a:t>
+            </a:r>
+          </a:p>
+        </p:txBody>
+      </p:sp>
+    </p:spTree>
+    <p:extLst>
+      <p:ext uri="{BB962C8B-B14F-4D97-AF65-F5344CB8AC3E}">
+        <p14:creationId xmlns:p14="http://schemas.microsoft.com/office/powerpoint/2010/main" val="3530618180"/>
+      </p:ext>
+    </p:extLst>
+  </p:cSld>
+  <p:clrMapOvr>
+    <a:masterClrMapping/>
+  </p:clrMapOvr>
+</p:sld>
+</file>
+
+<file path=ppt/slides/slide2.xml><?xml version="1.0" encoding="utf-8"?>
+<p:sld xmlns:a="http://schemas.openxmlformats.org/drawingml/2006/main" xmlns:r="http://schemas.openxmlformats.org/officeDocument/2006/relationships" xmlns:p="http://schemas.openxmlformats.org/presentationml/2006/main">
+  <p:cSld>
+    <p:spTree>
+      <p:nvGrpSpPr>
+        <p:cNvPr id="1" name=""/>
+        <p:cNvGrpSpPr/>
+        <p:nvPr/>
+      </p:nvGrpSpPr>
+      <p:grpSpPr>
+        <a:xfrm>
+          <a:off x="0" y="0"/>
+          <a:ext cx="0" cy="0"/>
+          <a:chOff x="0" y="0"/>
+          <a:chExt cx="0" cy="0"/>
+        </a:xfrm>
+      </p:grpSpPr>
+      <p:sp>
+        <p:nvSpPr>
+          <p:cNvPr id="6" name="TextBox 5">
+            <a:extLst>
+              <a:ext uri="{FF2B5EF4-FFF2-40B4-BE49-F238E27FC236}">
+                <a16:creationId xmlns:a16="http://schemas.microsoft.com/office/drawing/2014/main" id="{52470712-2037-984B-9DCB-F2AE2E6E7403}"/>
+              </a:ext>
+            </a:extLst>
+          </p:cNvPr>
+          <p:cNvSpPr txBox="1"/>
+          <p:nvPr/>
+        </p:nvSpPr>
+        <p:spPr>
+          <a:xfrm>
+            <a:off x="4816528" y="4128346"/>
+            <a:ext cx="1636858" cy="369332"/>
+          </a:xfrm>
+          <a:prstGeom prst="rect">
+            <a:avLst/>
+          </a:prstGeom>
+          <a:noFill/>
+        </p:spPr>
+        <p:txBody>
+          <a:bodyPr wrap="none" rtlCol="0">
+            <a:spAutoFit/>
+          </a:bodyPr>
+          <a:lstStyle/>
+          <a:p>
+            <a:r>
+              <a:rPr lang="en-GB" dirty="0"/>
+              <a:t>Ken </a:t>
+            </a:r>
+            <a:r>
+              <a:rPr lang="en-GB" dirty="0" err="1"/>
+              <a:t>Friis</a:t>
+            </a:r>
+            <a:r>
+              <a:rPr lang="en-GB" dirty="0"/>
+              <a:t> Larsen</a:t>
+            </a:r>
+          </a:p>
+        </p:txBody>
+      </p:sp>
+      <p:pic>
+        <p:nvPicPr>
+          <p:cNvPr id="8" name="Picture 7">
+            <a:extLst>
+              <a:ext uri="{FF2B5EF4-FFF2-40B4-BE49-F238E27FC236}">
+                <a16:creationId xmlns:a16="http://schemas.microsoft.com/office/drawing/2014/main" id="{1CF04836-3FA3-C448-841D-805ACB7CB0C6}"/>
+              </a:ext>
+            </a:extLst>
+          </p:cNvPr>
+          <p:cNvPicPr>
+            <a:picLocks noChangeAspect="1"/>
+          </p:cNvPicPr>
+          <p:nvPr/>
+        </p:nvPicPr>
+        <p:blipFill>
+          <a:blip r:embed="rId2"/>
+          <a:stretch>
+            <a:fillRect/>
+          </a:stretch>
+        </p:blipFill>
+        <p:spPr>
+          <a:xfrm>
+            <a:off x="7906752" y="1939935"/>
+            <a:ext cx="2188411" cy="2188411"/>
+          </a:xfrm>
+          <a:prstGeom prst="rect">
+            <a:avLst/>
+          </a:prstGeom>
+        </p:spPr>
+      </p:pic>
+      <p:sp>
+        <p:nvSpPr>
+          <p:cNvPr id="9" name="TextBox 8">
+            <a:extLst>
+              <a:ext uri="{FF2B5EF4-FFF2-40B4-BE49-F238E27FC236}">
+                <a16:creationId xmlns:a16="http://schemas.microsoft.com/office/drawing/2014/main" id="{0A59EDA7-1145-2049-AF5D-11EAF633824A}"/>
+              </a:ext>
+            </a:extLst>
+          </p:cNvPr>
+          <p:cNvSpPr txBox="1"/>
+          <p:nvPr/>
+        </p:nvSpPr>
+        <p:spPr>
+          <a:xfrm>
+            <a:off x="7816402" y="4128346"/>
+            <a:ext cx="1548822" cy="369332"/>
+          </a:xfrm>
+          <a:prstGeom prst="rect">
+            <a:avLst/>
+          </a:prstGeom>
+          <a:noFill/>
+        </p:spPr>
+        <p:txBody>
+          <a:bodyPr wrap="none" rtlCol="0">
+            <a:spAutoFit/>
+          </a:bodyPr>
+          <a:lstStyle/>
+          <a:p>
+            <a:r>
+              <a:rPr lang="en-GB" dirty="0"/>
+              <a:t>Martin </a:t>
+            </a:r>
+            <a:r>
+              <a:rPr lang="en-GB" dirty="0" err="1"/>
+              <a:t>Elsman</a:t>
+            </a:r>
+            <a:endParaRPr lang="en-GB" dirty="0"/>
+          </a:p>
+        </p:txBody>
+      </p:sp>
+      <p:pic>
+        <p:nvPicPr>
+          <p:cNvPr id="10" name="Picture 9">
+            <a:extLst>
+              <a:ext uri="{FF2B5EF4-FFF2-40B4-BE49-F238E27FC236}">
+                <a16:creationId xmlns:a16="http://schemas.microsoft.com/office/drawing/2014/main" id="{3C4B5FA4-FB77-2340-A7CA-43AD0F1DAB54}"/>
+              </a:ext>
+            </a:extLst>
+          </p:cNvPr>
+          <p:cNvPicPr>
+            <a:picLocks noChangeAspect="1"/>
+          </p:cNvPicPr>
+          <p:nvPr/>
+        </p:nvPicPr>
+        <p:blipFill>
+          <a:blip r:embed="rId3"/>
+          <a:stretch>
+            <a:fillRect/>
+          </a:stretch>
+        </p:blipFill>
+        <p:spPr>
+          <a:xfrm>
+            <a:off x="1762625" y="1970503"/>
+            <a:ext cx="2188411" cy="2188411"/>
+          </a:xfrm>
+          <a:prstGeom prst="rect">
+            <a:avLst/>
+          </a:prstGeom>
+        </p:spPr>
+      </p:pic>
+      <p:sp>
+        <p:nvSpPr>
+          <p:cNvPr id="11" name="TextBox 10">
+            <a:extLst>
+              <a:ext uri="{FF2B5EF4-FFF2-40B4-BE49-F238E27FC236}">
+                <a16:creationId xmlns:a16="http://schemas.microsoft.com/office/drawing/2014/main" id="{00596542-498D-5A48-AE42-D4D208721A03}"/>
+              </a:ext>
+            </a:extLst>
+          </p:cNvPr>
+          <p:cNvSpPr txBox="1"/>
+          <p:nvPr/>
+        </p:nvSpPr>
+        <p:spPr>
+          <a:xfrm>
+            <a:off x="1715279" y="4128346"/>
+            <a:ext cx="1348446" cy="369332"/>
+          </a:xfrm>
+          <a:prstGeom prst="rect">
+            <a:avLst/>
+          </a:prstGeom>
+          <a:noFill/>
+        </p:spPr>
+        <p:txBody>
+          <a:bodyPr wrap="none" rtlCol="0">
+            <a:spAutoFit/>
+          </a:bodyPr>
+          <a:lstStyle/>
+          <a:p>
+            <a:r>
+              <a:rPr lang="en-GB" dirty="0"/>
+              <a:t>Jon Sporring</a:t>
+            </a:r>
+          </a:p>
+        </p:txBody>
+      </p:sp>
+      <p:sp>
+        <p:nvSpPr>
+          <p:cNvPr id="12" name="TextBox 11">
+            <a:extLst>
+              <a:ext uri="{FF2B5EF4-FFF2-40B4-BE49-F238E27FC236}">
+                <a16:creationId xmlns:a16="http://schemas.microsoft.com/office/drawing/2014/main" id="{F7859A43-FA85-2D4E-B1FA-7113E56AD735}"/>
+              </a:ext>
+            </a:extLst>
+          </p:cNvPr>
+          <p:cNvSpPr txBox="1"/>
+          <p:nvPr/>
+        </p:nvSpPr>
+        <p:spPr>
+          <a:xfrm>
+            <a:off x="4816528" y="4497678"/>
+            <a:ext cx="2278761" cy="369332"/>
+          </a:xfrm>
+          <a:prstGeom prst="rect">
+            <a:avLst/>
+          </a:prstGeom>
+          <a:noFill/>
+        </p:spPr>
+        <p:txBody>
+          <a:bodyPr wrap="square" rtlCol="0">
+            <a:spAutoFit/>
+          </a:bodyPr>
+          <a:lstStyle/>
+          <a:p>
+            <a:r>
+              <a:rPr lang="da-DK" dirty="0"/>
+              <a:t>Programmeringssprog</a:t>
+            </a:r>
+            <a:endParaRPr lang="en-GB" dirty="0"/>
+          </a:p>
+        </p:txBody>
+      </p:sp>
+      <p:sp>
+        <p:nvSpPr>
+          <p:cNvPr id="13" name="TextBox 12">
+            <a:extLst>
+              <a:ext uri="{FF2B5EF4-FFF2-40B4-BE49-F238E27FC236}">
+                <a16:creationId xmlns:a16="http://schemas.microsoft.com/office/drawing/2014/main" id="{E6C9D2E3-FB94-CC49-9E11-33EC82030286}"/>
+              </a:ext>
+            </a:extLst>
+          </p:cNvPr>
+          <p:cNvSpPr txBox="1"/>
+          <p:nvPr/>
+        </p:nvSpPr>
+        <p:spPr>
+          <a:xfrm>
+            <a:off x="7816402" y="4497678"/>
+            <a:ext cx="2851598" cy="369332"/>
+          </a:xfrm>
+          <a:prstGeom prst="rect">
+            <a:avLst/>
+          </a:prstGeom>
+          <a:noFill/>
+        </p:spPr>
+        <p:txBody>
+          <a:bodyPr wrap="square" rtlCol="0">
+            <a:spAutoFit/>
+          </a:bodyPr>
+          <a:lstStyle/>
+          <a:p>
+            <a:r>
+              <a:rPr lang="da-DK" dirty="0"/>
+              <a:t>Programmeringssprog</a:t>
+            </a:r>
+            <a:endParaRPr lang="en-GB" dirty="0"/>
+          </a:p>
+        </p:txBody>
+      </p:sp>
+      <p:sp>
+        <p:nvSpPr>
+          <p:cNvPr id="14" name="TextBox 13">
+            <a:extLst>
+              <a:ext uri="{FF2B5EF4-FFF2-40B4-BE49-F238E27FC236}">
+                <a16:creationId xmlns:a16="http://schemas.microsoft.com/office/drawing/2014/main" id="{F116F630-A6FC-1646-9117-C6EFC35EF4A7}"/>
+              </a:ext>
+            </a:extLst>
+          </p:cNvPr>
+          <p:cNvSpPr txBox="1"/>
+          <p:nvPr/>
+        </p:nvSpPr>
+        <p:spPr>
+          <a:xfrm>
+            <a:off x="1715279" y="4497678"/>
+            <a:ext cx="2628900" cy="369332"/>
+          </a:xfrm>
+          <a:prstGeom prst="rect">
+            <a:avLst/>
+          </a:prstGeom>
+          <a:noFill/>
+        </p:spPr>
+        <p:txBody>
+          <a:bodyPr wrap="square" rtlCol="0">
+            <a:spAutoFit/>
+          </a:bodyPr>
+          <a:lstStyle/>
+          <a:p>
+            <a:r>
+              <a:rPr lang="da-DK" dirty="0"/>
+              <a:t>Billedbehandling</a:t>
+            </a:r>
+          </a:p>
+        </p:txBody>
+      </p:sp>
+      <p:sp>
+        <p:nvSpPr>
+          <p:cNvPr id="17" name="Title 1">
+            <a:extLst>
+              <a:ext uri="{FF2B5EF4-FFF2-40B4-BE49-F238E27FC236}">
+                <a16:creationId xmlns:a16="http://schemas.microsoft.com/office/drawing/2014/main" id="{D9F60061-7455-3D49-B13C-B997EB71D0CE}"/>
+              </a:ext>
+            </a:extLst>
+          </p:cNvPr>
+          <p:cNvSpPr>
+            <a:spLocks noGrp="1"/>
+          </p:cNvSpPr>
+          <p:nvPr>
+            <p:ph type="title"/>
+          </p:nvPr>
+        </p:nvSpPr>
+        <p:spPr>
+          <a:xfrm>
+            <a:off x="838200" y="365125"/>
+            <a:ext cx="10515600" cy="1325563"/>
+          </a:xfrm>
+        </p:spPr>
+        <p:txBody>
+          <a:bodyPr/>
+          <a:lstStyle/>
+          <a:p>
+            <a:r>
+              <a:rPr lang="da-DK" dirty="0"/>
+              <a:t>Undervisere</a:t>
+            </a:r>
+          </a:p>
+        </p:txBody>
+      </p:sp>
+      <p:pic>
+        <p:nvPicPr>
+          <p:cNvPr id="7" name="Content Placeholder 6">
+            <a:extLst>
+              <a:ext uri="{FF2B5EF4-FFF2-40B4-BE49-F238E27FC236}">
+                <a16:creationId xmlns:a16="http://schemas.microsoft.com/office/drawing/2014/main" id="{E1F3BC1C-C574-BD48-8765-F9F3CA6C7F30}"/>
+              </a:ext>
+            </a:extLst>
+          </p:cNvPr>
+          <p:cNvPicPr>
+            <a:picLocks noGrp="1" noChangeAspect="1"/>
+          </p:cNvPicPr>
+          <p:nvPr>
+            <p:ph idx="1"/>
+          </p:nvPr>
+        </p:nvPicPr>
+        <p:blipFill>
+          <a:blip r:embed="rId4"/>
+          <a:stretch>
+            <a:fillRect/>
+          </a:stretch>
+        </p:blipFill>
+        <p:spPr>
+          <a:xfrm>
+            <a:off x="4953000" y="1970503"/>
+            <a:ext cx="2188410" cy="2188410"/>
+          </a:xfrm>
+        </p:spPr>
+      </p:pic>
+    </p:spTree>
+    <p:extLst>
+      <p:ext uri="{BB962C8B-B14F-4D97-AF65-F5344CB8AC3E}">
+        <p14:creationId xmlns:p14="http://schemas.microsoft.com/office/powerpoint/2010/main" val="4266050752"/>
+      </p:ext>
+    </p:extLst>
+  </p:cSld>
+  <p:clrMapOvr>
+    <a:masterClrMapping/>
+  </p:clrMapOvr>
+</p:sld>
+</file>
+
+<file path=ppt/slides/slide3.xml><?xml version="1.0" encoding="utf-8"?>
+<p:sld xmlns:a="http://schemas.openxmlformats.org/drawingml/2006/main" xmlns:r="http://schemas.openxmlformats.org/officeDocument/2006/relationships" xmlns:p="http://schemas.openxmlformats.org/presentationml/2006/main">
+  <p:cSld>
+    <p:spTree>
+      <p:nvGrpSpPr>
+        <p:cNvPr id="1" name=""/>
+        <p:cNvGrpSpPr/>
+        <p:nvPr/>
+      </p:nvGrpSpPr>
+      <p:grpSpPr>
+        <a:xfrm>
+          <a:off x="0" y="0"/>
+          <a:ext cx="0" cy="0"/>
+          <a:chOff x="0" y="0"/>
+          <a:chExt cx="0" cy="0"/>
+        </a:xfrm>
+      </p:grpSpPr>
+      <p:sp>
+        <p:nvSpPr>
+          <p:cNvPr id="6" name="Title 1">
+            <a:extLst>
+              <a:ext uri="{FF2B5EF4-FFF2-40B4-BE49-F238E27FC236}">
+                <a16:creationId xmlns:a16="http://schemas.microsoft.com/office/drawing/2014/main" id="{96197070-91AC-3744-9ACB-D5FE75105FD4}"/>
+              </a:ext>
+            </a:extLst>
+          </p:cNvPr>
+          <p:cNvSpPr>
+            <a:spLocks noGrp="1"/>
+          </p:cNvSpPr>
+          <p:nvPr>
+            <p:ph type="title"/>
+          </p:nvPr>
+        </p:nvSpPr>
+        <p:spPr>
+          <a:xfrm>
+            <a:off x="838200" y="0"/>
+            <a:ext cx="10515600" cy="1325563"/>
+          </a:xfrm>
+        </p:spPr>
+        <p:txBody>
+          <a:bodyPr/>
+          <a:lstStyle/>
+          <a:p>
+            <a:r>
+              <a:rPr lang="en-GB" dirty="0" err="1"/>
+              <a:t>Instruktorer</a:t>
+            </a:r>
+            <a:r>
+              <a:rPr lang="en-GB" dirty="0"/>
+              <a:t> </a:t>
+            </a:r>
+            <a:r>
+              <a:rPr lang="en-GB" dirty="0" err="1"/>
+              <a:t>og</a:t>
+            </a:r>
+            <a:r>
+              <a:rPr lang="en-GB" dirty="0"/>
+              <a:t> </a:t>
+            </a:r>
+            <a:r>
+              <a:rPr lang="en-GB" dirty="0" err="1"/>
+              <a:t>mentorer</a:t>
+            </a:r>
+            <a:endParaRPr lang="en-GB" dirty="0"/>
+          </a:p>
+        </p:txBody>
+      </p:sp>
+      <p:graphicFrame>
+        <p:nvGraphicFramePr>
+          <p:cNvPr id="2" name="Table 1">
+            <a:extLst>
+              <a:ext uri="{FF2B5EF4-FFF2-40B4-BE49-F238E27FC236}">
+                <a16:creationId xmlns:a16="http://schemas.microsoft.com/office/drawing/2014/main" id="{1EEBF2A8-EBAE-8745-A43D-1525A57E4C64}"/>
+              </a:ext>
+            </a:extLst>
+          </p:cNvPr>
+          <p:cNvGraphicFramePr>
+            <a:graphicFrameLocks noGrp="1"/>
+          </p:cNvGraphicFramePr>
+          <p:nvPr>
+            <p:extLst>
+              <p:ext uri="{D42A27DB-BD31-4B8C-83A1-F6EECF244321}">
+                <p14:modId xmlns:p14="http://schemas.microsoft.com/office/powerpoint/2010/main" val="155783476"/>
+              </p:ext>
+            </p:extLst>
+          </p:nvPr>
+        </p:nvGraphicFramePr>
+        <p:xfrm>
+          <a:off x="1126271" y="1001183"/>
+          <a:ext cx="10348333" cy="5635166"/>
+        </p:xfrm>
+        <a:graphic>
+          <a:graphicData uri="http://schemas.openxmlformats.org/drawingml/2006/table">
+            <a:tbl>
+              <a:tblPr/>
+              <a:tblGrid>
+                <a:gridCol w="1148473">
+                  <a:extLst>
+                    <a:ext uri="{9D8B030D-6E8A-4147-A177-3AD203B41FA5}">
+                      <a16:colId xmlns:a16="http://schemas.microsoft.com/office/drawing/2014/main" val="159547662"/>
+                    </a:ext>
+                  </a:extLst>
+                </a:gridCol>
+                <a:gridCol w="1148473">
+                  <a:extLst>
+                    <a:ext uri="{9D8B030D-6E8A-4147-A177-3AD203B41FA5}">
+                      <a16:colId xmlns:a16="http://schemas.microsoft.com/office/drawing/2014/main" val="1345043298"/>
+                    </a:ext>
+                  </a:extLst>
+                </a:gridCol>
+                <a:gridCol w="1206870">
+                  <a:extLst>
+                    <a:ext uri="{9D8B030D-6E8A-4147-A177-3AD203B41FA5}">
+                      <a16:colId xmlns:a16="http://schemas.microsoft.com/office/drawing/2014/main" val="3268766136"/>
+                    </a:ext>
+                  </a:extLst>
+                </a:gridCol>
+                <a:gridCol w="1206870">
+                  <a:extLst>
+                    <a:ext uri="{9D8B030D-6E8A-4147-A177-3AD203B41FA5}">
+                      <a16:colId xmlns:a16="http://schemas.microsoft.com/office/drawing/2014/main" val="1171754039"/>
+                    </a:ext>
+                  </a:extLst>
+                </a:gridCol>
+                <a:gridCol w="1306425">
+                  <a:extLst>
+                    <a:ext uri="{9D8B030D-6E8A-4147-A177-3AD203B41FA5}">
+                      <a16:colId xmlns:a16="http://schemas.microsoft.com/office/drawing/2014/main" val="4250312166"/>
+                    </a:ext>
+                  </a:extLst>
+                </a:gridCol>
+                <a:gridCol w="2165611">
+                  <a:extLst>
+                    <a:ext uri="{9D8B030D-6E8A-4147-A177-3AD203B41FA5}">
+                      <a16:colId xmlns:a16="http://schemas.microsoft.com/office/drawing/2014/main" val="3543865088"/>
+                    </a:ext>
+                  </a:extLst>
+                </a:gridCol>
+                <a:gridCol w="2165611">
+                  <a:extLst>
+                    <a:ext uri="{9D8B030D-6E8A-4147-A177-3AD203B41FA5}">
+                      <a16:colId xmlns:a16="http://schemas.microsoft.com/office/drawing/2014/main" val="4079624501"/>
+                    </a:ext>
+                  </a:extLst>
+                </a:gridCol>
+              </a:tblGrid>
+              <a:tr h="380827">
+                <a:tc>
+                  <a:txBody>
+                    <a:bodyPr/>
+                    <a:lstStyle/>
+                    <a:p>
+                      <a:endParaRPr lang="en-US" sz="3200"/>
+                    </a:p>
+                  </a:txBody>
+                  <a:tcPr marL="2781" marR="2781" marT="2781" marB="2781" anchor="ctr">
+                    <a:lnL>
+                      <a:noFill/>
+                    </a:lnL>
+                    <a:lnR>
+                      <a:noFill/>
+                    </a:lnR>
+                    <a:lnT>
+                      <a:noFill/>
+                    </a:lnT>
+                    <a:lnB>
+                      <a:noFill/>
+                    </a:lnB>
+                    <a:solidFill>
+                      <a:srgbClr val="FFFFFF"/>
+                    </a:solidFill>
+                  </a:tcPr>
+                </a:tc>
+                <a:tc>
+                  <a:txBody>
+                    <a:bodyPr/>
+                    <a:lstStyle/>
+                    <a:p>
+                      <a:r>
+                        <a:rPr lang="en-GB" sz="1100" dirty="0" err="1">
+                          <a:effectLst/>
+                        </a:rPr>
+                        <a:t>Tirsdag</a:t>
+                      </a:r>
+                      <a:r>
+                        <a:rPr lang="en-GB" sz="1100" dirty="0">
+                          <a:effectLst/>
+                        </a:rPr>
+                        <a:t> </a:t>
+                      </a:r>
+                      <a:r>
+                        <a:rPr lang="en-GB" sz="1100" dirty="0" err="1">
+                          <a:effectLst/>
+                        </a:rPr>
+                        <a:t>lige</a:t>
+                      </a:r>
+                      <a:r>
+                        <a:rPr lang="en-GB" sz="1100" dirty="0">
+                          <a:effectLst/>
+                        </a:rPr>
+                        <a:t> </a:t>
+                      </a:r>
+                      <a:r>
+                        <a:rPr lang="en-GB" sz="1100" dirty="0" err="1">
+                          <a:effectLst/>
+                        </a:rPr>
+                        <a:t>uge</a:t>
+                      </a:r>
+                      <a:endParaRPr lang="en-GB" sz="1100" dirty="0">
+                        <a:effectLst/>
+                      </a:endParaRPr>
+                    </a:p>
+                  </a:txBody>
+                  <a:tcPr marL="2781" marR="2781" marT="2781" marB="2781" anchor="ctr">
+                    <a:lnL>
+                      <a:noFill/>
+                    </a:lnL>
+                    <a:lnR>
+                      <a:noFill/>
+                    </a:lnR>
+                    <a:lnT>
+                      <a:noFill/>
+                    </a:lnT>
+                    <a:lnB>
+                      <a:noFill/>
+                    </a:lnB>
+                    <a:solidFill>
+                      <a:srgbClr val="FFFFFF"/>
+                    </a:solidFill>
+                  </a:tcPr>
+                </a:tc>
+                <a:tc>
+                  <a:txBody>
+                    <a:bodyPr/>
+                    <a:lstStyle/>
+                    <a:p>
+                      <a:r>
+                        <a:rPr lang="en-GB" sz="1100" dirty="0" err="1">
+                          <a:effectLst/>
+                        </a:rPr>
+                        <a:t>Tirsdag</a:t>
+                      </a:r>
+                      <a:r>
+                        <a:rPr lang="en-GB" sz="1100" dirty="0">
+                          <a:effectLst/>
+                        </a:rPr>
+                        <a:t> </a:t>
+                      </a:r>
+                      <a:r>
+                        <a:rPr lang="en-GB" sz="1100" dirty="0" err="1">
+                          <a:effectLst/>
+                        </a:rPr>
+                        <a:t>ulige</a:t>
+                      </a:r>
+                      <a:r>
+                        <a:rPr lang="en-GB" sz="1100" dirty="0">
+                          <a:effectLst/>
+                        </a:rPr>
+                        <a:t> </a:t>
+                      </a:r>
+                      <a:r>
+                        <a:rPr lang="en-GB" sz="1100" dirty="0" err="1">
+                          <a:effectLst/>
+                        </a:rPr>
+                        <a:t>uge</a:t>
+                      </a:r>
+                      <a:endParaRPr lang="en-GB" sz="1100" dirty="0">
+                        <a:effectLst/>
+                      </a:endParaRPr>
+                    </a:p>
+                  </a:txBody>
+                  <a:tcPr marL="2781" marR="2781" marT="2781" marB="2781" anchor="ctr">
+                    <a:lnL>
+                      <a:noFill/>
+                    </a:lnL>
+                    <a:lnR>
+                      <a:noFill/>
+                    </a:lnR>
+                    <a:lnT>
+                      <a:noFill/>
+                    </a:lnT>
+                    <a:lnB>
+                      <a:noFill/>
+                    </a:lnB>
+                    <a:solidFill>
+                      <a:srgbClr val="FFFFFF"/>
+                    </a:solidFill>
+                  </a:tcPr>
+                </a:tc>
+                <a:tc>
+                  <a:txBody>
+                    <a:bodyPr/>
+                    <a:lstStyle/>
+                    <a:p>
+                      <a:r>
+                        <a:rPr lang="en-GB" sz="1100" dirty="0" err="1">
+                          <a:effectLst/>
+                        </a:rPr>
+                        <a:t>Torsdag</a:t>
+                      </a:r>
+                      <a:r>
+                        <a:rPr lang="en-GB" sz="1100" dirty="0">
+                          <a:effectLst/>
+                        </a:rPr>
+                        <a:t> </a:t>
+                      </a:r>
+                      <a:r>
+                        <a:rPr lang="en-GB" sz="1100" dirty="0" err="1">
+                          <a:effectLst/>
+                        </a:rPr>
+                        <a:t>lige</a:t>
+                      </a:r>
+                      <a:r>
+                        <a:rPr lang="en-GB" sz="1100" dirty="0">
+                          <a:effectLst/>
+                        </a:rPr>
+                        <a:t> </a:t>
+                      </a:r>
+                      <a:r>
+                        <a:rPr lang="en-GB" sz="1100" dirty="0" err="1">
+                          <a:effectLst/>
+                        </a:rPr>
+                        <a:t>uge</a:t>
+                      </a:r>
+                      <a:endParaRPr lang="en-GB" sz="1100" dirty="0">
+                        <a:effectLst/>
+                      </a:endParaRPr>
+                    </a:p>
+                  </a:txBody>
+                  <a:tcPr marL="2781" marR="2781" marT="2781" marB="2781" anchor="ctr">
+                    <a:lnL>
+                      <a:noFill/>
+                    </a:lnL>
+                    <a:lnR>
+                      <a:noFill/>
+                    </a:lnR>
+                    <a:lnT>
+                      <a:noFill/>
+                    </a:lnT>
+                    <a:lnB>
+                      <a:noFill/>
+                    </a:lnB>
+                    <a:solidFill>
+                      <a:srgbClr val="FFFFFF"/>
+                    </a:solidFill>
+                  </a:tcPr>
+                </a:tc>
+                <a:tc>
+                  <a:txBody>
+                    <a:bodyPr/>
+                    <a:lstStyle/>
+                    <a:p>
+                      <a:r>
+                        <a:rPr lang="en-GB" sz="1100" dirty="0" err="1">
+                          <a:effectLst/>
+                        </a:rPr>
+                        <a:t>Torsdag</a:t>
+                      </a:r>
+                      <a:r>
+                        <a:rPr lang="en-GB" sz="1100" dirty="0">
+                          <a:effectLst/>
+                        </a:rPr>
+                        <a:t> </a:t>
+                      </a:r>
+                      <a:r>
+                        <a:rPr lang="en-GB" sz="1100" dirty="0" err="1">
+                          <a:effectLst/>
+                        </a:rPr>
+                        <a:t>ulige</a:t>
+                      </a:r>
+                      <a:r>
+                        <a:rPr lang="en-GB" sz="1100" dirty="0">
+                          <a:effectLst/>
+                        </a:rPr>
+                        <a:t> </a:t>
+                      </a:r>
+                      <a:r>
+                        <a:rPr lang="en-GB" sz="1100" dirty="0" err="1">
+                          <a:effectLst/>
+                        </a:rPr>
+                        <a:t>uge</a:t>
+                      </a:r>
+                      <a:endParaRPr lang="en-GB" sz="1100" dirty="0">
+                        <a:effectLst/>
+                      </a:endParaRPr>
+                    </a:p>
+                  </a:txBody>
+                  <a:tcPr marL="2781" marR="2781" marT="2781" marB="2781" anchor="ctr">
+                    <a:lnL>
+                      <a:noFill/>
+                    </a:lnL>
+                    <a:lnR>
+                      <a:noFill/>
+                    </a:lnR>
+                    <a:lnT>
+                      <a:noFill/>
+                    </a:lnT>
+                    <a:lnB>
+                      <a:noFill/>
+                    </a:lnB>
+                    <a:solidFill>
+                      <a:srgbClr val="FFFFFF"/>
+                    </a:solidFill>
+                  </a:tcPr>
+                </a:tc>
+                <a:tc>
+                  <a:txBody>
+                    <a:bodyPr/>
+                    <a:lstStyle/>
+                    <a:p>
+                      <a:r>
+                        <a:rPr lang="en-GB" sz="1100" dirty="0" err="1">
+                          <a:effectLst/>
+                        </a:rPr>
+                        <a:t>Instruktor</a:t>
+                      </a:r>
+                      <a:endParaRPr lang="en-GB" sz="1100" dirty="0">
+                        <a:effectLst/>
+                      </a:endParaRPr>
+                    </a:p>
+                  </a:txBody>
+                  <a:tcPr marL="2781" marR="2781" marT="2781" marB="2781" anchor="ctr">
+                    <a:lnL>
+                      <a:noFill/>
+                    </a:lnL>
+                    <a:lnR>
+                      <a:noFill/>
+                    </a:lnR>
+                    <a:lnT>
+                      <a:noFill/>
+                    </a:lnT>
+                    <a:lnB>
+                      <a:noFill/>
+                    </a:lnB>
+                    <a:solidFill>
+                      <a:srgbClr val="FFFFFF"/>
+                    </a:solidFill>
+                  </a:tcPr>
+                </a:tc>
+                <a:tc>
+                  <a:txBody>
+                    <a:bodyPr/>
+                    <a:lstStyle/>
+                    <a:p>
+                      <a:r>
+                        <a:rPr lang="en-GB" sz="1100" dirty="0">
+                          <a:effectLst/>
+                        </a:rPr>
+                        <a:t>Mentor</a:t>
+                      </a:r>
+                    </a:p>
+                  </a:txBody>
+                  <a:tcPr marL="2781" marR="2781" marT="2781" marB="2781" anchor="ctr">
+                    <a:lnL>
+                      <a:noFill/>
+                    </a:lnL>
+                    <a:lnR>
+                      <a:noFill/>
+                    </a:lnR>
+                    <a:lnT>
+                      <a:noFill/>
+                    </a:lnT>
+                    <a:lnB>
+                      <a:noFill/>
+                    </a:lnB>
+                    <a:solidFill>
+                      <a:srgbClr val="FFFFFF"/>
+                    </a:solidFill>
+                  </a:tcPr>
+                </a:tc>
+                <a:extLst>
+                  <a:ext uri="{0D108BD9-81ED-4DB2-BD59-A6C34878D82A}">
+                    <a16:rowId xmlns:a16="http://schemas.microsoft.com/office/drawing/2014/main" val="61001812"/>
+                  </a:ext>
+                </a:extLst>
+              </a:tr>
+              <a:tr h="277088">
+                <a:tc>
+                  <a:txBody>
+                    <a:bodyPr/>
+                    <a:lstStyle/>
+                    <a:p>
+                      <a:r>
+                        <a:rPr lang="en-DK" sz="1100">
+                          <a:effectLst/>
+                        </a:rPr>
+                        <a:t>1</a:t>
+                      </a:r>
+                    </a:p>
+                  </a:txBody>
+                  <a:tcPr marL="2781" marR="2781" marT="2781" marB="2781" anchor="ctr">
+                    <a:lnL>
+                      <a:noFill/>
+                    </a:lnL>
+                    <a:lnR>
+                      <a:noFill/>
+                    </a:lnR>
+                    <a:lnT>
+                      <a:noFill/>
+                    </a:lnT>
+                    <a:lnB>
+                      <a:noFill/>
+                    </a:lnB>
+                    <a:solidFill>
+                      <a:srgbClr val="FFFFFF"/>
+                    </a:solidFill>
+                  </a:tcPr>
+                </a:tc>
+                <a:tc>
+                  <a:txBody>
+                    <a:bodyPr/>
+                    <a:lstStyle/>
+                    <a:p>
+                      <a:r>
+                        <a:rPr lang="en-GB" sz="1100">
+                          <a:effectLst/>
+                        </a:rPr>
+                        <a:t>HCØ - Aud 05</a:t>
+                      </a:r>
+                    </a:p>
+                  </a:txBody>
+                  <a:tcPr marL="2781" marR="2781" marT="2781" marB="2781" anchor="ctr">
+                    <a:lnL>
+                      <a:noFill/>
+                    </a:lnL>
+                    <a:lnR>
+                      <a:noFill/>
+                    </a:lnR>
+                    <a:lnT>
+                      <a:noFill/>
+                    </a:lnT>
+                    <a:lnB>
+                      <a:noFill/>
+                    </a:lnB>
+                    <a:solidFill>
+                      <a:srgbClr val="FFFFFF"/>
+                    </a:solidFill>
+                  </a:tcPr>
+                </a:tc>
+                <a:tc>
+                  <a:txBody>
+                    <a:bodyPr/>
+                    <a:lstStyle/>
+                    <a:p>
+                      <a:r>
+                        <a:rPr lang="en-GB" sz="1100">
+                          <a:effectLst/>
+                        </a:rPr>
+                        <a:t>HCØ - Aud 05</a:t>
+                      </a:r>
+                    </a:p>
+                  </a:txBody>
+                  <a:tcPr marL="2781" marR="2781" marT="2781" marB="2781" anchor="ctr">
+                    <a:lnL>
+                      <a:noFill/>
+                    </a:lnL>
+                    <a:lnR>
+                      <a:noFill/>
+                    </a:lnR>
+                    <a:lnT>
+                      <a:noFill/>
+                    </a:lnT>
+                    <a:lnB>
+                      <a:noFill/>
+                    </a:lnB>
+                    <a:solidFill>
+                      <a:srgbClr val="FFFFFF"/>
+                    </a:solidFill>
+                  </a:tcPr>
+                </a:tc>
+                <a:tc>
+                  <a:txBody>
+                    <a:bodyPr/>
+                    <a:lstStyle/>
+                    <a:p>
+                      <a:r>
+                        <a:rPr lang="en-GB" sz="1100">
+                          <a:effectLst/>
+                        </a:rPr>
+                        <a:t>HCØ - Aud 05</a:t>
+                      </a:r>
+                    </a:p>
+                  </a:txBody>
+                  <a:tcPr marL="2781" marR="2781" marT="2781" marB="2781" anchor="ctr">
+                    <a:lnL>
+                      <a:noFill/>
+                    </a:lnL>
+                    <a:lnR>
+                      <a:noFill/>
+                    </a:lnR>
+                    <a:lnT>
+                      <a:noFill/>
+                    </a:lnT>
+                    <a:lnB>
+                      <a:noFill/>
+                    </a:lnB>
+                    <a:solidFill>
+                      <a:srgbClr val="FFFFFF"/>
+                    </a:solidFill>
+                  </a:tcPr>
+                </a:tc>
+                <a:tc>
+                  <a:txBody>
+                    <a:bodyPr/>
+                    <a:lstStyle/>
+                    <a:p>
+                      <a:r>
+                        <a:rPr lang="en-GB" sz="1100" dirty="0">
+                          <a:effectLst/>
+                        </a:rPr>
+                        <a:t>HCØ - </a:t>
+                      </a:r>
+                      <a:r>
+                        <a:rPr lang="en-GB" sz="1100" dirty="0" err="1">
+                          <a:effectLst/>
+                        </a:rPr>
+                        <a:t>Aud</a:t>
+                      </a:r>
+                      <a:r>
+                        <a:rPr lang="en-GB" sz="1100" dirty="0">
+                          <a:effectLst/>
+                        </a:rPr>
+                        <a:t> 05</a:t>
+                      </a:r>
+                    </a:p>
+                  </a:txBody>
+                  <a:tcPr marL="2781" marR="2781" marT="2781" marB="2781" anchor="ctr">
+                    <a:lnL>
+                      <a:noFill/>
+                    </a:lnL>
+                    <a:lnR>
+                      <a:noFill/>
+                    </a:lnR>
+                    <a:lnT>
+                      <a:noFill/>
+                    </a:lnT>
+                    <a:lnB>
+                      <a:noFill/>
+                    </a:lnB>
+                    <a:solidFill>
+                      <a:srgbClr val="FFFFFF"/>
+                    </a:solidFill>
+                  </a:tcPr>
+                </a:tc>
+                <a:tc>
+                  <a:txBody>
+                    <a:bodyPr/>
+                    <a:lstStyle/>
+                    <a:p>
+                      <a:r>
+                        <a:rPr lang="en-GB" sz="1100">
+                          <a:effectLst/>
+                        </a:rPr>
+                        <a:t>Emillie Anne Burkal Hansen, wrf242</a:t>
+                      </a:r>
+                    </a:p>
+                  </a:txBody>
+                  <a:tcPr marL="2781" marR="2781" marT="2781" marB="2781" anchor="ctr">
+                    <a:lnL>
+                      <a:noFill/>
+                    </a:lnL>
+                    <a:lnR>
+                      <a:noFill/>
+                    </a:lnR>
+                    <a:lnT>
+                      <a:noFill/>
+                    </a:lnT>
+                    <a:lnB>
+                      <a:noFill/>
+                    </a:lnB>
+                    <a:solidFill>
+                      <a:srgbClr val="FFFFFF"/>
+                    </a:solidFill>
+                  </a:tcPr>
+                </a:tc>
+                <a:tc>
+                  <a:txBody>
+                    <a:bodyPr/>
+                    <a:lstStyle/>
+                    <a:p>
+                      <a:r>
+                        <a:rPr lang="en-GB" sz="1100" dirty="0">
+                          <a:effectLst/>
+                        </a:rPr>
+                        <a:t>Ronnie Andersen, nqm290</a:t>
+                      </a:r>
+                    </a:p>
+                  </a:txBody>
+                  <a:tcPr marL="2781" marR="2781" marT="2781" marB="2781" anchor="ctr">
+                    <a:lnL>
+                      <a:noFill/>
+                    </a:lnL>
+                    <a:lnR>
+                      <a:noFill/>
+                    </a:lnR>
+                    <a:lnT>
+                      <a:noFill/>
+                    </a:lnT>
+                    <a:lnB>
+                      <a:noFill/>
+                    </a:lnB>
+                    <a:solidFill>
+                      <a:srgbClr val="FFFFFF"/>
+                    </a:solidFill>
+                  </a:tcPr>
+                </a:tc>
+                <a:extLst>
+                  <a:ext uri="{0D108BD9-81ED-4DB2-BD59-A6C34878D82A}">
+                    <a16:rowId xmlns:a16="http://schemas.microsoft.com/office/drawing/2014/main" val="1219108935"/>
+                  </a:ext>
+                </a:extLst>
+              </a:tr>
+              <a:tr h="318306">
+                <a:tc>
+                  <a:txBody>
+                    <a:bodyPr/>
+                    <a:lstStyle/>
+                    <a:p>
+                      <a:r>
+                        <a:rPr lang="en-DK" sz="1100">
+                          <a:effectLst/>
+                        </a:rPr>
+                        <a:t>2</a:t>
+                      </a:r>
+                    </a:p>
+                  </a:txBody>
+                  <a:tcPr marL="2781" marR="2781" marT="2781" marB="2781" anchor="ctr">
+                    <a:lnL>
+                      <a:noFill/>
+                    </a:lnL>
+                    <a:lnR>
+                      <a:noFill/>
+                    </a:lnR>
+                    <a:lnT>
+                      <a:noFill/>
+                    </a:lnT>
+                    <a:lnB>
+                      <a:noFill/>
+                    </a:lnB>
+                    <a:solidFill>
+                      <a:srgbClr val="FFFFFF"/>
+                    </a:solidFill>
+                  </a:tcPr>
+                </a:tc>
+                <a:tc>
+                  <a:txBody>
+                    <a:bodyPr/>
+                    <a:lstStyle/>
+                    <a:p>
+                      <a:r>
+                        <a:rPr lang="en-GB" sz="1100">
+                          <a:effectLst/>
+                        </a:rPr>
+                        <a:t>HCØ - Aud 05</a:t>
+                      </a:r>
+                    </a:p>
+                  </a:txBody>
+                  <a:tcPr marL="2781" marR="2781" marT="2781" marB="2781" anchor="ctr">
+                    <a:lnL>
+                      <a:noFill/>
+                    </a:lnL>
+                    <a:lnR>
+                      <a:noFill/>
+                    </a:lnR>
+                    <a:lnT>
+                      <a:noFill/>
+                    </a:lnT>
+                    <a:lnB>
+                      <a:noFill/>
+                    </a:lnB>
+                    <a:solidFill>
+                      <a:srgbClr val="FFFFFF"/>
+                    </a:solidFill>
+                  </a:tcPr>
+                </a:tc>
+                <a:tc>
+                  <a:txBody>
+                    <a:bodyPr/>
+                    <a:lstStyle/>
+                    <a:p>
+                      <a:r>
+                        <a:rPr lang="en-GB" sz="1100">
+                          <a:effectLst/>
+                        </a:rPr>
+                        <a:t>HCØ - Aud 05</a:t>
+                      </a:r>
+                    </a:p>
+                  </a:txBody>
+                  <a:tcPr marL="2781" marR="2781" marT="2781" marB="2781" anchor="ctr">
+                    <a:lnL>
+                      <a:noFill/>
+                    </a:lnL>
+                    <a:lnR>
+                      <a:noFill/>
+                    </a:lnR>
+                    <a:lnT>
+                      <a:noFill/>
+                    </a:lnT>
+                    <a:lnB>
+                      <a:noFill/>
+                    </a:lnB>
+                    <a:solidFill>
+                      <a:srgbClr val="FFFFFF"/>
+                    </a:solidFill>
+                  </a:tcPr>
+                </a:tc>
+                <a:tc>
+                  <a:txBody>
+                    <a:bodyPr/>
+                    <a:lstStyle/>
+                    <a:p>
+                      <a:r>
+                        <a:rPr lang="en-GB" sz="1100">
+                          <a:effectLst/>
+                        </a:rPr>
+                        <a:t>HCØ - Aud 05</a:t>
+                      </a:r>
+                    </a:p>
+                  </a:txBody>
+                  <a:tcPr marL="2781" marR="2781" marT="2781" marB="2781" anchor="ctr">
+                    <a:lnL>
+                      <a:noFill/>
+                    </a:lnL>
+                    <a:lnR>
+                      <a:noFill/>
+                    </a:lnR>
+                    <a:lnT>
+                      <a:noFill/>
+                    </a:lnT>
+                    <a:lnB>
+                      <a:noFill/>
+                    </a:lnB>
+                    <a:solidFill>
+                      <a:srgbClr val="FFFFFF"/>
+                    </a:solidFill>
+                  </a:tcPr>
+                </a:tc>
+                <a:tc>
+                  <a:txBody>
+                    <a:bodyPr/>
+                    <a:lstStyle/>
+                    <a:p>
+                      <a:r>
+                        <a:rPr lang="en-GB" sz="1100" dirty="0">
+                          <a:effectLst/>
+                        </a:rPr>
+                        <a:t>HCØ - </a:t>
+                      </a:r>
+                      <a:r>
+                        <a:rPr lang="en-GB" sz="1100" dirty="0" err="1">
+                          <a:effectLst/>
+                        </a:rPr>
+                        <a:t>Aud</a:t>
+                      </a:r>
+                      <a:r>
+                        <a:rPr lang="en-GB" sz="1100" dirty="0">
+                          <a:effectLst/>
+                        </a:rPr>
+                        <a:t> 05</a:t>
+                      </a:r>
+                    </a:p>
+                  </a:txBody>
+                  <a:tcPr marL="2781" marR="2781" marT="2781" marB="2781" anchor="ctr">
+                    <a:lnL>
+                      <a:noFill/>
+                    </a:lnL>
+                    <a:lnR>
+                      <a:noFill/>
+                    </a:lnR>
+                    <a:lnT>
+                      <a:noFill/>
+                    </a:lnT>
+                    <a:lnB>
+                      <a:noFill/>
+                    </a:lnB>
+                    <a:solidFill>
+                      <a:srgbClr val="FFFFFF"/>
+                    </a:solidFill>
+                  </a:tcPr>
+                </a:tc>
+                <a:tc>
+                  <a:txBody>
+                    <a:bodyPr/>
+                    <a:lstStyle/>
+                    <a:p>
+                      <a:r>
+                        <a:rPr lang="en-GB" sz="1100">
+                          <a:effectLst/>
+                        </a:rPr>
+                        <a:t>Mikkel Brock Reiter Sørensen, vhk871</a:t>
+                      </a:r>
+                    </a:p>
+                  </a:txBody>
+                  <a:tcPr marL="2781" marR="2781" marT="2781" marB="2781" anchor="ctr">
+                    <a:lnL>
+                      <a:noFill/>
+                    </a:lnL>
+                    <a:lnR>
+                      <a:noFill/>
+                    </a:lnR>
+                    <a:lnT>
+                      <a:noFill/>
+                    </a:lnT>
+                    <a:lnB>
+                      <a:noFill/>
+                    </a:lnB>
+                    <a:solidFill>
+                      <a:srgbClr val="FFFFFF"/>
+                    </a:solidFill>
+                  </a:tcPr>
+                </a:tc>
+                <a:tc>
+                  <a:txBody>
+                    <a:bodyPr/>
+                    <a:lstStyle/>
+                    <a:p>
+                      <a:r>
+                        <a:rPr lang="en-GB" sz="1100" dirty="0">
+                          <a:effectLst/>
+                        </a:rPr>
+                        <a:t>Marius </a:t>
+                      </a:r>
+                      <a:r>
+                        <a:rPr lang="en-GB" sz="1100" dirty="0" err="1">
+                          <a:effectLst/>
+                        </a:rPr>
+                        <a:t>Prehn</a:t>
+                      </a:r>
+                      <a:r>
+                        <a:rPr lang="en-GB" sz="1100" dirty="0">
+                          <a:effectLst/>
+                        </a:rPr>
+                        <a:t> </a:t>
+                      </a:r>
+                      <a:r>
+                        <a:rPr lang="en-GB" sz="1100" dirty="0" err="1">
+                          <a:effectLst/>
+                        </a:rPr>
+                        <a:t>Ottosen</a:t>
+                      </a:r>
+                      <a:r>
+                        <a:rPr lang="en-GB" sz="1100" dirty="0">
+                          <a:effectLst/>
+                        </a:rPr>
+                        <a:t>, dnr385</a:t>
+                      </a:r>
+                    </a:p>
+                  </a:txBody>
+                  <a:tcPr marL="2781" marR="2781" marT="2781" marB="2781" anchor="ctr">
+                    <a:lnL>
+                      <a:noFill/>
+                    </a:lnL>
+                    <a:lnR>
+                      <a:noFill/>
+                    </a:lnR>
+                    <a:lnT>
+                      <a:noFill/>
+                    </a:lnT>
+                    <a:lnB>
+                      <a:noFill/>
+                    </a:lnB>
+                    <a:solidFill>
+                      <a:srgbClr val="FFFFFF"/>
+                    </a:solidFill>
+                  </a:tcPr>
+                </a:tc>
+                <a:extLst>
+                  <a:ext uri="{0D108BD9-81ED-4DB2-BD59-A6C34878D82A}">
+                    <a16:rowId xmlns:a16="http://schemas.microsoft.com/office/drawing/2014/main" val="3347751810"/>
+                  </a:ext>
+                </a:extLst>
+              </a:tr>
+              <a:tr h="318306">
+                <a:tc>
+                  <a:txBody>
+                    <a:bodyPr/>
+                    <a:lstStyle/>
+                    <a:p>
+                      <a:r>
+                        <a:rPr lang="en-DK" sz="1100">
+                          <a:effectLst/>
+                        </a:rPr>
+                        <a:t>3</a:t>
+                      </a:r>
+                    </a:p>
+                  </a:txBody>
+                  <a:tcPr marL="2781" marR="2781" marT="2781" marB="2781" anchor="ctr">
+                    <a:lnL>
+                      <a:noFill/>
+                    </a:lnL>
+                    <a:lnR>
+                      <a:noFill/>
+                    </a:lnR>
+                    <a:lnT>
+                      <a:noFill/>
+                    </a:lnT>
+                    <a:lnB>
+                      <a:noFill/>
+                    </a:lnB>
+                    <a:solidFill>
+                      <a:srgbClr val="FFFFFF"/>
+                    </a:solidFill>
+                  </a:tcPr>
+                </a:tc>
+                <a:tc>
+                  <a:txBody>
+                    <a:bodyPr/>
+                    <a:lstStyle/>
+                    <a:p>
+                      <a:r>
+                        <a:rPr lang="en-GB" sz="1100">
+                          <a:effectLst/>
+                        </a:rPr>
+                        <a:t>DIKU - 4-1-22</a:t>
+                      </a:r>
+                    </a:p>
+                  </a:txBody>
+                  <a:tcPr marL="2781" marR="2781" marT="2781" marB="2781" anchor="ctr">
+                    <a:lnL>
+                      <a:noFill/>
+                    </a:lnL>
+                    <a:lnR>
+                      <a:noFill/>
+                    </a:lnR>
+                    <a:lnT>
+                      <a:noFill/>
+                    </a:lnT>
+                    <a:lnB>
+                      <a:noFill/>
+                    </a:lnB>
+                    <a:solidFill>
+                      <a:srgbClr val="FFFFFF"/>
+                    </a:solidFill>
+                  </a:tcPr>
+                </a:tc>
+                <a:tc>
+                  <a:txBody>
+                    <a:bodyPr/>
+                    <a:lstStyle/>
+                    <a:p>
+                      <a:r>
+                        <a:rPr lang="en-GB" sz="1100">
+                          <a:effectLst/>
+                        </a:rPr>
+                        <a:t>DIKU - 4-1-22</a:t>
+                      </a:r>
+                    </a:p>
+                  </a:txBody>
+                  <a:tcPr marL="2781" marR="2781" marT="2781" marB="2781" anchor="ctr">
+                    <a:lnL>
+                      <a:noFill/>
+                    </a:lnL>
+                    <a:lnR>
+                      <a:noFill/>
+                    </a:lnR>
+                    <a:lnT>
+                      <a:noFill/>
+                    </a:lnT>
+                    <a:lnB>
+                      <a:noFill/>
+                    </a:lnB>
+                    <a:solidFill>
+                      <a:srgbClr val="FFFFFF"/>
+                    </a:solidFill>
+                  </a:tcPr>
+                </a:tc>
+                <a:tc>
+                  <a:txBody>
+                    <a:bodyPr/>
+                    <a:lstStyle/>
+                    <a:p>
+                      <a:r>
+                        <a:rPr lang="en-GB" sz="1100">
+                          <a:effectLst/>
+                        </a:rPr>
+                        <a:t>DIKU - 4-1-22</a:t>
+                      </a:r>
+                    </a:p>
+                  </a:txBody>
+                  <a:tcPr marL="2781" marR="2781" marT="2781" marB="2781" anchor="ctr">
+                    <a:lnL>
+                      <a:noFill/>
+                    </a:lnL>
+                    <a:lnR>
+                      <a:noFill/>
+                    </a:lnR>
+                    <a:lnT>
+                      <a:noFill/>
+                    </a:lnT>
+                    <a:lnB>
+                      <a:noFill/>
+                    </a:lnB>
+                    <a:solidFill>
+                      <a:srgbClr val="FFFFFF"/>
+                    </a:solidFill>
+                  </a:tcPr>
+                </a:tc>
+                <a:tc>
+                  <a:txBody>
+                    <a:bodyPr/>
+                    <a:lstStyle/>
+                    <a:p>
+                      <a:r>
+                        <a:rPr lang="en-GB" sz="1100" dirty="0">
+                          <a:effectLst/>
+                        </a:rPr>
+                        <a:t>DIKU - 4-1-22</a:t>
+                      </a:r>
+                    </a:p>
+                  </a:txBody>
+                  <a:tcPr marL="2781" marR="2781" marT="2781" marB="2781" anchor="ctr">
+                    <a:lnL>
+                      <a:noFill/>
+                    </a:lnL>
+                    <a:lnR>
+                      <a:noFill/>
+                    </a:lnR>
+                    <a:lnT>
+                      <a:noFill/>
+                    </a:lnT>
+                    <a:lnB>
+                      <a:noFill/>
+                    </a:lnB>
+                    <a:solidFill>
+                      <a:srgbClr val="FFFFFF"/>
+                    </a:solidFill>
+                  </a:tcPr>
+                </a:tc>
+                <a:tc>
+                  <a:txBody>
+                    <a:bodyPr/>
+                    <a:lstStyle/>
+                    <a:p>
+                      <a:r>
+                        <a:rPr lang="en-GB" sz="1100">
+                          <a:effectLst/>
+                        </a:rPr>
+                        <a:t>Kasper Weihe, pxh755</a:t>
+                      </a:r>
+                    </a:p>
+                  </a:txBody>
+                  <a:tcPr marL="2781" marR="2781" marT="2781" marB="2781" anchor="ctr">
+                    <a:lnL>
+                      <a:noFill/>
+                    </a:lnL>
+                    <a:lnR>
+                      <a:noFill/>
+                    </a:lnR>
+                    <a:lnT>
+                      <a:noFill/>
+                    </a:lnT>
+                    <a:lnB>
+                      <a:noFill/>
+                    </a:lnB>
+                    <a:solidFill>
+                      <a:srgbClr val="FFFFFF"/>
+                    </a:solidFill>
+                  </a:tcPr>
+                </a:tc>
+                <a:tc>
+                  <a:txBody>
+                    <a:bodyPr/>
+                    <a:lstStyle/>
+                    <a:p>
+                      <a:r>
+                        <a:rPr lang="en-GB" sz="1100" dirty="0">
+                          <a:effectLst/>
+                        </a:rPr>
+                        <a:t>Noah Maddox Shehadeh </a:t>
+                      </a:r>
+                      <a:r>
+                        <a:rPr lang="en-GB" sz="1100" dirty="0" err="1">
+                          <a:effectLst/>
+                        </a:rPr>
+                        <a:t>Stonall</a:t>
+                      </a:r>
+                      <a:r>
+                        <a:rPr lang="en-GB" sz="1100" dirty="0">
+                          <a:effectLst/>
+                        </a:rPr>
+                        <a:t>, mjh831</a:t>
+                      </a:r>
+                    </a:p>
+                  </a:txBody>
+                  <a:tcPr marL="2781" marR="2781" marT="2781" marB="2781" anchor="ctr">
+                    <a:lnL>
+                      <a:noFill/>
+                    </a:lnL>
+                    <a:lnR>
+                      <a:noFill/>
+                    </a:lnR>
+                    <a:lnT>
+                      <a:noFill/>
+                    </a:lnT>
+                    <a:lnB>
+                      <a:noFill/>
+                    </a:lnB>
+                    <a:solidFill>
+                      <a:srgbClr val="FFFFFF"/>
+                    </a:solidFill>
+                  </a:tcPr>
+                </a:tc>
+                <a:extLst>
+                  <a:ext uri="{0D108BD9-81ED-4DB2-BD59-A6C34878D82A}">
+                    <a16:rowId xmlns:a16="http://schemas.microsoft.com/office/drawing/2014/main" val="3461126022"/>
+                  </a:ext>
+                </a:extLst>
+              </a:tr>
+              <a:tr h="277088">
+                <a:tc>
+                  <a:txBody>
+                    <a:bodyPr/>
+                    <a:lstStyle/>
+                    <a:p>
+                      <a:r>
+                        <a:rPr lang="en-DK" sz="1100">
+                          <a:effectLst/>
+                        </a:rPr>
+                        <a:t>4</a:t>
+                      </a:r>
+                    </a:p>
+                  </a:txBody>
+                  <a:tcPr marL="2781" marR="2781" marT="2781" marB="2781" anchor="ctr">
+                    <a:lnL>
+                      <a:noFill/>
+                    </a:lnL>
+                    <a:lnR>
+                      <a:noFill/>
+                    </a:lnR>
+                    <a:lnT>
+                      <a:noFill/>
+                    </a:lnT>
+                    <a:lnB>
+                      <a:noFill/>
+                    </a:lnB>
+                    <a:solidFill>
+                      <a:srgbClr val="FFFFFF"/>
+                    </a:solidFill>
+                  </a:tcPr>
+                </a:tc>
+                <a:tc>
+                  <a:txBody>
+                    <a:bodyPr/>
+                    <a:lstStyle/>
+                    <a:p>
+                      <a:r>
+                        <a:rPr lang="en-GB" sz="1100">
+                          <a:effectLst/>
+                        </a:rPr>
+                        <a:t>DIKU - 4-1-22</a:t>
+                      </a:r>
+                    </a:p>
+                  </a:txBody>
+                  <a:tcPr marL="2781" marR="2781" marT="2781" marB="2781" anchor="ctr">
+                    <a:lnL>
+                      <a:noFill/>
+                    </a:lnL>
+                    <a:lnR>
+                      <a:noFill/>
+                    </a:lnR>
+                    <a:lnT>
+                      <a:noFill/>
+                    </a:lnT>
+                    <a:lnB>
+                      <a:noFill/>
+                    </a:lnB>
+                    <a:solidFill>
+                      <a:srgbClr val="FFFFFF"/>
+                    </a:solidFill>
+                  </a:tcPr>
+                </a:tc>
+                <a:tc>
+                  <a:txBody>
+                    <a:bodyPr/>
+                    <a:lstStyle/>
+                    <a:p>
+                      <a:r>
+                        <a:rPr lang="en-GB" sz="1100">
+                          <a:effectLst/>
+                        </a:rPr>
+                        <a:t>DIKU - 4-1-22</a:t>
+                      </a:r>
+                    </a:p>
+                  </a:txBody>
+                  <a:tcPr marL="2781" marR="2781" marT="2781" marB="2781" anchor="ctr">
+                    <a:lnL>
+                      <a:noFill/>
+                    </a:lnL>
+                    <a:lnR>
+                      <a:noFill/>
+                    </a:lnR>
+                    <a:lnT>
+                      <a:noFill/>
+                    </a:lnT>
+                    <a:lnB>
+                      <a:noFill/>
+                    </a:lnB>
+                    <a:solidFill>
+                      <a:srgbClr val="FFFFFF"/>
+                    </a:solidFill>
+                  </a:tcPr>
+                </a:tc>
+                <a:tc>
+                  <a:txBody>
+                    <a:bodyPr/>
+                    <a:lstStyle/>
+                    <a:p>
+                      <a:r>
+                        <a:rPr lang="en-GB" sz="1100">
+                          <a:effectLst/>
+                        </a:rPr>
+                        <a:t>DIKU - 4-1-22</a:t>
+                      </a:r>
+                    </a:p>
+                  </a:txBody>
+                  <a:tcPr marL="2781" marR="2781" marT="2781" marB="2781" anchor="ctr">
+                    <a:lnL>
+                      <a:noFill/>
+                    </a:lnL>
+                    <a:lnR>
+                      <a:noFill/>
+                    </a:lnR>
+                    <a:lnT>
+                      <a:noFill/>
+                    </a:lnT>
+                    <a:lnB>
+                      <a:noFill/>
+                    </a:lnB>
+                    <a:solidFill>
+                      <a:srgbClr val="FFFFFF"/>
+                    </a:solidFill>
+                  </a:tcPr>
+                </a:tc>
+                <a:tc>
+                  <a:txBody>
+                    <a:bodyPr/>
+                    <a:lstStyle/>
+                    <a:p>
+                      <a:r>
+                        <a:rPr lang="en-GB" sz="1100" dirty="0">
+                          <a:effectLst/>
+                        </a:rPr>
+                        <a:t>DIKU - 4-1-22</a:t>
+                      </a:r>
+                    </a:p>
+                  </a:txBody>
+                  <a:tcPr marL="2781" marR="2781" marT="2781" marB="2781" anchor="ctr">
+                    <a:lnL>
+                      <a:noFill/>
+                    </a:lnL>
+                    <a:lnR>
+                      <a:noFill/>
+                    </a:lnR>
+                    <a:lnT>
+                      <a:noFill/>
+                    </a:lnT>
+                    <a:lnB>
+                      <a:noFill/>
+                    </a:lnB>
+                    <a:solidFill>
+                      <a:srgbClr val="FFFFFF"/>
+                    </a:solidFill>
+                  </a:tcPr>
+                </a:tc>
+                <a:tc>
+                  <a:txBody>
+                    <a:bodyPr/>
+                    <a:lstStyle/>
+                    <a:p>
+                      <a:r>
+                        <a:rPr lang="en-GB" sz="1100" dirty="0">
+                          <a:effectLst/>
+                        </a:rPr>
+                        <a:t>Marius </a:t>
+                      </a:r>
+                      <a:r>
+                        <a:rPr lang="en-GB" sz="1100" dirty="0" err="1">
+                          <a:effectLst/>
+                        </a:rPr>
+                        <a:t>Ottosen</a:t>
+                      </a:r>
+                      <a:r>
+                        <a:rPr lang="en-GB" sz="1100" dirty="0">
+                          <a:effectLst/>
+                        </a:rPr>
+                        <a:t>, dnr385</a:t>
+                      </a:r>
+                    </a:p>
+                  </a:txBody>
+                  <a:tcPr marL="2781" marR="2781" marT="2781" marB="2781" anchor="ctr">
+                    <a:lnL>
+                      <a:noFill/>
+                    </a:lnL>
+                    <a:lnR>
+                      <a:noFill/>
+                    </a:lnR>
+                    <a:lnT>
+                      <a:noFill/>
+                    </a:lnT>
+                    <a:lnB>
+                      <a:noFill/>
+                    </a:lnB>
+                    <a:solidFill>
+                      <a:srgbClr val="FFFFFF"/>
+                    </a:solidFill>
+                  </a:tcPr>
+                </a:tc>
+                <a:tc>
+                  <a:txBody>
+                    <a:bodyPr/>
+                    <a:lstStyle/>
+                    <a:p>
+                      <a:r>
+                        <a:rPr lang="en-GB" sz="1100" dirty="0" err="1">
+                          <a:effectLst/>
+                        </a:rPr>
+                        <a:t>Silja</a:t>
+                      </a:r>
+                      <a:r>
+                        <a:rPr lang="en-GB" sz="1100" dirty="0">
+                          <a:effectLst/>
+                        </a:rPr>
+                        <a:t> </a:t>
+                      </a:r>
+                      <a:r>
+                        <a:rPr lang="en-GB" sz="1100" dirty="0" err="1">
+                          <a:effectLst/>
+                        </a:rPr>
+                        <a:t>Damhus</a:t>
+                      </a:r>
+                      <a:r>
+                        <a:rPr lang="en-GB" sz="1100" dirty="0">
+                          <a:effectLst/>
+                        </a:rPr>
+                        <a:t> </a:t>
+                      </a:r>
+                      <a:r>
+                        <a:rPr lang="en-GB" sz="1100" dirty="0" err="1">
+                          <a:effectLst/>
+                        </a:rPr>
+                        <a:t>Benjaminsen</a:t>
+                      </a:r>
+                      <a:r>
+                        <a:rPr lang="en-GB" sz="1100" dirty="0">
+                          <a:effectLst/>
+                        </a:rPr>
+                        <a:t>, pdz832</a:t>
+                      </a:r>
+                    </a:p>
+                  </a:txBody>
+                  <a:tcPr marL="2781" marR="2781" marT="2781" marB="2781" anchor="ctr">
+                    <a:lnL>
+                      <a:noFill/>
+                    </a:lnL>
+                    <a:lnR>
+                      <a:noFill/>
+                    </a:lnR>
+                    <a:lnT>
+                      <a:noFill/>
+                    </a:lnT>
+                    <a:lnB>
+                      <a:noFill/>
+                    </a:lnB>
+                    <a:solidFill>
+                      <a:srgbClr val="FFFFFF"/>
+                    </a:solidFill>
+                  </a:tcPr>
+                </a:tc>
+                <a:extLst>
+                  <a:ext uri="{0D108BD9-81ED-4DB2-BD59-A6C34878D82A}">
+                    <a16:rowId xmlns:a16="http://schemas.microsoft.com/office/drawing/2014/main" val="679699994"/>
+                  </a:ext>
+                </a:extLst>
+              </a:tr>
+              <a:tr h="277088">
+                <a:tc>
+                  <a:txBody>
+                    <a:bodyPr/>
+                    <a:lstStyle/>
+                    <a:p>
+                      <a:r>
+                        <a:rPr lang="en-DK" sz="1100">
+                          <a:effectLst/>
+                        </a:rPr>
+                        <a:t>5</a:t>
+                      </a:r>
+                    </a:p>
+                  </a:txBody>
+                  <a:tcPr marL="2781" marR="2781" marT="2781" marB="2781" anchor="ctr">
+                    <a:lnL>
+                      <a:noFill/>
+                    </a:lnL>
+                    <a:lnR>
+                      <a:noFill/>
+                    </a:lnR>
+                    <a:lnT>
+                      <a:noFill/>
+                    </a:lnT>
+                    <a:lnB>
+                      <a:noFill/>
+                    </a:lnB>
+                    <a:solidFill>
+                      <a:srgbClr val="FFFFFF"/>
+                    </a:solidFill>
+                  </a:tcPr>
+                </a:tc>
+                <a:tc>
+                  <a:txBody>
+                    <a:bodyPr/>
+                    <a:lstStyle/>
+                    <a:p>
+                      <a:r>
+                        <a:rPr lang="en-GB" sz="1100">
+                          <a:effectLst/>
+                        </a:rPr>
+                        <a:t>HCØ - Aud 06</a:t>
+                      </a:r>
+                    </a:p>
+                  </a:txBody>
+                  <a:tcPr marL="2781" marR="2781" marT="2781" marB="2781" anchor="ctr">
+                    <a:lnL>
+                      <a:noFill/>
+                    </a:lnL>
+                    <a:lnR>
+                      <a:noFill/>
+                    </a:lnR>
+                    <a:lnT>
+                      <a:noFill/>
+                    </a:lnT>
+                    <a:lnB>
+                      <a:noFill/>
+                    </a:lnB>
+                    <a:solidFill>
+                      <a:srgbClr val="FFFFFF"/>
+                    </a:solidFill>
+                  </a:tcPr>
+                </a:tc>
+                <a:tc>
+                  <a:txBody>
+                    <a:bodyPr/>
+                    <a:lstStyle/>
+                    <a:p>
+                      <a:r>
+                        <a:rPr lang="en-GB" sz="1100">
+                          <a:effectLst/>
+                        </a:rPr>
+                        <a:t>HCØ - Aud 06</a:t>
+                      </a:r>
+                    </a:p>
+                  </a:txBody>
+                  <a:tcPr marL="2781" marR="2781" marT="2781" marB="2781" anchor="ctr">
+                    <a:lnL>
+                      <a:noFill/>
+                    </a:lnL>
+                    <a:lnR>
+                      <a:noFill/>
+                    </a:lnR>
+                    <a:lnT>
+                      <a:noFill/>
+                    </a:lnT>
+                    <a:lnB>
+                      <a:noFill/>
+                    </a:lnB>
+                    <a:solidFill>
+                      <a:srgbClr val="FFFFFF"/>
+                    </a:solidFill>
+                  </a:tcPr>
+                </a:tc>
+                <a:tc>
+                  <a:txBody>
+                    <a:bodyPr/>
+                    <a:lstStyle/>
+                    <a:p>
+                      <a:r>
+                        <a:rPr lang="en-GB" sz="1100">
+                          <a:effectLst/>
+                        </a:rPr>
+                        <a:t>HCØ - Aud 06</a:t>
+                      </a:r>
+                    </a:p>
+                  </a:txBody>
+                  <a:tcPr marL="2781" marR="2781" marT="2781" marB="2781" anchor="ctr">
+                    <a:lnL>
+                      <a:noFill/>
+                    </a:lnL>
+                    <a:lnR>
+                      <a:noFill/>
+                    </a:lnR>
+                    <a:lnT>
+                      <a:noFill/>
+                    </a:lnT>
+                    <a:lnB>
+                      <a:noFill/>
+                    </a:lnB>
+                    <a:solidFill>
+                      <a:srgbClr val="FFFFFF"/>
+                    </a:solidFill>
+                  </a:tcPr>
+                </a:tc>
+                <a:tc>
+                  <a:txBody>
+                    <a:bodyPr/>
+                    <a:lstStyle/>
+                    <a:p>
+                      <a:r>
+                        <a:rPr lang="en-GB" sz="1100">
+                          <a:effectLst/>
+                        </a:rPr>
+                        <a:t>HCØ - Aud 06</a:t>
+                      </a:r>
+                    </a:p>
+                  </a:txBody>
+                  <a:tcPr marL="2781" marR="2781" marT="2781" marB="2781" anchor="ctr">
+                    <a:lnL>
+                      <a:noFill/>
+                    </a:lnL>
+                    <a:lnR>
+                      <a:noFill/>
+                    </a:lnR>
+                    <a:lnT>
+                      <a:noFill/>
+                    </a:lnT>
+                    <a:lnB>
+                      <a:noFill/>
+                    </a:lnB>
+                    <a:solidFill>
+                      <a:srgbClr val="FFFFFF"/>
+                    </a:solidFill>
+                  </a:tcPr>
+                </a:tc>
+                <a:tc>
+                  <a:txBody>
+                    <a:bodyPr/>
+                    <a:lstStyle/>
+                    <a:p>
+                      <a:r>
+                        <a:rPr lang="en-GB" sz="1100">
+                          <a:effectLst/>
+                        </a:rPr>
+                        <a:t>Jeppe A. Ram Pedersen, lxd520</a:t>
+                      </a:r>
+                    </a:p>
+                  </a:txBody>
+                  <a:tcPr marL="2781" marR="2781" marT="2781" marB="2781" anchor="ctr">
+                    <a:lnL>
+                      <a:noFill/>
+                    </a:lnL>
+                    <a:lnR>
+                      <a:noFill/>
+                    </a:lnR>
+                    <a:lnT>
+                      <a:noFill/>
+                    </a:lnT>
+                    <a:lnB>
+                      <a:noFill/>
+                    </a:lnB>
+                    <a:solidFill>
+                      <a:srgbClr val="FFFFFF"/>
+                    </a:solidFill>
+                  </a:tcPr>
+                </a:tc>
+                <a:tc>
+                  <a:txBody>
+                    <a:bodyPr/>
+                    <a:lstStyle/>
+                    <a:p>
+                      <a:r>
+                        <a:rPr lang="en-GB" sz="1100" dirty="0">
+                          <a:effectLst/>
+                        </a:rPr>
+                        <a:t>Maja Ling Han, flc174</a:t>
+                      </a:r>
+                    </a:p>
+                  </a:txBody>
+                  <a:tcPr marL="2781" marR="2781" marT="2781" marB="2781" anchor="ctr">
+                    <a:lnL>
+                      <a:noFill/>
+                    </a:lnL>
+                    <a:lnR>
+                      <a:noFill/>
+                    </a:lnR>
+                    <a:lnT>
+                      <a:noFill/>
+                    </a:lnT>
+                    <a:lnB>
+                      <a:noFill/>
+                    </a:lnB>
+                    <a:solidFill>
+                      <a:srgbClr val="FFFFFF"/>
+                    </a:solidFill>
+                  </a:tcPr>
+                </a:tc>
+                <a:extLst>
+                  <a:ext uri="{0D108BD9-81ED-4DB2-BD59-A6C34878D82A}">
+                    <a16:rowId xmlns:a16="http://schemas.microsoft.com/office/drawing/2014/main" val="718256475"/>
+                  </a:ext>
+                </a:extLst>
+              </a:tr>
+              <a:tr h="318306">
+                <a:tc>
+                  <a:txBody>
+                    <a:bodyPr/>
+                    <a:lstStyle/>
+                    <a:p>
+                      <a:r>
+                        <a:rPr lang="en-DK" sz="1100">
+                          <a:effectLst/>
+                        </a:rPr>
+                        <a:t>6</a:t>
+                      </a:r>
+                    </a:p>
+                  </a:txBody>
+                  <a:tcPr marL="2781" marR="2781" marT="2781" marB="2781" anchor="ctr">
+                    <a:lnL>
+                      <a:noFill/>
+                    </a:lnL>
+                    <a:lnR>
+                      <a:noFill/>
+                    </a:lnR>
+                    <a:lnT>
+                      <a:noFill/>
+                    </a:lnT>
+                    <a:lnB>
+                      <a:noFill/>
+                    </a:lnB>
+                    <a:solidFill>
+                      <a:srgbClr val="FFFFFF"/>
+                    </a:solidFill>
+                  </a:tcPr>
+                </a:tc>
+                <a:tc>
+                  <a:txBody>
+                    <a:bodyPr/>
+                    <a:lstStyle/>
+                    <a:p>
+                      <a:r>
+                        <a:rPr lang="en-GB" sz="1100">
+                          <a:effectLst/>
+                        </a:rPr>
+                        <a:t>HCØ - Aud 06</a:t>
+                      </a:r>
+                    </a:p>
+                  </a:txBody>
+                  <a:tcPr marL="2781" marR="2781" marT="2781" marB="2781" anchor="ctr">
+                    <a:lnL>
+                      <a:noFill/>
+                    </a:lnL>
+                    <a:lnR>
+                      <a:noFill/>
+                    </a:lnR>
+                    <a:lnT>
+                      <a:noFill/>
+                    </a:lnT>
+                    <a:lnB>
+                      <a:noFill/>
+                    </a:lnB>
+                    <a:solidFill>
+                      <a:srgbClr val="FFFFFF"/>
+                    </a:solidFill>
+                  </a:tcPr>
+                </a:tc>
+                <a:tc>
+                  <a:txBody>
+                    <a:bodyPr/>
+                    <a:lstStyle/>
+                    <a:p>
+                      <a:r>
+                        <a:rPr lang="en-GB" sz="1100">
+                          <a:effectLst/>
+                        </a:rPr>
+                        <a:t>HCØ - Aud 06</a:t>
+                      </a:r>
+                    </a:p>
+                  </a:txBody>
+                  <a:tcPr marL="2781" marR="2781" marT="2781" marB="2781" anchor="ctr">
+                    <a:lnL>
+                      <a:noFill/>
+                    </a:lnL>
+                    <a:lnR>
+                      <a:noFill/>
+                    </a:lnR>
+                    <a:lnT>
+                      <a:noFill/>
+                    </a:lnT>
+                    <a:lnB>
+                      <a:noFill/>
+                    </a:lnB>
+                    <a:solidFill>
+                      <a:srgbClr val="FFFFFF"/>
+                    </a:solidFill>
+                  </a:tcPr>
+                </a:tc>
+                <a:tc>
+                  <a:txBody>
+                    <a:bodyPr/>
+                    <a:lstStyle/>
+                    <a:p>
+                      <a:r>
+                        <a:rPr lang="en-GB" sz="1100">
+                          <a:effectLst/>
+                        </a:rPr>
+                        <a:t>HCØ - Aud 06</a:t>
+                      </a:r>
+                    </a:p>
+                  </a:txBody>
+                  <a:tcPr marL="2781" marR="2781" marT="2781" marB="2781" anchor="ctr">
+                    <a:lnL>
+                      <a:noFill/>
+                    </a:lnL>
+                    <a:lnR>
+                      <a:noFill/>
+                    </a:lnR>
+                    <a:lnT>
+                      <a:noFill/>
+                    </a:lnT>
+                    <a:lnB>
+                      <a:noFill/>
+                    </a:lnB>
+                    <a:solidFill>
+                      <a:srgbClr val="FFFFFF"/>
+                    </a:solidFill>
+                  </a:tcPr>
+                </a:tc>
+                <a:tc>
+                  <a:txBody>
+                    <a:bodyPr/>
+                    <a:lstStyle/>
+                    <a:p>
+                      <a:r>
+                        <a:rPr lang="en-GB" sz="1100">
+                          <a:effectLst/>
+                        </a:rPr>
+                        <a:t>HCØ - Aud 06</a:t>
+                      </a:r>
+                    </a:p>
+                  </a:txBody>
+                  <a:tcPr marL="2781" marR="2781" marT="2781" marB="2781" anchor="ctr">
+                    <a:lnL>
+                      <a:noFill/>
+                    </a:lnL>
+                    <a:lnR>
+                      <a:noFill/>
+                    </a:lnR>
+                    <a:lnT>
+                      <a:noFill/>
+                    </a:lnT>
+                    <a:lnB>
+                      <a:noFill/>
+                    </a:lnB>
+                    <a:solidFill>
+                      <a:srgbClr val="FFFFFF"/>
+                    </a:solidFill>
+                  </a:tcPr>
+                </a:tc>
+                <a:tc>
+                  <a:txBody>
+                    <a:bodyPr/>
+                    <a:lstStyle/>
+                    <a:p>
+                      <a:r>
+                        <a:rPr lang="en-GB" sz="1100">
+                          <a:effectLst/>
+                        </a:rPr>
+                        <a:t>Pedram Bakhtiarifard, lcd842</a:t>
+                      </a:r>
+                    </a:p>
+                  </a:txBody>
+                  <a:tcPr marL="2781" marR="2781" marT="2781" marB="2781" anchor="ctr">
+                    <a:lnL>
+                      <a:noFill/>
+                    </a:lnL>
+                    <a:lnR>
+                      <a:noFill/>
+                    </a:lnR>
+                    <a:lnT>
+                      <a:noFill/>
+                    </a:lnT>
+                    <a:lnB>
+                      <a:noFill/>
+                    </a:lnB>
+                    <a:solidFill>
+                      <a:srgbClr val="FFFFFF"/>
+                    </a:solidFill>
+                  </a:tcPr>
+                </a:tc>
+                <a:tc>
+                  <a:txBody>
+                    <a:bodyPr/>
+                    <a:lstStyle/>
+                    <a:p>
+                      <a:r>
+                        <a:rPr lang="en-GB" sz="1100" dirty="0">
+                          <a:effectLst/>
+                        </a:rPr>
+                        <a:t>Nathalia </a:t>
+                      </a:r>
+                      <a:r>
+                        <a:rPr lang="en-GB" sz="1100" dirty="0" err="1">
+                          <a:effectLst/>
+                        </a:rPr>
+                        <a:t>Krøigaard</a:t>
+                      </a:r>
+                      <a:r>
+                        <a:rPr lang="en-GB" sz="1100" dirty="0">
+                          <a:effectLst/>
+                        </a:rPr>
+                        <a:t> </a:t>
+                      </a:r>
+                      <a:r>
+                        <a:rPr lang="en-GB" sz="1100" dirty="0" err="1">
+                          <a:effectLst/>
+                        </a:rPr>
+                        <a:t>Jørgensen</a:t>
+                      </a:r>
+                      <a:r>
+                        <a:rPr lang="en-GB" sz="1100" dirty="0">
+                          <a:effectLst/>
+                        </a:rPr>
+                        <a:t>, rkz906</a:t>
+                      </a:r>
+                    </a:p>
+                  </a:txBody>
+                  <a:tcPr marL="2781" marR="2781" marT="2781" marB="2781" anchor="ctr">
+                    <a:lnL>
+                      <a:noFill/>
+                    </a:lnL>
+                    <a:lnR>
+                      <a:noFill/>
+                    </a:lnR>
+                    <a:lnT>
+                      <a:noFill/>
+                    </a:lnT>
+                    <a:lnB>
+                      <a:noFill/>
+                    </a:lnB>
+                    <a:solidFill>
+                      <a:srgbClr val="FFFFFF"/>
+                    </a:solidFill>
+                  </a:tcPr>
+                </a:tc>
+                <a:extLst>
+                  <a:ext uri="{0D108BD9-81ED-4DB2-BD59-A6C34878D82A}">
+                    <a16:rowId xmlns:a16="http://schemas.microsoft.com/office/drawing/2014/main" val="960424286"/>
+                  </a:ext>
+                </a:extLst>
+              </a:tr>
+              <a:tr h="277088">
+                <a:tc>
+                  <a:txBody>
+                    <a:bodyPr/>
+                    <a:lstStyle/>
+                    <a:p>
+                      <a:r>
+                        <a:rPr lang="en-DK" sz="1100">
+                          <a:effectLst/>
+                        </a:rPr>
+                        <a:t>7</a:t>
+                      </a:r>
+                    </a:p>
+                  </a:txBody>
+                  <a:tcPr marL="2781" marR="2781" marT="2781" marB="2781" anchor="ctr">
+                    <a:lnL>
+                      <a:noFill/>
+                    </a:lnL>
+                    <a:lnR>
+                      <a:noFill/>
+                    </a:lnR>
+                    <a:lnT>
+                      <a:noFill/>
+                    </a:lnT>
+                    <a:lnB>
+                      <a:noFill/>
+                    </a:lnB>
+                    <a:solidFill>
+                      <a:srgbClr val="FFFFFF"/>
+                    </a:solidFill>
+                  </a:tcPr>
+                </a:tc>
+                <a:tc>
+                  <a:txBody>
+                    <a:bodyPr/>
+                    <a:lstStyle/>
+                    <a:p>
+                      <a:r>
+                        <a:rPr lang="en-GB" sz="1100">
+                          <a:effectLst/>
+                        </a:rPr>
+                        <a:t>HCØ - Aud 04</a:t>
+                      </a:r>
+                    </a:p>
+                  </a:txBody>
+                  <a:tcPr marL="2781" marR="2781" marT="2781" marB="2781" anchor="ctr">
+                    <a:lnL>
+                      <a:noFill/>
+                    </a:lnL>
+                    <a:lnR>
+                      <a:noFill/>
+                    </a:lnR>
+                    <a:lnT>
+                      <a:noFill/>
+                    </a:lnT>
+                    <a:lnB>
+                      <a:noFill/>
+                    </a:lnB>
+                    <a:solidFill>
+                      <a:srgbClr val="FFFFFF"/>
+                    </a:solidFill>
+                  </a:tcPr>
+                </a:tc>
+                <a:tc>
+                  <a:txBody>
+                    <a:bodyPr/>
+                    <a:lstStyle/>
+                    <a:p>
+                      <a:r>
+                        <a:rPr lang="en-GB" sz="1100">
+                          <a:effectLst/>
+                        </a:rPr>
+                        <a:t>HCØ - Aud 04</a:t>
+                      </a:r>
+                    </a:p>
+                  </a:txBody>
+                  <a:tcPr marL="2781" marR="2781" marT="2781" marB="2781" anchor="ctr">
+                    <a:lnL>
+                      <a:noFill/>
+                    </a:lnL>
+                    <a:lnR>
+                      <a:noFill/>
+                    </a:lnR>
+                    <a:lnT>
+                      <a:noFill/>
+                    </a:lnT>
+                    <a:lnB>
+                      <a:noFill/>
+                    </a:lnB>
+                    <a:solidFill>
+                      <a:srgbClr val="FFFFFF"/>
+                    </a:solidFill>
+                  </a:tcPr>
+                </a:tc>
+                <a:tc>
+                  <a:txBody>
+                    <a:bodyPr/>
+                    <a:lstStyle/>
+                    <a:p>
+                      <a:r>
+                        <a:rPr lang="en-GB" sz="1100">
+                          <a:effectLst/>
+                        </a:rPr>
+                        <a:t>DIKU - 1-0-37 + 04</a:t>
+                      </a:r>
+                    </a:p>
+                  </a:txBody>
+                  <a:tcPr marL="2781" marR="2781" marT="2781" marB="2781" anchor="ctr">
+                    <a:lnL>
+                      <a:noFill/>
+                    </a:lnL>
+                    <a:lnR>
+                      <a:noFill/>
+                    </a:lnR>
+                    <a:lnT>
+                      <a:noFill/>
+                    </a:lnT>
+                    <a:lnB>
+                      <a:noFill/>
+                    </a:lnB>
+                    <a:solidFill>
+                      <a:srgbClr val="FFFFFF"/>
+                    </a:solidFill>
+                  </a:tcPr>
+                </a:tc>
+                <a:tc>
+                  <a:txBody>
+                    <a:bodyPr/>
+                    <a:lstStyle/>
+                    <a:p>
+                      <a:r>
+                        <a:rPr lang="en-GB" sz="1100">
+                          <a:effectLst/>
+                        </a:rPr>
+                        <a:t>online</a:t>
+                      </a:r>
+                    </a:p>
+                  </a:txBody>
+                  <a:tcPr marL="2781" marR="2781" marT="2781" marB="2781" anchor="ctr">
+                    <a:lnL>
+                      <a:noFill/>
+                    </a:lnL>
+                    <a:lnR>
+                      <a:noFill/>
+                    </a:lnR>
+                    <a:lnT>
+                      <a:noFill/>
+                    </a:lnT>
+                    <a:lnB>
+                      <a:noFill/>
+                    </a:lnB>
+                    <a:solidFill>
+                      <a:srgbClr val="FFFFFF"/>
+                    </a:solidFill>
+                  </a:tcPr>
+                </a:tc>
+                <a:tc>
+                  <a:txBody>
+                    <a:bodyPr/>
+                    <a:lstStyle/>
+                    <a:p>
+                      <a:r>
+                        <a:rPr lang="en-GB" sz="1100">
+                          <a:effectLst/>
+                        </a:rPr>
+                        <a:t>Christian Marslev, wlz299</a:t>
+                      </a:r>
+                    </a:p>
+                  </a:txBody>
+                  <a:tcPr marL="2781" marR="2781" marT="2781" marB="2781" anchor="ctr">
+                    <a:lnL>
+                      <a:noFill/>
+                    </a:lnL>
+                    <a:lnR>
+                      <a:noFill/>
+                    </a:lnR>
+                    <a:lnT>
+                      <a:noFill/>
+                    </a:lnT>
+                    <a:lnB>
+                      <a:noFill/>
+                    </a:lnB>
+                    <a:solidFill>
+                      <a:srgbClr val="FFFFFF"/>
+                    </a:solidFill>
+                  </a:tcPr>
+                </a:tc>
+                <a:tc>
+                  <a:txBody>
+                    <a:bodyPr/>
+                    <a:lstStyle/>
+                    <a:p>
+                      <a:r>
+                        <a:rPr lang="en-GB" sz="1100" dirty="0">
+                          <a:effectLst/>
+                        </a:rPr>
+                        <a:t>Jonas </a:t>
+                      </a:r>
+                      <a:r>
+                        <a:rPr lang="en-GB" sz="1100" dirty="0" err="1">
+                          <a:effectLst/>
+                        </a:rPr>
+                        <a:t>Grønborg</a:t>
+                      </a:r>
+                      <a:r>
+                        <a:rPr lang="en-GB" sz="1100" dirty="0">
+                          <a:effectLst/>
+                        </a:rPr>
+                        <a:t>, lpg461</a:t>
+                      </a:r>
+                    </a:p>
+                  </a:txBody>
+                  <a:tcPr marL="2781" marR="2781" marT="2781" marB="2781" anchor="ctr">
+                    <a:lnL>
+                      <a:noFill/>
+                    </a:lnL>
+                    <a:lnR>
+                      <a:noFill/>
+                    </a:lnR>
+                    <a:lnT>
+                      <a:noFill/>
+                    </a:lnT>
+                    <a:lnB>
+                      <a:noFill/>
+                    </a:lnB>
+                    <a:solidFill>
+                      <a:srgbClr val="FFFFFF"/>
+                    </a:solidFill>
+                  </a:tcPr>
+                </a:tc>
+                <a:extLst>
+                  <a:ext uri="{0D108BD9-81ED-4DB2-BD59-A6C34878D82A}">
+                    <a16:rowId xmlns:a16="http://schemas.microsoft.com/office/drawing/2014/main" val="1150695835"/>
+                  </a:ext>
+                </a:extLst>
+              </a:tr>
+              <a:tr h="277088">
+                <a:tc>
+                  <a:txBody>
+                    <a:bodyPr/>
+                    <a:lstStyle/>
+                    <a:p>
+                      <a:r>
+                        <a:rPr lang="en-DK" sz="1100">
+                          <a:effectLst/>
+                        </a:rPr>
+                        <a:t>8</a:t>
+                      </a:r>
+                    </a:p>
+                  </a:txBody>
+                  <a:tcPr marL="2781" marR="2781" marT="2781" marB="2781" anchor="ctr">
+                    <a:lnL>
+                      <a:noFill/>
+                    </a:lnL>
+                    <a:lnR>
+                      <a:noFill/>
+                    </a:lnR>
+                    <a:lnT>
+                      <a:noFill/>
+                    </a:lnT>
+                    <a:lnB>
+                      <a:noFill/>
+                    </a:lnB>
+                    <a:solidFill>
+                      <a:srgbClr val="FFFFFF"/>
+                    </a:solidFill>
+                  </a:tcPr>
+                </a:tc>
+                <a:tc>
+                  <a:txBody>
+                    <a:bodyPr/>
+                    <a:lstStyle/>
+                    <a:p>
+                      <a:r>
+                        <a:rPr lang="en-GB" sz="1100">
+                          <a:effectLst/>
+                        </a:rPr>
+                        <a:t>HCØ - Aud 04</a:t>
+                      </a:r>
+                    </a:p>
+                  </a:txBody>
+                  <a:tcPr marL="2781" marR="2781" marT="2781" marB="2781" anchor="ctr">
+                    <a:lnL>
+                      <a:noFill/>
+                    </a:lnL>
+                    <a:lnR>
+                      <a:noFill/>
+                    </a:lnR>
+                    <a:lnT>
+                      <a:noFill/>
+                    </a:lnT>
+                    <a:lnB>
+                      <a:noFill/>
+                    </a:lnB>
+                    <a:solidFill>
+                      <a:srgbClr val="FFFFFF"/>
+                    </a:solidFill>
+                  </a:tcPr>
+                </a:tc>
+                <a:tc>
+                  <a:txBody>
+                    <a:bodyPr/>
+                    <a:lstStyle/>
+                    <a:p>
+                      <a:r>
+                        <a:rPr lang="en-GB" sz="1100">
+                          <a:effectLst/>
+                        </a:rPr>
+                        <a:t>HCØ - Aud 04</a:t>
+                      </a:r>
+                    </a:p>
+                  </a:txBody>
+                  <a:tcPr marL="2781" marR="2781" marT="2781" marB="2781" anchor="ctr">
+                    <a:lnL>
+                      <a:noFill/>
+                    </a:lnL>
+                    <a:lnR>
+                      <a:noFill/>
+                    </a:lnR>
+                    <a:lnT>
+                      <a:noFill/>
+                    </a:lnT>
+                    <a:lnB>
+                      <a:noFill/>
+                    </a:lnB>
+                    <a:solidFill>
+                      <a:srgbClr val="FFFFFF"/>
+                    </a:solidFill>
+                  </a:tcPr>
+                </a:tc>
+                <a:tc>
+                  <a:txBody>
+                    <a:bodyPr/>
+                    <a:lstStyle/>
+                    <a:p>
+                      <a:r>
+                        <a:rPr lang="en-GB" sz="1100">
+                          <a:effectLst/>
+                        </a:rPr>
+                        <a:t>online</a:t>
+                      </a:r>
+                    </a:p>
+                  </a:txBody>
+                  <a:tcPr marL="2781" marR="2781" marT="2781" marB="2781" anchor="ctr">
+                    <a:lnL>
+                      <a:noFill/>
+                    </a:lnL>
+                    <a:lnR>
+                      <a:noFill/>
+                    </a:lnR>
+                    <a:lnT>
+                      <a:noFill/>
+                    </a:lnT>
+                    <a:lnB>
+                      <a:noFill/>
+                    </a:lnB>
+                    <a:solidFill>
+                      <a:srgbClr val="FFFFFF"/>
+                    </a:solidFill>
+                  </a:tcPr>
+                </a:tc>
+                <a:tc>
+                  <a:txBody>
+                    <a:bodyPr/>
+                    <a:lstStyle/>
+                    <a:p>
+                      <a:r>
+                        <a:rPr lang="en-GB" sz="1100">
+                          <a:effectLst/>
+                        </a:rPr>
+                        <a:t>DIKU - 1-0-37 + 04</a:t>
+                      </a:r>
+                    </a:p>
+                  </a:txBody>
+                  <a:tcPr marL="2781" marR="2781" marT="2781" marB="2781" anchor="ctr">
+                    <a:lnL>
+                      <a:noFill/>
+                    </a:lnL>
+                    <a:lnR>
+                      <a:noFill/>
+                    </a:lnR>
+                    <a:lnT>
+                      <a:noFill/>
+                    </a:lnT>
+                    <a:lnB>
+                      <a:noFill/>
+                    </a:lnB>
+                    <a:solidFill>
+                      <a:srgbClr val="FFFFFF"/>
+                    </a:solidFill>
+                  </a:tcPr>
+                </a:tc>
+                <a:tc>
+                  <a:txBody>
+                    <a:bodyPr/>
+                    <a:lstStyle/>
+                    <a:p>
+                      <a:r>
+                        <a:rPr lang="en-GB" sz="1100">
+                          <a:effectLst/>
+                        </a:rPr>
+                        <a:t>Casper Rutzou, rxh288</a:t>
+                      </a:r>
+                    </a:p>
+                  </a:txBody>
+                  <a:tcPr marL="2781" marR="2781" marT="2781" marB="2781" anchor="ctr">
+                    <a:lnL>
+                      <a:noFill/>
+                    </a:lnL>
+                    <a:lnR>
+                      <a:noFill/>
+                    </a:lnR>
+                    <a:lnT>
+                      <a:noFill/>
+                    </a:lnT>
+                    <a:lnB>
+                      <a:noFill/>
+                    </a:lnB>
+                    <a:solidFill>
+                      <a:srgbClr val="FFFFFF"/>
+                    </a:solidFill>
+                  </a:tcPr>
+                </a:tc>
+                <a:tc>
+                  <a:txBody>
+                    <a:bodyPr/>
+                    <a:lstStyle/>
+                    <a:p>
+                      <a:r>
+                        <a:rPr lang="en-GB" sz="1100" dirty="0">
+                          <a:effectLst/>
+                        </a:rPr>
+                        <a:t>Emil </a:t>
+                      </a:r>
+                      <a:r>
+                        <a:rPr lang="en-GB" sz="1100" dirty="0" err="1">
+                          <a:effectLst/>
+                        </a:rPr>
+                        <a:t>Ernborg</a:t>
+                      </a:r>
+                      <a:r>
+                        <a:rPr lang="en-GB" sz="1100" dirty="0">
+                          <a:effectLst/>
+                        </a:rPr>
+                        <a:t> Gerlach, wdg470</a:t>
+                      </a:r>
+                    </a:p>
+                  </a:txBody>
+                  <a:tcPr marL="2781" marR="2781" marT="2781" marB="2781" anchor="ctr">
+                    <a:lnL>
+                      <a:noFill/>
+                    </a:lnL>
+                    <a:lnR>
+                      <a:noFill/>
+                    </a:lnR>
+                    <a:lnT>
+                      <a:noFill/>
+                    </a:lnT>
+                    <a:lnB>
+                      <a:noFill/>
+                    </a:lnB>
+                    <a:solidFill>
+                      <a:srgbClr val="FFFFFF"/>
+                    </a:solidFill>
+                  </a:tcPr>
+                </a:tc>
+                <a:extLst>
+                  <a:ext uri="{0D108BD9-81ED-4DB2-BD59-A6C34878D82A}">
+                    <a16:rowId xmlns:a16="http://schemas.microsoft.com/office/drawing/2014/main" val="3385429204"/>
+                  </a:ext>
+                </a:extLst>
+              </a:tr>
+              <a:tr h="277088">
+                <a:tc>
+                  <a:txBody>
+                    <a:bodyPr/>
+                    <a:lstStyle/>
+                    <a:p>
+                      <a:r>
+                        <a:rPr lang="en-DK" sz="1100">
+                          <a:effectLst/>
+                        </a:rPr>
+                        <a:t>9</a:t>
+                      </a:r>
+                    </a:p>
+                  </a:txBody>
+                  <a:tcPr marL="2781" marR="2781" marT="2781" marB="2781" anchor="ctr">
+                    <a:lnL>
+                      <a:noFill/>
+                    </a:lnL>
+                    <a:lnR>
+                      <a:noFill/>
+                    </a:lnR>
+                    <a:lnT>
+                      <a:noFill/>
+                    </a:lnT>
+                    <a:lnB>
+                      <a:noFill/>
+                    </a:lnB>
+                    <a:solidFill>
+                      <a:srgbClr val="FFFFFF"/>
+                    </a:solidFill>
+                  </a:tcPr>
+                </a:tc>
+                <a:tc>
+                  <a:txBody>
+                    <a:bodyPr/>
+                    <a:lstStyle/>
+                    <a:p>
+                      <a:r>
+                        <a:rPr lang="en-GB" sz="1100">
+                          <a:effectLst/>
+                        </a:rPr>
+                        <a:t>DIKU - 4-0-17</a:t>
+                      </a:r>
+                    </a:p>
+                  </a:txBody>
+                  <a:tcPr marL="2781" marR="2781" marT="2781" marB="2781" anchor="ctr">
+                    <a:lnL>
+                      <a:noFill/>
+                    </a:lnL>
+                    <a:lnR>
+                      <a:noFill/>
+                    </a:lnR>
+                    <a:lnT>
+                      <a:noFill/>
+                    </a:lnT>
+                    <a:lnB>
+                      <a:noFill/>
+                    </a:lnB>
+                    <a:solidFill>
+                      <a:srgbClr val="FFFFFF"/>
+                    </a:solidFill>
+                  </a:tcPr>
+                </a:tc>
+                <a:tc>
+                  <a:txBody>
+                    <a:bodyPr/>
+                    <a:lstStyle/>
+                    <a:p>
+                      <a:r>
+                        <a:rPr lang="en-GB" sz="1100">
+                          <a:effectLst/>
+                        </a:rPr>
+                        <a:t>DIKU - 4-0-17</a:t>
+                      </a:r>
+                    </a:p>
+                  </a:txBody>
+                  <a:tcPr marL="2781" marR="2781" marT="2781" marB="2781" anchor="ctr">
+                    <a:lnL>
+                      <a:noFill/>
+                    </a:lnL>
+                    <a:lnR>
+                      <a:noFill/>
+                    </a:lnR>
+                    <a:lnT>
+                      <a:noFill/>
+                    </a:lnT>
+                    <a:lnB>
+                      <a:noFill/>
+                    </a:lnB>
+                    <a:solidFill>
+                      <a:srgbClr val="FFFFFF"/>
+                    </a:solidFill>
+                  </a:tcPr>
+                </a:tc>
+                <a:tc>
+                  <a:txBody>
+                    <a:bodyPr/>
+                    <a:lstStyle/>
+                    <a:p>
+                      <a:r>
+                        <a:rPr lang="en-GB" sz="1100">
+                          <a:effectLst/>
+                        </a:rPr>
+                        <a:t>DIKU - 4-0-17</a:t>
+                      </a:r>
+                    </a:p>
+                  </a:txBody>
+                  <a:tcPr marL="2781" marR="2781" marT="2781" marB="2781" anchor="ctr">
+                    <a:lnL>
+                      <a:noFill/>
+                    </a:lnL>
+                    <a:lnR>
+                      <a:noFill/>
+                    </a:lnR>
+                    <a:lnT>
+                      <a:noFill/>
+                    </a:lnT>
+                    <a:lnB>
+                      <a:noFill/>
+                    </a:lnB>
+                    <a:solidFill>
+                      <a:srgbClr val="FFFFFF"/>
+                    </a:solidFill>
+                  </a:tcPr>
+                </a:tc>
+                <a:tc>
+                  <a:txBody>
+                    <a:bodyPr/>
+                    <a:lstStyle/>
+                    <a:p>
+                      <a:r>
+                        <a:rPr lang="en-GB" sz="1100">
+                          <a:effectLst/>
+                        </a:rPr>
+                        <a:t>DIKU - 4-0-17</a:t>
+                      </a:r>
+                    </a:p>
+                  </a:txBody>
+                  <a:tcPr marL="2781" marR="2781" marT="2781" marB="2781" anchor="ctr">
+                    <a:lnL>
+                      <a:noFill/>
+                    </a:lnL>
+                    <a:lnR>
+                      <a:noFill/>
+                    </a:lnR>
+                    <a:lnT>
+                      <a:noFill/>
+                    </a:lnT>
+                    <a:lnB>
+                      <a:noFill/>
+                    </a:lnB>
+                    <a:solidFill>
+                      <a:srgbClr val="FFFFFF"/>
+                    </a:solidFill>
+                  </a:tcPr>
+                </a:tc>
+                <a:tc>
+                  <a:txBody>
+                    <a:bodyPr/>
+                    <a:lstStyle/>
+                    <a:p>
+                      <a:r>
+                        <a:rPr lang="en-GB" sz="1100">
+                          <a:effectLst/>
+                        </a:rPr>
+                        <a:t>Ayman Hussein, bsr679</a:t>
+                      </a:r>
+                    </a:p>
+                  </a:txBody>
+                  <a:tcPr marL="2781" marR="2781" marT="2781" marB="2781" anchor="ctr">
+                    <a:lnL>
+                      <a:noFill/>
+                    </a:lnL>
+                    <a:lnR>
+                      <a:noFill/>
+                    </a:lnR>
+                    <a:lnT>
+                      <a:noFill/>
+                    </a:lnT>
+                    <a:lnB>
+                      <a:noFill/>
+                    </a:lnB>
+                    <a:solidFill>
+                      <a:srgbClr val="FFFFFF"/>
+                    </a:solidFill>
+                  </a:tcPr>
+                </a:tc>
+                <a:tc>
+                  <a:txBody>
+                    <a:bodyPr/>
+                    <a:lstStyle/>
+                    <a:p>
+                      <a:r>
+                        <a:rPr lang="en-GB" sz="1100" dirty="0">
+                          <a:effectLst/>
+                        </a:rPr>
+                        <a:t>Sebastian Larsen </a:t>
+                      </a:r>
+                      <a:r>
+                        <a:rPr lang="en-GB" sz="1100" dirty="0" err="1">
+                          <a:effectLst/>
+                        </a:rPr>
+                        <a:t>Prehn</a:t>
+                      </a:r>
+                      <a:r>
+                        <a:rPr lang="en-GB" sz="1100" dirty="0">
+                          <a:effectLst/>
+                        </a:rPr>
+                        <a:t>,  vpz655</a:t>
+                      </a:r>
+                    </a:p>
+                  </a:txBody>
+                  <a:tcPr marL="2781" marR="2781" marT="2781" marB="2781" anchor="ctr">
+                    <a:lnL>
+                      <a:noFill/>
+                    </a:lnL>
+                    <a:lnR>
+                      <a:noFill/>
+                    </a:lnR>
+                    <a:lnT>
+                      <a:noFill/>
+                    </a:lnT>
+                    <a:lnB>
+                      <a:noFill/>
+                    </a:lnB>
+                    <a:solidFill>
+                      <a:srgbClr val="FFFFFF"/>
+                    </a:solidFill>
+                  </a:tcPr>
+                </a:tc>
+                <a:extLst>
+                  <a:ext uri="{0D108BD9-81ED-4DB2-BD59-A6C34878D82A}">
+                    <a16:rowId xmlns:a16="http://schemas.microsoft.com/office/drawing/2014/main" val="1711665334"/>
+                  </a:ext>
+                </a:extLst>
+              </a:tr>
+              <a:tr h="277088">
+                <a:tc>
+                  <a:txBody>
+                    <a:bodyPr/>
+                    <a:lstStyle/>
+                    <a:p>
+                      <a:r>
+                        <a:rPr lang="en-DK" sz="1100">
+                          <a:effectLst/>
+                        </a:rPr>
+                        <a:t>10</a:t>
+                      </a:r>
+                    </a:p>
+                  </a:txBody>
+                  <a:tcPr marL="2781" marR="2781" marT="2781" marB="2781" anchor="ctr">
+                    <a:lnL>
+                      <a:noFill/>
+                    </a:lnL>
+                    <a:lnR>
+                      <a:noFill/>
+                    </a:lnR>
+                    <a:lnT>
+                      <a:noFill/>
+                    </a:lnT>
+                    <a:lnB>
+                      <a:noFill/>
+                    </a:lnB>
+                    <a:solidFill>
+                      <a:srgbClr val="FFFFFF"/>
+                    </a:solidFill>
+                  </a:tcPr>
+                </a:tc>
+                <a:tc>
+                  <a:txBody>
+                    <a:bodyPr/>
+                    <a:lstStyle/>
+                    <a:p>
+                      <a:r>
+                        <a:rPr lang="en-GB" sz="1100">
+                          <a:effectLst/>
+                        </a:rPr>
+                        <a:t>DIKU - 4-0-17</a:t>
+                      </a:r>
+                    </a:p>
+                  </a:txBody>
+                  <a:tcPr marL="2781" marR="2781" marT="2781" marB="2781" anchor="ctr">
+                    <a:lnL>
+                      <a:noFill/>
+                    </a:lnL>
+                    <a:lnR>
+                      <a:noFill/>
+                    </a:lnR>
+                    <a:lnT>
+                      <a:noFill/>
+                    </a:lnT>
+                    <a:lnB>
+                      <a:noFill/>
+                    </a:lnB>
+                    <a:solidFill>
+                      <a:srgbClr val="FFFFFF"/>
+                    </a:solidFill>
+                  </a:tcPr>
+                </a:tc>
+                <a:tc>
+                  <a:txBody>
+                    <a:bodyPr/>
+                    <a:lstStyle/>
+                    <a:p>
+                      <a:r>
+                        <a:rPr lang="en-GB" sz="1100">
+                          <a:effectLst/>
+                        </a:rPr>
+                        <a:t>DIKU - 4-0-17</a:t>
+                      </a:r>
+                    </a:p>
+                  </a:txBody>
+                  <a:tcPr marL="2781" marR="2781" marT="2781" marB="2781" anchor="ctr">
+                    <a:lnL>
+                      <a:noFill/>
+                    </a:lnL>
+                    <a:lnR>
+                      <a:noFill/>
+                    </a:lnR>
+                    <a:lnT>
+                      <a:noFill/>
+                    </a:lnT>
+                    <a:lnB>
+                      <a:noFill/>
+                    </a:lnB>
+                    <a:solidFill>
+                      <a:srgbClr val="FFFFFF"/>
+                    </a:solidFill>
+                  </a:tcPr>
+                </a:tc>
+                <a:tc>
+                  <a:txBody>
+                    <a:bodyPr/>
+                    <a:lstStyle/>
+                    <a:p>
+                      <a:r>
+                        <a:rPr lang="en-GB" sz="1100">
+                          <a:effectLst/>
+                        </a:rPr>
+                        <a:t>DIKU - 4-0-17</a:t>
+                      </a:r>
+                    </a:p>
+                  </a:txBody>
+                  <a:tcPr marL="2781" marR="2781" marT="2781" marB="2781" anchor="ctr">
+                    <a:lnL>
+                      <a:noFill/>
+                    </a:lnL>
+                    <a:lnR>
+                      <a:noFill/>
+                    </a:lnR>
+                    <a:lnT>
+                      <a:noFill/>
+                    </a:lnT>
+                    <a:lnB>
+                      <a:noFill/>
+                    </a:lnB>
+                    <a:solidFill>
+                      <a:srgbClr val="FFFFFF"/>
+                    </a:solidFill>
+                  </a:tcPr>
+                </a:tc>
+                <a:tc>
+                  <a:txBody>
+                    <a:bodyPr/>
+                    <a:lstStyle/>
+                    <a:p>
+                      <a:r>
+                        <a:rPr lang="en-GB" sz="1100">
+                          <a:effectLst/>
+                        </a:rPr>
+                        <a:t>DIKU - 4-0-17</a:t>
+                      </a:r>
+                    </a:p>
+                  </a:txBody>
+                  <a:tcPr marL="2781" marR="2781" marT="2781" marB="2781" anchor="ctr">
+                    <a:lnL>
+                      <a:noFill/>
+                    </a:lnL>
+                    <a:lnR>
+                      <a:noFill/>
+                    </a:lnR>
+                    <a:lnT>
+                      <a:noFill/>
+                    </a:lnT>
+                    <a:lnB>
+                      <a:noFill/>
+                    </a:lnB>
+                    <a:solidFill>
+                      <a:srgbClr val="FFFFFF"/>
+                    </a:solidFill>
+                  </a:tcPr>
+                </a:tc>
+                <a:tc>
+                  <a:txBody>
+                    <a:bodyPr/>
+                    <a:lstStyle/>
+                    <a:p>
+                      <a:r>
+                        <a:rPr lang="en-GB" sz="1100">
+                          <a:effectLst/>
+                        </a:rPr>
+                        <a:t>Mads Obitsø Thomsen, scr411</a:t>
+                      </a:r>
+                    </a:p>
+                  </a:txBody>
+                  <a:tcPr marL="2781" marR="2781" marT="2781" marB="2781" anchor="ctr">
+                    <a:lnL>
+                      <a:noFill/>
+                    </a:lnL>
+                    <a:lnR>
+                      <a:noFill/>
+                    </a:lnR>
+                    <a:lnT>
+                      <a:noFill/>
+                    </a:lnT>
+                    <a:lnB>
+                      <a:noFill/>
+                    </a:lnB>
+                    <a:solidFill>
+                      <a:srgbClr val="FFFFFF"/>
+                    </a:solidFill>
+                  </a:tcPr>
+                </a:tc>
+                <a:tc>
+                  <a:txBody>
+                    <a:bodyPr/>
+                    <a:lstStyle/>
+                    <a:p>
+                      <a:r>
+                        <a:rPr lang="en-GB" sz="1100" dirty="0">
+                          <a:effectLst/>
+                        </a:rPr>
+                        <a:t>Magnus </a:t>
+                      </a:r>
+                      <a:r>
+                        <a:rPr lang="en-GB" sz="1100" dirty="0" err="1">
+                          <a:effectLst/>
+                        </a:rPr>
+                        <a:t>Lehrskov</a:t>
+                      </a:r>
+                      <a:r>
+                        <a:rPr lang="en-GB" sz="1100" dirty="0">
+                          <a:effectLst/>
+                        </a:rPr>
+                        <a:t>, sgb730</a:t>
+                      </a:r>
+                    </a:p>
+                  </a:txBody>
+                  <a:tcPr marL="2781" marR="2781" marT="2781" marB="2781" anchor="ctr">
+                    <a:lnL>
+                      <a:noFill/>
+                    </a:lnL>
+                    <a:lnR>
+                      <a:noFill/>
+                    </a:lnR>
+                    <a:lnT>
+                      <a:noFill/>
+                    </a:lnT>
+                    <a:lnB>
+                      <a:noFill/>
+                    </a:lnB>
+                    <a:solidFill>
+                      <a:srgbClr val="FFFFFF"/>
+                    </a:solidFill>
+                  </a:tcPr>
+                </a:tc>
+                <a:extLst>
+                  <a:ext uri="{0D108BD9-81ED-4DB2-BD59-A6C34878D82A}">
+                    <a16:rowId xmlns:a16="http://schemas.microsoft.com/office/drawing/2014/main" val="1177468827"/>
+                  </a:ext>
+                </a:extLst>
+              </a:tr>
+              <a:tr h="318306">
+                <a:tc>
+                  <a:txBody>
+                    <a:bodyPr/>
+                    <a:lstStyle/>
+                    <a:p>
+                      <a:r>
+                        <a:rPr lang="en-DK" sz="1100">
+                          <a:effectLst/>
+                        </a:rPr>
+                        <a:t>11</a:t>
+                      </a:r>
+                    </a:p>
+                  </a:txBody>
+                  <a:tcPr marL="2781" marR="2781" marT="2781" marB="2781" anchor="ctr">
+                    <a:lnL>
+                      <a:noFill/>
+                    </a:lnL>
+                    <a:lnR>
+                      <a:noFill/>
+                    </a:lnR>
+                    <a:lnT>
+                      <a:noFill/>
+                    </a:lnT>
+                    <a:lnB>
+                      <a:noFill/>
+                    </a:lnB>
+                    <a:solidFill>
+                      <a:srgbClr val="FFFFFF"/>
+                    </a:solidFill>
+                  </a:tcPr>
+                </a:tc>
+                <a:tc>
+                  <a:txBody>
+                    <a:bodyPr/>
+                    <a:lstStyle/>
+                    <a:p>
+                      <a:r>
+                        <a:rPr lang="en-GB" sz="1100">
+                          <a:effectLst/>
+                        </a:rPr>
+                        <a:t>HCØ - A107 + A110</a:t>
+                      </a:r>
+                    </a:p>
+                  </a:txBody>
+                  <a:tcPr marL="2781" marR="2781" marT="2781" marB="2781" anchor="ctr">
+                    <a:lnL>
+                      <a:noFill/>
+                    </a:lnL>
+                    <a:lnR>
+                      <a:noFill/>
+                    </a:lnR>
+                    <a:lnT>
+                      <a:noFill/>
+                    </a:lnT>
+                    <a:lnB>
+                      <a:noFill/>
+                    </a:lnB>
+                    <a:solidFill>
+                      <a:srgbClr val="FFFFFF"/>
+                    </a:solidFill>
+                  </a:tcPr>
+                </a:tc>
+                <a:tc>
+                  <a:txBody>
+                    <a:bodyPr/>
+                    <a:lstStyle/>
+                    <a:p>
+                      <a:r>
+                        <a:rPr lang="en-GB" sz="1100">
+                          <a:effectLst/>
+                        </a:rPr>
+                        <a:t>online</a:t>
+                      </a:r>
+                    </a:p>
+                  </a:txBody>
+                  <a:tcPr marL="2781" marR="2781" marT="2781" marB="2781" anchor="ctr">
+                    <a:lnL>
+                      <a:noFill/>
+                    </a:lnL>
+                    <a:lnR>
+                      <a:noFill/>
+                    </a:lnR>
+                    <a:lnT>
+                      <a:noFill/>
+                    </a:lnT>
+                    <a:lnB>
+                      <a:noFill/>
+                    </a:lnB>
+                    <a:solidFill>
+                      <a:srgbClr val="FFFFFF"/>
+                    </a:solidFill>
+                  </a:tcPr>
+                </a:tc>
+                <a:tc>
+                  <a:txBody>
+                    <a:bodyPr/>
+                    <a:lstStyle/>
+                    <a:p>
+                      <a:r>
+                        <a:rPr lang="en-GB" sz="1100">
+                          <a:effectLst/>
+                        </a:rPr>
+                        <a:t>online</a:t>
+                      </a:r>
+                    </a:p>
+                  </a:txBody>
+                  <a:tcPr marL="2781" marR="2781" marT="2781" marB="2781" anchor="ctr">
+                    <a:lnL>
+                      <a:noFill/>
+                    </a:lnL>
+                    <a:lnR>
+                      <a:noFill/>
+                    </a:lnR>
+                    <a:lnT>
+                      <a:noFill/>
+                    </a:lnT>
+                    <a:lnB>
+                      <a:noFill/>
+                    </a:lnB>
+                    <a:solidFill>
+                      <a:srgbClr val="FFFFFF"/>
+                    </a:solidFill>
+                  </a:tcPr>
+                </a:tc>
+                <a:tc>
+                  <a:txBody>
+                    <a:bodyPr/>
+                    <a:lstStyle/>
+                    <a:p>
+                      <a:r>
+                        <a:rPr lang="en-GB" sz="1100">
+                          <a:effectLst/>
+                        </a:rPr>
+                        <a:t>HCØ - A107 + A110</a:t>
+                      </a:r>
+                    </a:p>
+                  </a:txBody>
+                  <a:tcPr marL="2781" marR="2781" marT="2781" marB="2781" anchor="ctr">
+                    <a:lnL>
+                      <a:noFill/>
+                    </a:lnL>
+                    <a:lnR>
+                      <a:noFill/>
+                    </a:lnR>
+                    <a:lnT>
+                      <a:noFill/>
+                    </a:lnT>
+                    <a:lnB>
+                      <a:noFill/>
+                    </a:lnB>
+                    <a:solidFill>
+                      <a:srgbClr val="FFFFFF"/>
+                    </a:solidFill>
+                  </a:tcPr>
+                </a:tc>
+                <a:tc>
+                  <a:txBody>
+                    <a:bodyPr/>
+                    <a:lstStyle/>
+                    <a:p>
+                      <a:r>
+                        <a:rPr lang="en-GB" sz="1100">
+                          <a:effectLst/>
+                        </a:rPr>
+                        <a:t>Rune Ejnar Bang Lejbølle, nvr889</a:t>
+                      </a:r>
+                    </a:p>
+                  </a:txBody>
+                  <a:tcPr marL="2781" marR="2781" marT="2781" marB="2781" anchor="ctr">
+                    <a:lnL>
+                      <a:noFill/>
+                    </a:lnL>
+                    <a:lnR>
+                      <a:noFill/>
+                    </a:lnR>
+                    <a:lnT>
+                      <a:noFill/>
+                    </a:lnT>
+                    <a:lnB>
+                      <a:noFill/>
+                    </a:lnB>
+                    <a:solidFill>
+                      <a:srgbClr val="FFFFFF"/>
+                    </a:solidFill>
+                  </a:tcPr>
+                </a:tc>
+                <a:tc>
+                  <a:txBody>
+                    <a:bodyPr/>
+                    <a:lstStyle/>
+                    <a:p>
+                      <a:r>
+                        <a:rPr lang="en-GB" sz="1100" dirty="0">
+                          <a:effectLst/>
+                        </a:rPr>
+                        <a:t>Jonathan W B </a:t>
+                      </a:r>
+                      <a:r>
+                        <a:rPr lang="en-GB" sz="1100" dirty="0" err="1">
+                          <a:effectLst/>
+                        </a:rPr>
+                        <a:t>Sønderskov</a:t>
+                      </a:r>
+                      <a:r>
+                        <a:rPr lang="en-GB" sz="1100" dirty="0">
+                          <a:effectLst/>
+                        </a:rPr>
+                        <a:t> Andersen, mpz702</a:t>
+                      </a:r>
+                    </a:p>
+                  </a:txBody>
+                  <a:tcPr marL="2781" marR="2781" marT="2781" marB="2781" anchor="ctr">
+                    <a:lnL>
+                      <a:noFill/>
+                    </a:lnL>
+                    <a:lnR>
+                      <a:noFill/>
+                    </a:lnR>
+                    <a:lnT>
+                      <a:noFill/>
+                    </a:lnT>
+                    <a:lnB>
+                      <a:noFill/>
+                    </a:lnB>
+                    <a:solidFill>
+                      <a:srgbClr val="FFFFFF"/>
+                    </a:solidFill>
+                  </a:tcPr>
+                </a:tc>
+                <a:extLst>
+                  <a:ext uri="{0D108BD9-81ED-4DB2-BD59-A6C34878D82A}">
+                    <a16:rowId xmlns:a16="http://schemas.microsoft.com/office/drawing/2014/main" val="2240883980"/>
+                  </a:ext>
+                </a:extLst>
+              </a:tr>
+              <a:tr h="277088">
+                <a:tc>
+                  <a:txBody>
+                    <a:bodyPr/>
+                    <a:lstStyle/>
+                    <a:p>
+                      <a:r>
+                        <a:rPr lang="en-DK" sz="1100">
+                          <a:effectLst/>
+                        </a:rPr>
+                        <a:t>12</a:t>
+                      </a:r>
+                    </a:p>
+                  </a:txBody>
+                  <a:tcPr marL="2781" marR="2781" marT="2781" marB="2781" anchor="ctr">
+                    <a:lnL>
+                      <a:noFill/>
+                    </a:lnL>
+                    <a:lnR>
+                      <a:noFill/>
+                    </a:lnR>
+                    <a:lnT>
+                      <a:noFill/>
+                    </a:lnT>
+                    <a:lnB>
+                      <a:noFill/>
+                    </a:lnB>
+                    <a:solidFill>
+                      <a:srgbClr val="FFFFFF"/>
+                    </a:solidFill>
+                  </a:tcPr>
+                </a:tc>
+                <a:tc>
+                  <a:txBody>
+                    <a:bodyPr/>
+                    <a:lstStyle/>
+                    <a:p>
+                      <a:r>
+                        <a:rPr lang="en-GB" sz="1100">
+                          <a:effectLst/>
+                        </a:rPr>
+                        <a:t>online</a:t>
+                      </a:r>
+                    </a:p>
+                  </a:txBody>
+                  <a:tcPr marL="2781" marR="2781" marT="2781" marB="2781" anchor="ctr">
+                    <a:lnL>
+                      <a:noFill/>
+                    </a:lnL>
+                    <a:lnR>
+                      <a:noFill/>
+                    </a:lnR>
+                    <a:lnT>
+                      <a:noFill/>
+                    </a:lnT>
+                    <a:lnB>
+                      <a:noFill/>
+                    </a:lnB>
+                    <a:solidFill>
+                      <a:srgbClr val="FFFFFF"/>
+                    </a:solidFill>
+                  </a:tcPr>
+                </a:tc>
+                <a:tc>
+                  <a:txBody>
+                    <a:bodyPr/>
+                    <a:lstStyle/>
+                    <a:p>
+                      <a:r>
+                        <a:rPr lang="en-GB" sz="1100">
+                          <a:effectLst/>
+                        </a:rPr>
+                        <a:t>HCØ - A107 + A110</a:t>
+                      </a:r>
+                    </a:p>
+                  </a:txBody>
+                  <a:tcPr marL="2781" marR="2781" marT="2781" marB="2781" anchor="ctr">
+                    <a:lnL>
+                      <a:noFill/>
+                    </a:lnL>
+                    <a:lnR>
+                      <a:noFill/>
+                    </a:lnR>
+                    <a:lnT>
+                      <a:noFill/>
+                    </a:lnT>
+                    <a:lnB>
+                      <a:noFill/>
+                    </a:lnB>
+                    <a:solidFill>
+                      <a:srgbClr val="FFFFFF"/>
+                    </a:solidFill>
+                  </a:tcPr>
+                </a:tc>
+                <a:tc>
+                  <a:txBody>
+                    <a:bodyPr/>
+                    <a:lstStyle/>
+                    <a:p>
+                      <a:r>
+                        <a:rPr lang="en-GB" sz="1100">
+                          <a:effectLst/>
+                        </a:rPr>
+                        <a:t>HCØ - A107 + A110</a:t>
+                      </a:r>
+                    </a:p>
+                  </a:txBody>
+                  <a:tcPr marL="2781" marR="2781" marT="2781" marB="2781" anchor="ctr">
+                    <a:lnL>
+                      <a:noFill/>
+                    </a:lnL>
+                    <a:lnR>
+                      <a:noFill/>
+                    </a:lnR>
+                    <a:lnT>
+                      <a:noFill/>
+                    </a:lnT>
+                    <a:lnB>
+                      <a:noFill/>
+                    </a:lnB>
+                    <a:solidFill>
+                      <a:srgbClr val="FFFFFF"/>
+                    </a:solidFill>
+                  </a:tcPr>
+                </a:tc>
+                <a:tc>
+                  <a:txBody>
+                    <a:bodyPr/>
+                    <a:lstStyle/>
+                    <a:p>
+                      <a:r>
+                        <a:rPr lang="en-GB" sz="1100">
+                          <a:effectLst/>
+                        </a:rPr>
+                        <a:t>online</a:t>
+                      </a:r>
+                    </a:p>
+                  </a:txBody>
+                  <a:tcPr marL="2781" marR="2781" marT="2781" marB="2781" anchor="ctr">
+                    <a:lnL>
+                      <a:noFill/>
+                    </a:lnL>
+                    <a:lnR>
+                      <a:noFill/>
+                    </a:lnR>
+                    <a:lnT>
+                      <a:noFill/>
+                    </a:lnT>
+                    <a:lnB>
+                      <a:noFill/>
+                    </a:lnB>
+                    <a:solidFill>
+                      <a:srgbClr val="FFFFFF"/>
+                    </a:solidFill>
+                  </a:tcPr>
+                </a:tc>
+                <a:tc>
+                  <a:txBody>
+                    <a:bodyPr/>
+                    <a:lstStyle/>
+                    <a:p>
+                      <a:r>
+                        <a:rPr lang="en-GB" sz="1100" dirty="0">
+                          <a:effectLst/>
+                        </a:rPr>
+                        <a:t>Niels-Christian </a:t>
+                      </a:r>
+                      <a:r>
+                        <a:rPr lang="en-GB" sz="1100" dirty="0" err="1">
+                          <a:effectLst/>
+                        </a:rPr>
+                        <a:t>Borbjerg</a:t>
+                      </a:r>
+                      <a:r>
+                        <a:rPr lang="en-GB" sz="1100" dirty="0">
+                          <a:effectLst/>
+                        </a:rPr>
+                        <a:t>, ljb172</a:t>
+                      </a:r>
+                    </a:p>
+                  </a:txBody>
+                  <a:tcPr marL="2781" marR="2781" marT="2781" marB="2781" anchor="ctr">
+                    <a:lnL>
+                      <a:noFill/>
+                    </a:lnL>
+                    <a:lnR>
+                      <a:noFill/>
+                    </a:lnR>
+                    <a:lnT>
+                      <a:noFill/>
+                    </a:lnT>
+                    <a:lnB>
+                      <a:noFill/>
+                    </a:lnB>
+                    <a:solidFill>
+                      <a:srgbClr val="FFFFFF"/>
+                    </a:solidFill>
+                  </a:tcPr>
+                </a:tc>
+                <a:tc>
+                  <a:txBody>
+                    <a:bodyPr/>
+                    <a:lstStyle/>
+                    <a:p>
+                      <a:r>
+                        <a:rPr lang="en-GB" sz="1100" dirty="0">
+                          <a:effectLst/>
+                        </a:rPr>
+                        <a:t>Wino Rajkumar, pvl829</a:t>
+                      </a:r>
+                    </a:p>
+                  </a:txBody>
+                  <a:tcPr marL="2781" marR="2781" marT="2781" marB="2781" anchor="ctr">
+                    <a:lnL>
+                      <a:noFill/>
+                    </a:lnL>
+                    <a:lnR>
+                      <a:noFill/>
+                    </a:lnR>
+                    <a:lnT>
+                      <a:noFill/>
+                    </a:lnT>
+                    <a:lnB>
+                      <a:noFill/>
+                    </a:lnB>
+                    <a:solidFill>
+                      <a:srgbClr val="FFFFFF"/>
+                    </a:solidFill>
+                  </a:tcPr>
+                </a:tc>
+                <a:extLst>
+                  <a:ext uri="{0D108BD9-81ED-4DB2-BD59-A6C34878D82A}">
+                    <a16:rowId xmlns:a16="http://schemas.microsoft.com/office/drawing/2014/main" val="543873763"/>
+                  </a:ext>
+                </a:extLst>
+              </a:tr>
+              <a:tr h="277088">
+                <a:tc>
+                  <a:txBody>
+                    <a:bodyPr/>
+                    <a:lstStyle/>
+                    <a:p>
+                      <a:r>
+                        <a:rPr lang="en-DK" sz="1100">
+                          <a:effectLst/>
+                        </a:rPr>
+                        <a:t>13</a:t>
+                      </a:r>
+                    </a:p>
+                  </a:txBody>
+                  <a:tcPr marL="2781" marR="2781" marT="2781" marB="2781" anchor="ctr">
+                    <a:lnL>
+                      <a:noFill/>
+                    </a:lnL>
+                    <a:lnR>
+                      <a:noFill/>
+                    </a:lnR>
+                    <a:lnT>
+                      <a:noFill/>
+                    </a:lnT>
+                    <a:lnB>
+                      <a:noFill/>
+                    </a:lnB>
+                    <a:solidFill>
+                      <a:srgbClr val="FFFFFF"/>
+                    </a:solidFill>
+                  </a:tcPr>
+                </a:tc>
+                <a:tc>
+                  <a:txBody>
+                    <a:bodyPr/>
+                    <a:lstStyle/>
+                    <a:p>
+                      <a:r>
+                        <a:rPr lang="en-GB" sz="1100">
+                          <a:effectLst/>
+                        </a:rPr>
+                        <a:t>HCØ - A105 + A106</a:t>
+                      </a:r>
+                    </a:p>
+                  </a:txBody>
+                  <a:tcPr marL="2781" marR="2781" marT="2781" marB="2781" anchor="ctr">
+                    <a:lnL>
+                      <a:noFill/>
+                    </a:lnL>
+                    <a:lnR>
+                      <a:noFill/>
+                    </a:lnR>
+                    <a:lnT>
+                      <a:noFill/>
+                    </a:lnT>
+                    <a:lnB>
+                      <a:noFill/>
+                    </a:lnB>
+                    <a:solidFill>
+                      <a:srgbClr val="FFFFFF"/>
+                    </a:solidFill>
+                  </a:tcPr>
+                </a:tc>
+                <a:tc>
+                  <a:txBody>
+                    <a:bodyPr/>
+                    <a:lstStyle/>
+                    <a:p>
+                      <a:r>
+                        <a:rPr lang="en-GB" sz="1100">
+                          <a:effectLst/>
+                        </a:rPr>
+                        <a:t>online</a:t>
+                      </a:r>
+                    </a:p>
+                  </a:txBody>
+                  <a:tcPr marL="2781" marR="2781" marT="2781" marB="2781" anchor="ctr">
+                    <a:lnL>
+                      <a:noFill/>
+                    </a:lnL>
+                    <a:lnR>
+                      <a:noFill/>
+                    </a:lnR>
+                    <a:lnT>
+                      <a:noFill/>
+                    </a:lnT>
+                    <a:lnB>
+                      <a:noFill/>
+                    </a:lnB>
+                    <a:solidFill>
+                      <a:srgbClr val="FFFFFF"/>
+                    </a:solidFill>
+                  </a:tcPr>
+                </a:tc>
+                <a:tc>
+                  <a:txBody>
+                    <a:bodyPr/>
+                    <a:lstStyle/>
+                    <a:p>
+                      <a:r>
+                        <a:rPr lang="en-GB" sz="1100">
+                          <a:effectLst/>
+                        </a:rPr>
+                        <a:t>online</a:t>
+                      </a:r>
+                    </a:p>
+                  </a:txBody>
+                  <a:tcPr marL="2781" marR="2781" marT="2781" marB="2781" anchor="ctr">
+                    <a:lnL>
+                      <a:noFill/>
+                    </a:lnL>
+                    <a:lnR>
+                      <a:noFill/>
+                    </a:lnR>
+                    <a:lnT>
+                      <a:noFill/>
+                    </a:lnT>
+                    <a:lnB>
+                      <a:noFill/>
+                    </a:lnB>
+                    <a:solidFill>
+                      <a:srgbClr val="FFFFFF"/>
+                    </a:solidFill>
+                  </a:tcPr>
+                </a:tc>
+                <a:tc>
+                  <a:txBody>
+                    <a:bodyPr/>
+                    <a:lstStyle/>
+                    <a:p>
+                      <a:r>
+                        <a:rPr lang="en-GB" sz="1100">
+                          <a:effectLst/>
+                        </a:rPr>
+                        <a:t>HCØ - A105 + A106</a:t>
+                      </a:r>
+                    </a:p>
+                  </a:txBody>
+                  <a:tcPr marL="2781" marR="2781" marT="2781" marB="2781" anchor="ctr">
+                    <a:lnL>
+                      <a:noFill/>
+                    </a:lnL>
+                    <a:lnR>
+                      <a:noFill/>
+                    </a:lnR>
+                    <a:lnT>
+                      <a:noFill/>
+                    </a:lnT>
+                    <a:lnB>
+                      <a:noFill/>
+                    </a:lnB>
+                    <a:solidFill>
+                      <a:srgbClr val="FFFFFF"/>
+                    </a:solidFill>
+                  </a:tcPr>
+                </a:tc>
+                <a:tc>
+                  <a:txBody>
+                    <a:bodyPr/>
+                    <a:lstStyle/>
+                    <a:p>
+                      <a:r>
+                        <a:rPr lang="en-GB" sz="1100">
+                          <a:effectLst/>
+                        </a:rPr>
+                        <a:t>Casper Lisager Frandsen, fsn483</a:t>
+                      </a:r>
+                    </a:p>
+                  </a:txBody>
+                  <a:tcPr marL="2781" marR="2781" marT="2781" marB="2781" anchor="ctr">
+                    <a:lnL>
+                      <a:noFill/>
+                    </a:lnL>
+                    <a:lnR>
+                      <a:noFill/>
+                    </a:lnR>
+                    <a:lnT>
+                      <a:noFill/>
+                    </a:lnT>
+                    <a:lnB>
+                      <a:noFill/>
+                    </a:lnB>
+                    <a:solidFill>
+                      <a:srgbClr val="FFFFFF"/>
+                    </a:solidFill>
+                  </a:tcPr>
+                </a:tc>
+                <a:tc>
+                  <a:txBody>
+                    <a:bodyPr/>
+                    <a:lstStyle/>
+                    <a:p>
+                      <a:r>
+                        <a:rPr lang="en-GB" sz="1100" dirty="0">
+                          <a:effectLst/>
+                        </a:rPr>
+                        <a:t>Oscar </a:t>
+                      </a:r>
+                      <a:r>
+                        <a:rPr lang="en-GB" sz="1100" dirty="0" err="1">
+                          <a:effectLst/>
+                        </a:rPr>
+                        <a:t>Flyvbjerg</a:t>
+                      </a:r>
+                      <a:r>
+                        <a:rPr lang="en-GB" sz="1100" dirty="0">
+                          <a:effectLst/>
+                        </a:rPr>
+                        <a:t> Junker, xrz971</a:t>
+                      </a:r>
+                    </a:p>
+                  </a:txBody>
+                  <a:tcPr marL="2781" marR="2781" marT="2781" marB="2781" anchor="ctr">
+                    <a:lnL>
+                      <a:noFill/>
+                    </a:lnL>
+                    <a:lnR>
+                      <a:noFill/>
+                    </a:lnR>
+                    <a:lnT>
+                      <a:noFill/>
+                    </a:lnT>
+                    <a:lnB>
+                      <a:noFill/>
+                    </a:lnB>
+                    <a:solidFill>
+                      <a:srgbClr val="FFFFFF"/>
+                    </a:solidFill>
+                  </a:tcPr>
+                </a:tc>
+                <a:extLst>
+                  <a:ext uri="{0D108BD9-81ED-4DB2-BD59-A6C34878D82A}">
+                    <a16:rowId xmlns:a16="http://schemas.microsoft.com/office/drawing/2014/main" val="3294401409"/>
+                  </a:ext>
+                </a:extLst>
+              </a:tr>
+              <a:tr h="277088">
+                <a:tc>
+                  <a:txBody>
+                    <a:bodyPr/>
+                    <a:lstStyle/>
+                    <a:p>
+                      <a:r>
+                        <a:rPr lang="en-DK" sz="1100">
+                          <a:effectLst/>
+                        </a:rPr>
+                        <a:t>14</a:t>
+                      </a:r>
+                    </a:p>
+                  </a:txBody>
+                  <a:tcPr marL="2781" marR="2781" marT="2781" marB="2781" anchor="ctr">
+                    <a:lnL>
+                      <a:noFill/>
+                    </a:lnL>
+                    <a:lnR>
+                      <a:noFill/>
+                    </a:lnR>
+                    <a:lnT>
+                      <a:noFill/>
+                    </a:lnT>
+                    <a:lnB>
+                      <a:noFill/>
+                    </a:lnB>
+                    <a:solidFill>
+                      <a:srgbClr val="FFFFFF"/>
+                    </a:solidFill>
+                  </a:tcPr>
+                </a:tc>
+                <a:tc>
+                  <a:txBody>
+                    <a:bodyPr/>
+                    <a:lstStyle/>
+                    <a:p>
+                      <a:r>
+                        <a:rPr lang="en-GB" sz="1100">
+                          <a:effectLst/>
+                        </a:rPr>
+                        <a:t>online</a:t>
+                      </a:r>
+                    </a:p>
+                  </a:txBody>
+                  <a:tcPr marL="2781" marR="2781" marT="2781" marB="2781" anchor="ctr">
+                    <a:lnL>
+                      <a:noFill/>
+                    </a:lnL>
+                    <a:lnR>
+                      <a:noFill/>
+                    </a:lnR>
+                    <a:lnT>
+                      <a:noFill/>
+                    </a:lnT>
+                    <a:lnB>
+                      <a:noFill/>
+                    </a:lnB>
+                    <a:solidFill>
+                      <a:srgbClr val="FFFFFF"/>
+                    </a:solidFill>
+                  </a:tcPr>
+                </a:tc>
+                <a:tc>
+                  <a:txBody>
+                    <a:bodyPr/>
+                    <a:lstStyle/>
+                    <a:p>
+                      <a:r>
+                        <a:rPr lang="en-GB" sz="1100">
+                          <a:effectLst/>
+                        </a:rPr>
+                        <a:t>HCØ - A105 + A106</a:t>
+                      </a:r>
+                    </a:p>
+                  </a:txBody>
+                  <a:tcPr marL="2781" marR="2781" marT="2781" marB="2781" anchor="ctr">
+                    <a:lnL>
+                      <a:noFill/>
+                    </a:lnL>
+                    <a:lnR>
+                      <a:noFill/>
+                    </a:lnR>
+                    <a:lnT>
+                      <a:noFill/>
+                    </a:lnT>
+                    <a:lnB>
+                      <a:noFill/>
+                    </a:lnB>
+                    <a:solidFill>
+                      <a:srgbClr val="FFFFFF"/>
+                    </a:solidFill>
+                  </a:tcPr>
+                </a:tc>
+                <a:tc>
+                  <a:txBody>
+                    <a:bodyPr/>
+                    <a:lstStyle/>
+                    <a:p>
+                      <a:r>
+                        <a:rPr lang="en-GB" sz="1100">
+                          <a:effectLst/>
+                        </a:rPr>
+                        <a:t>HCØ - A105 + A106</a:t>
+                      </a:r>
+                    </a:p>
+                  </a:txBody>
+                  <a:tcPr marL="2781" marR="2781" marT="2781" marB="2781" anchor="ctr">
+                    <a:lnL>
+                      <a:noFill/>
+                    </a:lnL>
+                    <a:lnR>
+                      <a:noFill/>
+                    </a:lnR>
+                    <a:lnT>
+                      <a:noFill/>
+                    </a:lnT>
+                    <a:lnB>
+                      <a:noFill/>
+                    </a:lnB>
+                    <a:solidFill>
+                      <a:srgbClr val="FFFFFF"/>
+                    </a:solidFill>
+                  </a:tcPr>
+                </a:tc>
+                <a:tc>
+                  <a:txBody>
+                    <a:bodyPr/>
+                    <a:lstStyle/>
+                    <a:p>
+                      <a:r>
+                        <a:rPr lang="en-GB" sz="1100">
+                          <a:effectLst/>
+                        </a:rPr>
+                        <a:t>online</a:t>
+                      </a:r>
+                    </a:p>
+                  </a:txBody>
+                  <a:tcPr marL="2781" marR="2781" marT="2781" marB="2781" anchor="ctr">
+                    <a:lnL>
+                      <a:noFill/>
+                    </a:lnL>
+                    <a:lnR>
+                      <a:noFill/>
+                    </a:lnR>
+                    <a:lnT>
+                      <a:noFill/>
+                    </a:lnT>
+                    <a:lnB>
+                      <a:noFill/>
+                    </a:lnB>
+                    <a:solidFill>
+                      <a:srgbClr val="FFFFFF"/>
+                    </a:solidFill>
+                  </a:tcPr>
+                </a:tc>
+                <a:tc>
+                  <a:txBody>
+                    <a:bodyPr/>
+                    <a:lstStyle/>
+                    <a:p>
+                      <a:r>
+                        <a:rPr lang="en-GB" sz="1100">
+                          <a:effectLst/>
+                        </a:rPr>
+                        <a:t>Peter Kanstrup Larsen, zlc797</a:t>
+                      </a:r>
+                    </a:p>
+                  </a:txBody>
+                  <a:tcPr marL="2781" marR="2781" marT="2781" marB="2781" anchor="ctr">
+                    <a:lnL>
+                      <a:noFill/>
+                    </a:lnL>
+                    <a:lnR>
+                      <a:noFill/>
+                    </a:lnR>
+                    <a:lnT>
+                      <a:noFill/>
+                    </a:lnT>
+                    <a:lnB>
+                      <a:noFill/>
+                    </a:lnB>
+                    <a:solidFill>
+                      <a:srgbClr val="FFFFFF"/>
+                    </a:solidFill>
+                  </a:tcPr>
+                </a:tc>
+                <a:tc>
+                  <a:txBody>
+                    <a:bodyPr/>
+                    <a:lstStyle/>
+                    <a:p>
+                      <a:r>
+                        <a:rPr lang="en-GB" sz="1100" dirty="0">
+                          <a:effectLst/>
+                        </a:rPr>
+                        <a:t>Rebecca Linn Knudsen, dhn915</a:t>
+                      </a:r>
+                    </a:p>
+                  </a:txBody>
+                  <a:tcPr marL="2781" marR="2781" marT="2781" marB="2781" anchor="ctr">
+                    <a:lnL>
+                      <a:noFill/>
+                    </a:lnL>
+                    <a:lnR>
+                      <a:noFill/>
+                    </a:lnR>
+                    <a:lnT>
+                      <a:noFill/>
+                    </a:lnT>
+                    <a:lnB>
+                      <a:noFill/>
+                    </a:lnB>
+                    <a:solidFill>
+                      <a:srgbClr val="FFFFFF"/>
+                    </a:solidFill>
+                  </a:tcPr>
+                </a:tc>
+                <a:extLst>
+                  <a:ext uri="{0D108BD9-81ED-4DB2-BD59-A6C34878D82A}">
+                    <a16:rowId xmlns:a16="http://schemas.microsoft.com/office/drawing/2014/main" val="706864270"/>
+                  </a:ext>
+                </a:extLst>
+              </a:tr>
+              <a:tr h="318306">
+                <a:tc>
+                  <a:txBody>
+                    <a:bodyPr/>
+                    <a:lstStyle/>
+                    <a:p>
+                      <a:r>
+                        <a:rPr lang="en-DK" sz="1100">
+                          <a:effectLst/>
+                        </a:rPr>
+                        <a:t>15</a:t>
+                      </a:r>
+                    </a:p>
+                  </a:txBody>
+                  <a:tcPr marL="2781" marR="2781" marT="2781" marB="2781" anchor="ctr">
+                    <a:lnL>
+                      <a:noFill/>
+                    </a:lnL>
+                    <a:lnR>
+                      <a:noFill/>
+                    </a:lnR>
+                    <a:lnT>
+                      <a:noFill/>
+                    </a:lnT>
+                    <a:lnB>
+                      <a:noFill/>
+                    </a:lnB>
+                    <a:solidFill>
+                      <a:srgbClr val="FFFFFF"/>
+                    </a:solidFill>
+                  </a:tcPr>
+                </a:tc>
+                <a:tc>
+                  <a:txBody>
+                    <a:bodyPr/>
+                    <a:lstStyle/>
+                    <a:p>
+                      <a:r>
+                        <a:rPr lang="en-GB" sz="1100">
+                          <a:effectLst/>
+                        </a:rPr>
+                        <a:t>HCØ - A111 + A112</a:t>
+                      </a:r>
+                    </a:p>
+                  </a:txBody>
+                  <a:tcPr marL="2781" marR="2781" marT="2781" marB="2781" anchor="ctr">
+                    <a:lnL>
+                      <a:noFill/>
+                    </a:lnL>
+                    <a:lnR>
+                      <a:noFill/>
+                    </a:lnR>
+                    <a:lnT>
+                      <a:noFill/>
+                    </a:lnT>
+                    <a:lnB>
+                      <a:noFill/>
+                    </a:lnB>
+                    <a:solidFill>
+                      <a:srgbClr val="FFFFFF"/>
+                    </a:solidFill>
+                  </a:tcPr>
+                </a:tc>
+                <a:tc>
+                  <a:txBody>
+                    <a:bodyPr/>
+                    <a:lstStyle/>
+                    <a:p>
+                      <a:r>
+                        <a:rPr lang="en-GB" sz="1100">
+                          <a:effectLst/>
+                        </a:rPr>
+                        <a:t>online</a:t>
+                      </a:r>
+                    </a:p>
+                  </a:txBody>
+                  <a:tcPr marL="2781" marR="2781" marT="2781" marB="2781" anchor="ctr">
+                    <a:lnL>
+                      <a:noFill/>
+                    </a:lnL>
+                    <a:lnR>
+                      <a:noFill/>
+                    </a:lnR>
+                    <a:lnT>
+                      <a:noFill/>
+                    </a:lnT>
+                    <a:lnB>
+                      <a:noFill/>
+                    </a:lnB>
+                    <a:solidFill>
+                      <a:srgbClr val="FFFFFF"/>
+                    </a:solidFill>
+                  </a:tcPr>
+                </a:tc>
+                <a:tc>
+                  <a:txBody>
+                    <a:bodyPr/>
+                    <a:lstStyle/>
+                    <a:p>
+                      <a:r>
+                        <a:rPr lang="en-GB" sz="1100">
+                          <a:effectLst/>
+                        </a:rPr>
+                        <a:t>online</a:t>
+                      </a:r>
+                    </a:p>
+                  </a:txBody>
+                  <a:tcPr marL="2781" marR="2781" marT="2781" marB="2781" anchor="ctr">
+                    <a:lnL>
+                      <a:noFill/>
+                    </a:lnL>
+                    <a:lnR>
+                      <a:noFill/>
+                    </a:lnR>
+                    <a:lnT>
+                      <a:noFill/>
+                    </a:lnT>
+                    <a:lnB>
+                      <a:noFill/>
+                    </a:lnB>
+                    <a:solidFill>
+                      <a:srgbClr val="FFFFFF"/>
+                    </a:solidFill>
+                  </a:tcPr>
+                </a:tc>
+                <a:tc>
+                  <a:txBody>
+                    <a:bodyPr/>
+                    <a:lstStyle/>
+                    <a:p>
+                      <a:r>
+                        <a:rPr lang="en-GB" sz="1100">
+                          <a:effectLst/>
+                        </a:rPr>
+                        <a:t>HCØ - A111 + A112</a:t>
+                      </a:r>
+                    </a:p>
+                  </a:txBody>
+                  <a:tcPr marL="2781" marR="2781" marT="2781" marB="2781" anchor="ctr">
+                    <a:lnL>
+                      <a:noFill/>
+                    </a:lnL>
+                    <a:lnR>
+                      <a:noFill/>
+                    </a:lnR>
+                    <a:lnT>
+                      <a:noFill/>
+                    </a:lnT>
+                    <a:lnB>
+                      <a:noFill/>
+                    </a:lnB>
+                    <a:solidFill>
+                      <a:srgbClr val="FFFFFF"/>
+                    </a:solidFill>
+                  </a:tcPr>
+                </a:tc>
+                <a:tc>
+                  <a:txBody>
+                    <a:bodyPr/>
+                    <a:lstStyle/>
+                    <a:p>
+                      <a:r>
+                        <a:rPr lang="en-GB" sz="1100">
+                          <a:effectLst/>
+                        </a:rPr>
+                        <a:t>Jacob Christian Herbst, mwr148</a:t>
+                      </a:r>
+                    </a:p>
+                  </a:txBody>
+                  <a:tcPr marL="2781" marR="2781" marT="2781" marB="2781" anchor="ctr">
+                    <a:lnL>
+                      <a:noFill/>
+                    </a:lnL>
+                    <a:lnR>
+                      <a:noFill/>
+                    </a:lnR>
+                    <a:lnT>
+                      <a:noFill/>
+                    </a:lnT>
+                    <a:lnB>
+                      <a:noFill/>
+                    </a:lnB>
+                    <a:solidFill>
+                      <a:srgbClr val="FFFFFF"/>
+                    </a:solidFill>
+                  </a:tcPr>
+                </a:tc>
+                <a:tc>
+                  <a:txBody>
+                    <a:bodyPr/>
+                    <a:lstStyle/>
+                    <a:p>
+                      <a:r>
+                        <a:rPr lang="en-GB" sz="1100" dirty="0">
+                          <a:effectLst/>
+                        </a:rPr>
+                        <a:t>Rasmus </a:t>
+                      </a:r>
+                      <a:r>
+                        <a:rPr lang="en-GB" sz="1100" dirty="0" err="1">
+                          <a:effectLst/>
+                        </a:rPr>
+                        <a:t>Thyge</a:t>
+                      </a:r>
+                      <a:r>
+                        <a:rPr lang="en-GB" sz="1100" dirty="0">
+                          <a:effectLst/>
+                        </a:rPr>
+                        <a:t> </a:t>
+                      </a:r>
+                      <a:r>
+                        <a:rPr lang="en-GB" sz="1100" dirty="0" err="1">
+                          <a:effectLst/>
+                        </a:rPr>
+                        <a:t>Aavang</a:t>
+                      </a:r>
+                      <a:r>
+                        <a:rPr lang="en-GB" sz="1100" dirty="0">
+                          <a:effectLst/>
+                        </a:rPr>
+                        <a:t> Jensen, qrx161</a:t>
+                      </a:r>
+                    </a:p>
+                  </a:txBody>
+                  <a:tcPr marL="2781" marR="2781" marT="2781" marB="2781" anchor="ctr">
+                    <a:lnL>
+                      <a:noFill/>
+                    </a:lnL>
+                    <a:lnR>
+                      <a:noFill/>
+                    </a:lnR>
+                    <a:lnT>
+                      <a:noFill/>
+                    </a:lnT>
+                    <a:lnB>
+                      <a:noFill/>
+                    </a:lnB>
+                    <a:solidFill>
+                      <a:srgbClr val="FFFFFF"/>
+                    </a:solidFill>
+                  </a:tcPr>
+                </a:tc>
+                <a:extLst>
+                  <a:ext uri="{0D108BD9-81ED-4DB2-BD59-A6C34878D82A}">
+                    <a16:rowId xmlns:a16="http://schemas.microsoft.com/office/drawing/2014/main" val="362109609"/>
+                  </a:ext>
+                </a:extLst>
+              </a:tr>
+              <a:tr h="277088">
+                <a:tc>
+                  <a:txBody>
+                    <a:bodyPr/>
+                    <a:lstStyle/>
+                    <a:p>
+                      <a:r>
+                        <a:rPr lang="en-DK" sz="1100">
+                          <a:effectLst/>
+                        </a:rPr>
+                        <a:t>16</a:t>
+                      </a:r>
+                    </a:p>
+                  </a:txBody>
+                  <a:tcPr marL="2781" marR="2781" marT="2781" marB="2781" anchor="ctr">
+                    <a:lnL>
+                      <a:noFill/>
+                    </a:lnL>
+                    <a:lnR>
+                      <a:noFill/>
+                    </a:lnR>
+                    <a:lnT>
+                      <a:noFill/>
+                    </a:lnT>
+                    <a:lnB>
+                      <a:noFill/>
+                    </a:lnB>
+                    <a:solidFill>
+                      <a:srgbClr val="FFFFFF"/>
+                    </a:solidFill>
+                  </a:tcPr>
+                </a:tc>
+                <a:tc>
+                  <a:txBody>
+                    <a:bodyPr/>
+                    <a:lstStyle/>
+                    <a:p>
+                      <a:r>
+                        <a:rPr lang="en-GB" sz="1100">
+                          <a:effectLst/>
+                        </a:rPr>
+                        <a:t>online</a:t>
+                      </a:r>
+                    </a:p>
+                  </a:txBody>
+                  <a:tcPr marL="2781" marR="2781" marT="2781" marB="2781" anchor="ctr">
+                    <a:lnL>
+                      <a:noFill/>
+                    </a:lnL>
+                    <a:lnR>
+                      <a:noFill/>
+                    </a:lnR>
+                    <a:lnT>
+                      <a:noFill/>
+                    </a:lnT>
+                    <a:lnB>
+                      <a:noFill/>
+                    </a:lnB>
+                    <a:solidFill>
+                      <a:srgbClr val="FFFFFF"/>
+                    </a:solidFill>
+                  </a:tcPr>
+                </a:tc>
+                <a:tc>
+                  <a:txBody>
+                    <a:bodyPr/>
+                    <a:lstStyle/>
+                    <a:p>
+                      <a:r>
+                        <a:rPr lang="en-GB" sz="1100">
+                          <a:effectLst/>
+                        </a:rPr>
+                        <a:t>HCØ - A111 + A112</a:t>
+                      </a:r>
+                    </a:p>
+                  </a:txBody>
+                  <a:tcPr marL="2781" marR="2781" marT="2781" marB="2781" anchor="ctr">
+                    <a:lnL>
+                      <a:noFill/>
+                    </a:lnL>
+                    <a:lnR>
+                      <a:noFill/>
+                    </a:lnR>
+                    <a:lnT>
+                      <a:noFill/>
+                    </a:lnT>
+                    <a:lnB>
+                      <a:noFill/>
+                    </a:lnB>
+                    <a:solidFill>
+                      <a:srgbClr val="FFFFFF"/>
+                    </a:solidFill>
+                  </a:tcPr>
+                </a:tc>
+                <a:tc>
+                  <a:txBody>
+                    <a:bodyPr/>
+                    <a:lstStyle/>
+                    <a:p>
+                      <a:r>
+                        <a:rPr lang="en-GB" sz="1100">
+                          <a:effectLst/>
+                        </a:rPr>
+                        <a:t>HCØ - A111 + A112</a:t>
+                      </a:r>
+                    </a:p>
+                  </a:txBody>
+                  <a:tcPr marL="2781" marR="2781" marT="2781" marB="2781" anchor="ctr">
+                    <a:lnL>
+                      <a:noFill/>
+                    </a:lnL>
+                    <a:lnR>
+                      <a:noFill/>
+                    </a:lnR>
+                    <a:lnT>
+                      <a:noFill/>
+                    </a:lnT>
+                    <a:lnB>
+                      <a:noFill/>
+                    </a:lnB>
+                    <a:solidFill>
+                      <a:srgbClr val="FFFFFF"/>
+                    </a:solidFill>
+                  </a:tcPr>
+                </a:tc>
+                <a:tc>
+                  <a:txBody>
+                    <a:bodyPr/>
+                    <a:lstStyle/>
+                    <a:p>
+                      <a:r>
+                        <a:rPr lang="en-GB" sz="1100">
+                          <a:effectLst/>
+                        </a:rPr>
+                        <a:t>online</a:t>
+                      </a:r>
+                    </a:p>
+                  </a:txBody>
+                  <a:tcPr marL="2781" marR="2781" marT="2781" marB="2781" anchor="ctr">
+                    <a:lnL>
+                      <a:noFill/>
+                    </a:lnL>
+                    <a:lnR>
+                      <a:noFill/>
+                    </a:lnR>
+                    <a:lnT>
+                      <a:noFill/>
+                    </a:lnT>
+                    <a:lnB>
+                      <a:noFill/>
+                    </a:lnB>
+                    <a:solidFill>
+                      <a:srgbClr val="FFFFFF"/>
+                    </a:solidFill>
+                  </a:tcPr>
+                </a:tc>
+                <a:tc>
+                  <a:txBody>
+                    <a:bodyPr/>
+                    <a:lstStyle/>
+                    <a:p>
+                      <a:r>
+                        <a:rPr lang="en-GB" sz="1100">
+                          <a:effectLst/>
+                        </a:rPr>
+                        <a:t>Sebastian Winkelmann, pbf475</a:t>
+                      </a:r>
+                    </a:p>
+                  </a:txBody>
+                  <a:tcPr marL="2781" marR="2781" marT="2781" marB="2781" anchor="ctr">
+                    <a:lnL>
+                      <a:noFill/>
+                    </a:lnL>
+                    <a:lnR>
+                      <a:noFill/>
+                    </a:lnR>
+                    <a:lnT>
+                      <a:noFill/>
+                    </a:lnT>
+                    <a:lnB>
+                      <a:noFill/>
+                    </a:lnB>
+                    <a:solidFill>
+                      <a:srgbClr val="FFFFFF"/>
+                    </a:solidFill>
+                  </a:tcPr>
+                </a:tc>
+                <a:tc>
+                  <a:txBody>
+                    <a:bodyPr/>
+                    <a:lstStyle/>
+                    <a:p>
+                      <a:r>
+                        <a:rPr lang="en-GB" sz="1100" dirty="0">
+                          <a:effectLst/>
+                        </a:rPr>
+                        <a:t>Anders </a:t>
+                      </a:r>
+                      <a:r>
+                        <a:rPr lang="en-GB" sz="1100" dirty="0" err="1">
+                          <a:effectLst/>
+                        </a:rPr>
+                        <a:t>Ruge</a:t>
+                      </a:r>
+                      <a:r>
+                        <a:rPr lang="en-GB" sz="1100" dirty="0">
+                          <a:effectLst/>
+                        </a:rPr>
+                        <a:t>, jmg808</a:t>
+                      </a:r>
+                    </a:p>
+                  </a:txBody>
+                  <a:tcPr marL="2781" marR="2781" marT="2781" marB="2781" anchor="ctr">
+                    <a:lnL>
+                      <a:noFill/>
+                    </a:lnL>
+                    <a:lnR>
+                      <a:noFill/>
+                    </a:lnR>
+                    <a:lnT>
+                      <a:noFill/>
+                    </a:lnT>
+                    <a:lnB>
+                      <a:noFill/>
+                    </a:lnB>
+                    <a:solidFill>
+                      <a:srgbClr val="FFFFFF"/>
+                    </a:solidFill>
+                  </a:tcPr>
+                </a:tc>
+                <a:extLst>
+                  <a:ext uri="{0D108BD9-81ED-4DB2-BD59-A6C34878D82A}">
+                    <a16:rowId xmlns:a16="http://schemas.microsoft.com/office/drawing/2014/main" val="3753295622"/>
+                  </a:ext>
+                </a:extLst>
+              </a:tr>
+              <a:tr h="228677">
+                <a:tc>
+                  <a:txBody>
+                    <a:bodyPr/>
+                    <a:lstStyle/>
+                    <a:p>
+                      <a:r>
+                        <a:rPr lang="en-DK" sz="1100">
+                          <a:effectLst/>
+                        </a:rPr>
+                        <a:t>17</a:t>
+                      </a:r>
+                    </a:p>
+                  </a:txBody>
+                  <a:tcPr marL="2781" marR="2781" marT="2781" marB="2781" anchor="ctr">
+                    <a:lnL>
+                      <a:noFill/>
+                    </a:lnL>
+                    <a:lnR>
+                      <a:noFill/>
+                    </a:lnR>
+                    <a:lnT>
+                      <a:noFill/>
+                    </a:lnT>
+                    <a:lnB>
+                      <a:noFill/>
+                    </a:lnB>
+                    <a:solidFill>
+                      <a:srgbClr val="FFFFFF"/>
+                    </a:solidFill>
+                  </a:tcPr>
+                </a:tc>
+                <a:tc>
+                  <a:txBody>
+                    <a:bodyPr/>
+                    <a:lstStyle/>
+                    <a:p>
+                      <a:r>
+                        <a:rPr lang="en-GB" sz="1100">
+                          <a:effectLst/>
+                        </a:rPr>
+                        <a:t>HCØ - Aud 08 + 10</a:t>
+                      </a:r>
+                    </a:p>
+                  </a:txBody>
+                  <a:tcPr marL="2781" marR="2781" marT="2781" marB="2781" anchor="ctr">
+                    <a:lnL>
+                      <a:noFill/>
+                    </a:lnL>
+                    <a:lnR>
+                      <a:noFill/>
+                    </a:lnR>
+                    <a:lnT>
+                      <a:noFill/>
+                    </a:lnT>
+                    <a:lnB>
+                      <a:noFill/>
+                    </a:lnB>
+                    <a:solidFill>
+                      <a:srgbClr val="FFFFFF"/>
+                    </a:solidFill>
+                  </a:tcPr>
+                </a:tc>
+                <a:tc>
+                  <a:txBody>
+                    <a:bodyPr/>
+                    <a:lstStyle/>
+                    <a:p>
+                      <a:r>
+                        <a:rPr lang="en-GB" sz="1100">
+                          <a:effectLst/>
+                        </a:rPr>
+                        <a:t>online</a:t>
+                      </a:r>
+                    </a:p>
+                  </a:txBody>
+                  <a:tcPr marL="2781" marR="2781" marT="2781" marB="2781" anchor="ctr">
+                    <a:lnL>
+                      <a:noFill/>
+                    </a:lnL>
+                    <a:lnR>
+                      <a:noFill/>
+                    </a:lnR>
+                    <a:lnT>
+                      <a:noFill/>
+                    </a:lnT>
+                    <a:lnB>
+                      <a:noFill/>
+                    </a:lnB>
+                    <a:solidFill>
+                      <a:srgbClr val="FFFFFF"/>
+                    </a:solidFill>
+                  </a:tcPr>
+                </a:tc>
+                <a:tc>
+                  <a:txBody>
+                    <a:bodyPr/>
+                    <a:lstStyle/>
+                    <a:p>
+                      <a:r>
+                        <a:rPr lang="en-GB" sz="1100">
+                          <a:effectLst/>
+                        </a:rPr>
+                        <a:t>online</a:t>
+                      </a:r>
+                    </a:p>
+                  </a:txBody>
+                  <a:tcPr marL="2781" marR="2781" marT="2781" marB="2781" anchor="ctr">
+                    <a:lnL>
+                      <a:noFill/>
+                    </a:lnL>
+                    <a:lnR>
+                      <a:noFill/>
+                    </a:lnR>
+                    <a:lnT>
+                      <a:noFill/>
+                    </a:lnT>
+                    <a:lnB>
+                      <a:noFill/>
+                    </a:lnB>
+                    <a:solidFill>
+                      <a:srgbClr val="FFFFFF"/>
+                    </a:solidFill>
+                  </a:tcPr>
+                </a:tc>
+                <a:tc>
+                  <a:txBody>
+                    <a:bodyPr/>
+                    <a:lstStyle/>
+                    <a:p>
+                      <a:r>
+                        <a:rPr lang="en-GB" sz="1100">
+                          <a:effectLst/>
+                        </a:rPr>
+                        <a:t>HCØ - Aud 08 + 10</a:t>
+                      </a:r>
+                    </a:p>
+                  </a:txBody>
+                  <a:tcPr marL="2781" marR="2781" marT="2781" marB="2781" anchor="ctr">
+                    <a:lnL>
+                      <a:noFill/>
+                    </a:lnL>
+                    <a:lnR>
+                      <a:noFill/>
+                    </a:lnR>
+                    <a:lnT>
+                      <a:noFill/>
+                    </a:lnT>
+                    <a:lnB>
+                      <a:noFill/>
+                    </a:lnB>
+                    <a:solidFill>
+                      <a:srgbClr val="FFFFFF"/>
+                    </a:solidFill>
+                  </a:tcPr>
+                </a:tc>
+                <a:tc>
+                  <a:txBody>
+                    <a:bodyPr/>
+                    <a:lstStyle/>
+                    <a:p>
+                      <a:r>
+                        <a:rPr lang="en-GB" sz="1100">
+                          <a:effectLst/>
+                        </a:rPr>
+                        <a:t>Jan Rolandsen, wmb356</a:t>
+                      </a:r>
+                    </a:p>
+                  </a:txBody>
+                  <a:tcPr marL="2781" marR="2781" marT="2781" marB="2781" anchor="ctr">
+                    <a:lnL>
+                      <a:noFill/>
+                    </a:lnL>
+                    <a:lnR>
+                      <a:noFill/>
+                    </a:lnR>
+                    <a:lnT>
+                      <a:noFill/>
+                    </a:lnT>
+                    <a:lnB>
+                      <a:noFill/>
+                    </a:lnB>
+                    <a:solidFill>
+                      <a:srgbClr val="FFFFFF"/>
+                    </a:solidFill>
+                  </a:tcPr>
+                </a:tc>
+                <a:tc>
+                  <a:txBody>
+                    <a:bodyPr/>
+                    <a:lstStyle/>
+                    <a:p>
+                      <a:r>
+                        <a:rPr lang="en-DK" sz="1100" dirty="0">
+                          <a:effectLst/>
+                        </a:rPr>
+                        <a:t>-</a:t>
+                      </a:r>
+                    </a:p>
+                  </a:txBody>
+                  <a:tcPr marL="2781" marR="2781" marT="2781" marB="2781" anchor="ctr">
+                    <a:lnL>
+                      <a:noFill/>
+                    </a:lnL>
+                    <a:lnR>
+                      <a:noFill/>
+                    </a:lnR>
+                    <a:lnT>
+                      <a:noFill/>
+                    </a:lnT>
+                    <a:lnB>
+                      <a:noFill/>
+                    </a:lnB>
+                    <a:solidFill>
+                      <a:srgbClr val="FFFFFF"/>
+                    </a:solidFill>
+                  </a:tcPr>
+                </a:tc>
+                <a:extLst>
+                  <a:ext uri="{0D108BD9-81ED-4DB2-BD59-A6C34878D82A}">
+                    <a16:rowId xmlns:a16="http://schemas.microsoft.com/office/drawing/2014/main" val="3770324606"/>
+                  </a:ext>
+                </a:extLst>
+              </a:tr>
+              <a:tr h="228677">
+                <a:tc>
+                  <a:txBody>
+                    <a:bodyPr/>
+                    <a:lstStyle/>
+                    <a:p>
+                      <a:r>
+                        <a:rPr lang="en-DK" sz="1100">
+                          <a:effectLst/>
+                        </a:rPr>
+                        <a:t>18</a:t>
+                      </a:r>
+                    </a:p>
+                  </a:txBody>
+                  <a:tcPr marL="2781" marR="2781" marT="2781" marB="2781" anchor="ctr">
+                    <a:lnL>
+                      <a:noFill/>
+                    </a:lnL>
+                    <a:lnR>
+                      <a:noFill/>
+                    </a:lnR>
+                    <a:lnT>
+                      <a:noFill/>
+                    </a:lnT>
+                    <a:lnB>
+                      <a:noFill/>
+                    </a:lnB>
+                    <a:solidFill>
+                      <a:srgbClr val="FFFFFF"/>
+                    </a:solidFill>
+                  </a:tcPr>
+                </a:tc>
+                <a:tc>
+                  <a:txBody>
+                    <a:bodyPr/>
+                    <a:lstStyle/>
+                    <a:p>
+                      <a:r>
+                        <a:rPr lang="en-GB" sz="1100">
+                          <a:effectLst/>
+                        </a:rPr>
+                        <a:t>online</a:t>
+                      </a:r>
+                    </a:p>
+                  </a:txBody>
+                  <a:tcPr marL="2781" marR="2781" marT="2781" marB="2781" anchor="ctr">
+                    <a:lnL>
+                      <a:noFill/>
+                    </a:lnL>
+                    <a:lnR>
+                      <a:noFill/>
+                    </a:lnR>
+                    <a:lnT>
+                      <a:noFill/>
+                    </a:lnT>
+                    <a:lnB>
+                      <a:noFill/>
+                    </a:lnB>
+                    <a:solidFill>
+                      <a:srgbClr val="FFFFFF"/>
+                    </a:solidFill>
+                  </a:tcPr>
+                </a:tc>
+                <a:tc>
+                  <a:txBody>
+                    <a:bodyPr/>
+                    <a:lstStyle/>
+                    <a:p>
+                      <a:r>
+                        <a:rPr lang="en-GB" sz="1100">
+                          <a:effectLst/>
+                        </a:rPr>
+                        <a:t>HCØ - Aud 08 + 10</a:t>
+                      </a:r>
+                    </a:p>
+                  </a:txBody>
+                  <a:tcPr marL="2781" marR="2781" marT="2781" marB="2781" anchor="ctr">
+                    <a:lnL>
+                      <a:noFill/>
+                    </a:lnL>
+                    <a:lnR>
+                      <a:noFill/>
+                    </a:lnR>
+                    <a:lnT>
+                      <a:noFill/>
+                    </a:lnT>
+                    <a:lnB>
+                      <a:noFill/>
+                    </a:lnB>
+                    <a:solidFill>
+                      <a:srgbClr val="FFFFFF"/>
+                    </a:solidFill>
+                  </a:tcPr>
+                </a:tc>
+                <a:tc>
+                  <a:txBody>
+                    <a:bodyPr/>
+                    <a:lstStyle/>
+                    <a:p>
+                      <a:r>
+                        <a:rPr lang="en-GB" sz="1100">
+                          <a:effectLst/>
+                        </a:rPr>
+                        <a:t>HCØ - Aud 08 + 10</a:t>
+                      </a:r>
+                    </a:p>
+                  </a:txBody>
+                  <a:tcPr marL="2781" marR="2781" marT="2781" marB="2781" anchor="ctr">
+                    <a:lnL>
+                      <a:noFill/>
+                    </a:lnL>
+                    <a:lnR>
+                      <a:noFill/>
+                    </a:lnR>
+                    <a:lnT>
+                      <a:noFill/>
+                    </a:lnT>
+                    <a:lnB>
+                      <a:noFill/>
+                    </a:lnB>
+                    <a:solidFill>
+                      <a:srgbClr val="FFFFFF"/>
+                    </a:solidFill>
+                  </a:tcPr>
+                </a:tc>
+                <a:tc>
+                  <a:txBody>
+                    <a:bodyPr/>
+                    <a:lstStyle/>
+                    <a:p>
+                      <a:r>
+                        <a:rPr lang="en-GB" sz="1100">
+                          <a:effectLst/>
+                        </a:rPr>
+                        <a:t>online</a:t>
+                      </a:r>
+                    </a:p>
+                  </a:txBody>
+                  <a:tcPr marL="2781" marR="2781" marT="2781" marB="2781" anchor="ctr">
+                    <a:lnL>
+                      <a:noFill/>
+                    </a:lnL>
+                    <a:lnR>
+                      <a:noFill/>
+                    </a:lnR>
+                    <a:lnT>
+                      <a:noFill/>
+                    </a:lnT>
+                    <a:lnB>
+                      <a:noFill/>
+                    </a:lnB>
+                    <a:solidFill>
+                      <a:srgbClr val="FFFFFF"/>
+                    </a:solidFill>
+                  </a:tcPr>
+                </a:tc>
+                <a:tc>
+                  <a:txBody>
+                    <a:bodyPr/>
+                    <a:lstStyle/>
+                    <a:p>
+                      <a:r>
+                        <a:rPr lang="en-GB" sz="1100">
+                          <a:effectLst/>
+                        </a:rPr>
+                        <a:t>Laura Høyer Boesen, fdt672</a:t>
+                      </a:r>
+                    </a:p>
+                  </a:txBody>
+                  <a:tcPr marL="2781" marR="2781" marT="2781" marB="2781" anchor="ctr">
+                    <a:lnL>
+                      <a:noFill/>
+                    </a:lnL>
+                    <a:lnR>
+                      <a:noFill/>
+                    </a:lnR>
+                    <a:lnT>
+                      <a:noFill/>
+                    </a:lnT>
+                    <a:lnB>
+                      <a:noFill/>
+                    </a:lnB>
+                    <a:solidFill>
+                      <a:srgbClr val="FFFFFF"/>
+                    </a:solidFill>
+                  </a:tcPr>
+                </a:tc>
+                <a:tc>
+                  <a:txBody>
+                    <a:bodyPr/>
+                    <a:lstStyle/>
+                    <a:p>
+                      <a:r>
+                        <a:rPr lang="en-DK" sz="1100" dirty="0">
+                          <a:effectLst/>
+                        </a:rPr>
+                        <a:t>-</a:t>
+                      </a:r>
+                    </a:p>
+                  </a:txBody>
+                  <a:tcPr marL="2781" marR="2781" marT="2781" marB="2781" anchor="ctr">
+                    <a:lnL>
+                      <a:noFill/>
+                    </a:lnL>
+                    <a:lnR>
+                      <a:noFill/>
+                    </a:lnR>
+                    <a:lnT>
+                      <a:noFill/>
+                    </a:lnT>
+                    <a:lnB>
+                      <a:noFill/>
+                    </a:lnB>
+                    <a:solidFill>
+                      <a:srgbClr val="FFFFFF"/>
+                    </a:solidFill>
+                  </a:tcPr>
+                </a:tc>
+                <a:extLst>
+                  <a:ext uri="{0D108BD9-81ED-4DB2-BD59-A6C34878D82A}">
+                    <a16:rowId xmlns:a16="http://schemas.microsoft.com/office/drawing/2014/main" val="3195083316"/>
+                  </a:ext>
+                </a:extLst>
+              </a:tr>
+            </a:tbl>
+          </a:graphicData>
+        </a:graphic>
+      </p:graphicFrame>
+    </p:spTree>
+    <p:extLst>
+      <p:ext uri="{BB962C8B-B14F-4D97-AF65-F5344CB8AC3E}">
+        <p14:creationId xmlns:p14="http://schemas.microsoft.com/office/powerpoint/2010/main" val="3267069011"/>
+      </p:ext>
+    </p:extLst>
+  </p:cSld>
+  <p:clrMapOvr>
+    <a:masterClrMapping/>
+  </p:clrMapOvr>
+</p:sld>
+</file>
+
+<file path=ppt/slides/slide4.xml><?xml version="1.0" encoding="utf-8"?>
+<p:sld xmlns:a="http://schemas.openxmlformats.org/drawingml/2006/main" xmlns:r="http://schemas.openxmlformats.org/officeDocument/2006/relationships" xmlns:p="http://schemas.openxmlformats.org/presentationml/2006/main">
+  <p:cSld>
+    <p:spTree>
+      <p:nvGrpSpPr>
+        <p:cNvPr id="1" name=""/>
+        <p:cNvGrpSpPr/>
+        <p:nvPr/>
+      </p:nvGrpSpPr>
+      <p:grpSpPr>
+        <a:xfrm>
+          <a:off x="0" y="0"/>
+          <a:ext cx="0" cy="0"/>
+          <a:chOff x="0" y="0"/>
+          <a:chExt cx="0" cy="0"/>
+        </a:xfrm>
+      </p:grpSpPr>
+      <p:sp>
+        <p:nvSpPr>
+          <p:cNvPr id="2" name="Title 1">
+            <a:extLst>
+              <a:ext uri="{FF2B5EF4-FFF2-40B4-BE49-F238E27FC236}">
+                <a16:creationId xmlns:a16="http://schemas.microsoft.com/office/drawing/2014/main" id="{ACC7887D-CB34-E844-8909-F4A8A7893D02}"/>
+              </a:ext>
+            </a:extLst>
+          </p:cNvPr>
+          <p:cNvSpPr>
+            <a:spLocks noGrp="1"/>
+          </p:cNvSpPr>
+          <p:nvPr>
+            <p:ph type="title"/>
+          </p:nvPr>
+        </p:nvSpPr>
+        <p:spPr/>
+        <p:txBody>
+          <a:bodyPr/>
+          <a:lstStyle/>
+          <a:p>
+            <a:r>
+              <a:rPr lang="en-GB" dirty="0" err="1"/>
+              <a:t>Absalon</a:t>
+            </a:r>
+            <a:endParaRPr lang="en-GB" dirty="0"/>
+          </a:p>
+        </p:txBody>
+      </p:sp>
+      <p:pic>
+        <p:nvPicPr>
+          <p:cNvPr id="4" name="Picture 3">
+            <a:extLst>
+              <a:ext uri="{FF2B5EF4-FFF2-40B4-BE49-F238E27FC236}">
+                <a16:creationId xmlns:a16="http://schemas.microsoft.com/office/drawing/2014/main" id="{F9F6B7C0-3E0C-2A4E-A1B1-7A99EBE12840}"/>
+              </a:ext>
+            </a:extLst>
+          </p:cNvPr>
+          <p:cNvPicPr>
+            <a:picLocks noChangeAspect="1"/>
+          </p:cNvPicPr>
+          <p:nvPr/>
+        </p:nvPicPr>
+        <p:blipFill>
+          <a:blip r:embed="rId2"/>
+          <a:stretch>
+            <a:fillRect/>
+          </a:stretch>
+        </p:blipFill>
+        <p:spPr>
+          <a:xfrm>
+            <a:off x="2628782" y="245327"/>
+            <a:ext cx="9097771" cy="6858000"/>
+          </a:xfrm>
+          <a:prstGeom prst="rect">
+            <a:avLst/>
+          </a:prstGeom>
+        </p:spPr>
+      </p:pic>
+    </p:spTree>
+    <p:extLst>
+      <p:ext uri="{BB962C8B-B14F-4D97-AF65-F5344CB8AC3E}">
+        <p14:creationId xmlns:p14="http://schemas.microsoft.com/office/powerpoint/2010/main" val="2143202098"/>
+      </p:ext>
+    </p:extLst>
+  </p:cSld>
+  <p:clrMapOvr>
+    <a:masterClrMapping/>
+  </p:clrMapOvr>
+</p:sld>
+</file>
+
+<file path=ppt/slides/slide5.xml><?xml version="1.0" encoding="utf-8"?>
+<p:sld xmlns:a="http://schemas.openxmlformats.org/drawingml/2006/main" xmlns:r="http://schemas.openxmlformats.org/officeDocument/2006/relationships" xmlns:p="http://schemas.openxmlformats.org/presentationml/2006/main">
+  <p:cSld>
+    <p:spTree>
+      <p:nvGrpSpPr>
+        <p:cNvPr id="1" name=""/>
+        <p:cNvGrpSpPr/>
+        <p:nvPr/>
+      </p:nvGrpSpPr>
+      <p:grpSpPr>
+        <a:xfrm>
+          <a:off x="0" y="0"/>
+          <a:ext cx="0" cy="0"/>
+          <a:chOff x="0" y="0"/>
+          <a:chExt cx="0" cy="0"/>
+        </a:xfrm>
+      </p:grpSpPr>
+      <p:sp>
+        <p:nvSpPr>
+          <p:cNvPr id="2" name="Title 1">
+            <a:extLst>
+              <a:ext uri="{FF2B5EF4-FFF2-40B4-BE49-F238E27FC236}">
+                <a16:creationId xmlns:a16="http://schemas.microsoft.com/office/drawing/2014/main" id="{F2CAE1B5-F443-A44C-8E25-086D587FF22C}"/>
+              </a:ext>
+            </a:extLst>
+          </p:cNvPr>
+          <p:cNvSpPr>
+            <a:spLocks noGrp="1"/>
+          </p:cNvSpPr>
+          <p:nvPr>
+            <p:ph type="title"/>
+          </p:nvPr>
+        </p:nvSpPr>
+        <p:spPr/>
+        <p:txBody>
+          <a:bodyPr/>
+          <a:lstStyle/>
+          <a:p>
+            <a:r>
+              <a:rPr lang="en-US" dirty="0" err="1"/>
+              <a:t>Kursets</a:t>
+            </a:r>
+            <a:r>
+              <a:rPr lang="en-US" dirty="0"/>
+              <a:t> </a:t>
+            </a:r>
+            <a:r>
+              <a:rPr lang="en-US" dirty="0" err="1"/>
+              <a:t>formål</a:t>
+            </a:r>
+            <a:endParaRPr lang="en-US" dirty="0"/>
+          </a:p>
+        </p:txBody>
+      </p:sp>
+      <p:sp>
+        <p:nvSpPr>
+          <p:cNvPr id="3" name="Content Placeholder 2">
+            <a:extLst>
+              <a:ext uri="{FF2B5EF4-FFF2-40B4-BE49-F238E27FC236}">
+                <a16:creationId xmlns:a16="http://schemas.microsoft.com/office/drawing/2014/main" id="{68E2A9A3-16BA-3345-A26E-9806F4B36701}"/>
+              </a:ext>
+            </a:extLst>
+          </p:cNvPr>
+          <p:cNvSpPr>
+            <a:spLocks noGrp="1"/>
+          </p:cNvSpPr>
+          <p:nvPr>
+            <p:ph idx="1"/>
+          </p:nvPr>
+        </p:nvSpPr>
+        <p:spPr/>
+        <p:txBody>
+          <a:bodyPr>
+            <a:normAutofit lnSpcReduction="10000"/>
+          </a:bodyPr>
+          <a:lstStyle/>
+          <a:p>
+            <a:pPr marL="0" indent="0">
+              <a:buNone/>
+            </a:pPr>
+            <a:r>
+              <a:rPr lang="da-DK" dirty="0"/>
+              <a:t>At lære at programmere på 4 forskellige måder:</a:t>
+            </a:r>
+          </a:p>
+          <a:p>
+            <a:r>
+              <a:rPr lang="da-DK" dirty="0"/>
+              <a:t>Imperativt</a:t>
+            </a:r>
+          </a:p>
+          <a:p>
+            <a:r>
+              <a:rPr lang="da-DK" dirty="0"/>
+              <a:t>Funktionelt</a:t>
+            </a:r>
+          </a:p>
+          <a:p>
+            <a:r>
+              <a:rPr lang="da-DK" dirty="0"/>
+              <a:t>Objektorienteret</a:t>
+            </a:r>
+          </a:p>
+          <a:p>
+            <a:r>
+              <a:rPr lang="da-DK" dirty="0"/>
+              <a:t>Eventstyret</a:t>
+            </a:r>
+          </a:p>
+          <a:p>
+            <a:pPr marL="0" indent="0">
+              <a:buNone/>
+            </a:pPr>
+            <a:r>
+              <a:rPr lang="da-DK" dirty="0"/>
+              <a:t>Til det formål bruger vi:</a:t>
+            </a:r>
+          </a:p>
+          <a:p>
+            <a:r>
+              <a:rPr lang="da-DK" dirty="0"/>
+              <a:t>Scratch</a:t>
+            </a:r>
+          </a:p>
+          <a:p>
+            <a:r>
+              <a:rPr lang="da-DK" dirty="0" err="1"/>
+              <a:t>LaTeX</a:t>
+            </a:r>
+            <a:endParaRPr lang="da-DK" dirty="0"/>
+          </a:p>
+          <a:p>
+            <a:r>
+              <a:rPr lang="da-DK" dirty="0"/>
+              <a:t>F#</a:t>
+            </a:r>
+          </a:p>
+        </p:txBody>
+      </p:sp>
+    </p:spTree>
+    <p:extLst>
+      <p:ext uri="{BB962C8B-B14F-4D97-AF65-F5344CB8AC3E}">
+        <p14:creationId xmlns:p14="http://schemas.microsoft.com/office/powerpoint/2010/main" val="2423207887"/>
+      </p:ext>
+    </p:extLst>
+  </p:cSld>
+  <p:clrMapOvr>
+    <a:masterClrMapping/>
+  </p:clrMapOvr>
+</p:sld>
+</file>
+
 <file path=ppt/slides/slide6.xml><?xml version="1.0" encoding="utf-8"?>
+<p:sld xmlns:a="http://schemas.openxmlformats.org/drawingml/2006/main" xmlns:r="http://schemas.openxmlformats.org/officeDocument/2006/relationships" xmlns:p="http://schemas.openxmlformats.org/presentationml/2006/main">
+  <p:cSld>
+    <p:spTree>
+      <p:nvGrpSpPr>
+        <p:cNvPr id="1" name=""/>
+        <p:cNvGrpSpPr/>
+        <p:nvPr/>
+      </p:nvGrpSpPr>
+      <p:grpSpPr>
+        <a:xfrm>
+          <a:off x="0" y="0"/>
+          <a:ext cx="0" cy="0"/>
+          <a:chOff x="0" y="0"/>
+          <a:chExt cx="0" cy="0"/>
+        </a:xfrm>
+      </p:grpSpPr>
+      <p:pic>
+        <p:nvPicPr>
+          <p:cNvPr id="10" name="Content Placeholder 9">
+            <a:extLst>
+              <a:ext uri="{FF2B5EF4-FFF2-40B4-BE49-F238E27FC236}">
+                <a16:creationId xmlns:a16="http://schemas.microsoft.com/office/drawing/2014/main" id="{3E2F96DB-FF7E-AD47-8AEF-9FBD50814BFD}"/>
+              </a:ext>
+            </a:extLst>
+          </p:cNvPr>
+          <p:cNvPicPr>
+            <a:picLocks noGrp="1" noChangeAspect="1"/>
+          </p:cNvPicPr>
+          <p:nvPr>
+            <p:ph idx="1"/>
+          </p:nvPr>
+        </p:nvPicPr>
+        <p:blipFill>
+          <a:blip r:embed="rId2"/>
+          <a:stretch>
+            <a:fillRect/>
+          </a:stretch>
+        </p:blipFill>
+        <p:spPr>
+          <a:xfrm>
+            <a:off x="-334537" y="0"/>
+            <a:ext cx="4846211" cy="6858001"/>
+          </a:xfrm>
+        </p:spPr>
+      </p:pic>
+      <p:pic>
+        <p:nvPicPr>
+          <p:cNvPr id="11" name="Picture 10">
+            <a:extLst>
+              <a:ext uri="{FF2B5EF4-FFF2-40B4-BE49-F238E27FC236}">
+                <a16:creationId xmlns:a16="http://schemas.microsoft.com/office/drawing/2014/main" id="{9C9D5EB5-4798-B24B-A301-D8CFF0622C59}"/>
+              </a:ext>
+            </a:extLst>
+          </p:cNvPr>
+          <p:cNvPicPr>
+            <a:picLocks noChangeAspect="1"/>
+          </p:cNvPicPr>
+          <p:nvPr/>
+        </p:nvPicPr>
+        <p:blipFill>
+          <a:blip r:embed="rId3"/>
+          <a:stretch>
+            <a:fillRect/>
+          </a:stretch>
+        </p:blipFill>
+        <p:spPr>
+          <a:xfrm>
+            <a:off x="3730083" y="0"/>
+            <a:ext cx="4846211" cy="6858000"/>
+          </a:xfrm>
+          <a:prstGeom prst="rect">
+            <a:avLst/>
+          </a:prstGeom>
+        </p:spPr>
+      </p:pic>
+      <p:pic>
+        <p:nvPicPr>
+          <p:cNvPr id="12" name="Content Placeholder 3">
+            <a:extLst>
+              <a:ext uri="{FF2B5EF4-FFF2-40B4-BE49-F238E27FC236}">
+                <a16:creationId xmlns:a16="http://schemas.microsoft.com/office/drawing/2014/main" id="{80913C40-5664-9E4D-9B11-6B4DD605B1FA}"/>
+              </a:ext>
+            </a:extLst>
+          </p:cNvPr>
+          <p:cNvPicPr>
+            <a:picLocks noChangeAspect="1"/>
+          </p:cNvPicPr>
+          <p:nvPr/>
+        </p:nvPicPr>
+        <p:blipFill>
+          <a:blip r:embed="rId4"/>
+          <a:stretch>
+            <a:fillRect/>
+          </a:stretch>
+        </p:blipFill>
+        <p:spPr>
+          <a:xfrm>
+            <a:off x="7850458" y="0"/>
+            <a:ext cx="4656062" cy="6588916"/>
+          </a:xfrm>
+          <a:prstGeom prst="rect">
+            <a:avLst/>
+          </a:prstGeom>
+        </p:spPr>
+      </p:pic>
+    </p:spTree>
+    <p:extLst>
+      <p:ext uri="{BB962C8B-B14F-4D97-AF65-F5344CB8AC3E}">
+        <p14:creationId xmlns:p14="http://schemas.microsoft.com/office/powerpoint/2010/main" val="1863114496"/>
+      </p:ext>
+    </p:extLst>
+  </p:cSld>
+  <p:clrMapOvr>
+    <a:masterClrMapping/>
+  </p:clrMapOvr>
+</p:sld>
+</file>
+
+<file path=ppt/slides/slide7.xml><?xml version="1.0" encoding="utf-8"?>
 <p:sld xmlns:a="http://schemas.openxmlformats.org/drawingml/2006/main" xmlns:r="http://schemas.openxmlformats.org/officeDocument/2006/relationships" xmlns:p="http://schemas.openxmlformats.org/presentationml/2006/main">
   <p:cSld>
     <p:spTree>
@@ -6745,96 +9560,6 @@
 </p:sld>
 </file>
 
-<file path=ppt/slides/slide7.xml><?xml version="1.0" encoding="utf-8"?>
-<p:sld xmlns:a="http://schemas.openxmlformats.org/drawingml/2006/main" xmlns:r="http://schemas.openxmlformats.org/officeDocument/2006/relationships" xmlns:p="http://schemas.openxmlformats.org/presentationml/2006/main">
-  <p:cSld>
-    <p:spTree>
-      <p:nvGrpSpPr>
-        <p:cNvPr id="1" name=""/>
-        <p:cNvGrpSpPr/>
-        <p:nvPr/>
-      </p:nvGrpSpPr>
-      <p:grpSpPr>
-        <a:xfrm>
-          <a:off x="0" y="0"/>
-          <a:ext cx="0" cy="0"/>
-          <a:chOff x="0" y="0"/>
-          <a:chExt cx="0" cy="0"/>
-        </a:xfrm>
-      </p:grpSpPr>
-      <p:pic>
-        <p:nvPicPr>
-          <p:cNvPr id="9" name="Picture 8">
-            <a:extLst>
-              <a:ext uri="{FF2B5EF4-FFF2-40B4-BE49-F238E27FC236}">
-                <a16:creationId xmlns:a16="http://schemas.microsoft.com/office/drawing/2014/main" id="{DF196D2A-EA67-0C40-8BC4-A2E7C8704D87}"/>
-              </a:ext>
-            </a:extLst>
-          </p:cNvPr>
-          <p:cNvPicPr>
-            <a:picLocks noChangeAspect="1"/>
-          </p:cNvPicPr>
-          <p:nvPr/>
-        </p:nvPicPr>
-        <p:blipFill>
-          <a:blip r:embed="rId2"/>
-          <a:stretch>
-            <a:fillRect/>
-          </a:stretch>
-        </p:blipFill>
-        <p:spPr>
-          <a:xfrm>
-            <a:off x="351156" y="-474091"/>
-            <a:ext cx="5516245" cy="7806182"/>
-          </a:xfrm>
-          <a:prstGeom prst="rect">
-            <a:avLst/>
-          </a:prstGeom>
-        </p:spPr>
-      </p:pic>
-      <p:pic>
-        <p:nvPicPr>
-          <p:cNvPr id="11" name="Picture 10">
-            <a:extLst>
-              <a:ext uri="{FF2B5EF4-FFF2-40B4-BE49-F238E27FC236}">
-                <a16:creationId xmlns:a16="http://schemas.microsoft.com/office/drawing/2014/main" id="{12C9660D-D293-4D47-899A-421A55900C2D}"/>
-              </a:ext>
-            </a:extLst>
-          </p:cNvPr>
-          <p:cNvPicPr>
-            <a:picLocks noChangeAspect="1"/>
-          </p:cNvPicPr>
-          <p:nvPr/>
-        </p:nvPicPr>
-        <p:blipFill>
-          <a:blip r:embed="rId3"/>
-          <a:stretch>
-            <a:fillRect/>
-          </a:stretch>
-        </p:blipFill>
-        <p:spPr>
-          <a:xfrm>
-            <a:off x="6373494" y="-431857"/>
-            <a:ext cx="5486400" cy="7763948"/>
-          </a:xfrm>
-          <a:prstGeom prst="rect">
-            <a:avLst/>
-          </a:prstGeom>
-        </p:spPr>
-      </p:pic>
-    </p:spTree>
-    <p:extLst>
-      <p:ext uri="{BB962C8B-B14F-4D97-AF65-F5344CB8AC3E}">
-        <p14:creationId xmlns:p14="http://schemas.microsoft.com/office/powerpoint/2010/main" val="1171585399"/>
-      </p:ext>
-    </p:extLst>
-  </p:cSld>
-  <p:clrMapOvr>
-    <a:masterClrMapping/>
-  </p:clrMapOvr>
-</p:sld>
-</file>
-
 <file path=ppt/slides/slide8.xml><?xml version="1.0" encoding="utf-8"?>
 <p:sld xmlns:a="http://schemas.openxmlformats.org/drawingml/2006/main" xmlns:r="http://schemas.openxmlformats.org/officeDocument/2006/relationships" xmlns:p="http://schemas.openxmlformats.org/presentationml/2006/main">
   <p:cSld>
@@ -6852,70 +9577,259 @@
           <a:chExt cx="0" cy="0"/>
         </a:xfrm>
       </p:grpSpPr>
-      <p:pic>
-        <p:nvPicPr>
-          <p:cNvPr id="11" name="Picture 10">
+      <p:sp>
+        <p:nvSpPr>
+          <p:cNvPr id="2" name="Title 1">
             <a:extLst>
               <a:ext uri="{FF2B5EF4-FFF2-40B4-BE49-F238E27FC236}">
-                <a16:creationId xmlns:a16="http://schemas.microsoft.com/office/drawing/2014/main" id="{12C9660D-D293-4D47-899A-421A55900C2D}"/>
+                <a16:creationId xmlns:a16="http://schemas.microsoft.com/office/drawing/2014/main" id="{77E8108B-3D70-C340-A673-617CA3528B50}"/>
               </a:ext>
             </a:extLst>
           </p:cNvPr>
-          <p:cNvPicPr>
-            <a:picLocks noChangeAspect="1"/>
-          </p:cNvPicPr>
-          <p:nvPr/>
-        </p:nvPicPr>
-        <p:blipFill>
-          <a:blip r:embed="rId2"/>
-          <a:stretch>
-            <a:fillRect/>
-          </a:stretch>
-        </p:blipFill>
-        <p:spPr>
-          <a:xfrm>
-            <a:off x="304800" y="-452974"/>
-            <a:ext cx="5486400" cy="7763948"/>
-          </a:xfrm>
-          <a:prstGeom prst="rect">
-            <a:avLst/>
-          </a:prstGeom>
-        </p:spPr>
-      </p:pic>
-      <p:pic>
-        <p:nvPicPr>
-          <p:cNvPr id="3" name="Picture 2">
+          <p:cNvSpPr>
+            <a:spLocks noGrp="1"/>
+          </p:cNvSpPr>
+          <p:nvPr>
+            <p:ph type="title"/>
+          </p:nvPr>
+        </p:nvSpPr>
+        <p:spPr/>
+        <p:txBody>
+          <a:bodyPr/>
+          <a:lstStyle/>
+          <a:p>
+            <a:r>
+              <a:rPr lang="en-US" dirty="0"/>
+              <a:t>Resumé</a:t>
+            </a:r>
+          </a:p>
+        </p:txBody>
+      </p:sp>
+      <p:sp>
+        <p:nvSpPr>
+          <p:cNvPr id="3" name="Content Placeholder 2">
             <a:extLst>
               <a:ext uri="{FF2B5EF4-FFF2-40B4-BE49-F238E27FC236}">
-                <a16:creationId xmlns:a16="http://schemas.microsoft.com/office/drawing/2014/main" id="{55FF6A6F-3E5B-A84E-A122-183116E0F242}"/>
+                <a16:creationId xmlns:a16="http://schemas.microsoft.com/office/drawing/2014/main" id="{8B8DD704-AFCC-DE43-BD37-09120681C185}"/>
               </a:ext>
             </a:extLst>
           </p:cNvPr>
-          <p:cNvPicPr>
-            <a:picLocks noChangeAspect="1"/>
-          </p:cNvPicPr>
-          <p:nvPr/>
-        </p:nvPicPr>
-        <p:blipFill>
-          <a:blip r:embed="rId3"/>
-          <a:stretch>
-            <a:fillRect/>
-          </a:stretch>
-        </p:blipFill>
-        <p:spPr>
-          <a:xfrm>
-            <a:off x="6305550" y="-495208"/>
-            <a:ext cx="5516245" cy="7806182"/>
-          </a:xfrm>
-          <a:prstGeom prst="rect">
-            <a:avLst/>
-          </a:prstGeom>
-        </p:spPr>
-      </p:pic>
+          <p:cNvSpPr>
+            <a:spLocks noGrp="1"/>
+          </p:cNvSpPr>
+          <p:nvPr>
+            <p:ph idx="1"/>
+          </p:nvPr>
+        </p:nvSpPr>
+        <p:spPr/>
+        <p:txBody>
+          <a:bodyPr/>
+          <a:lstStyle/>
+          <a:p>
+            <a:pPr marL="0" indent="0">
+              <a:buNone/>
+            </a:pPr>
+            <a:r>
+              <a:rPr lang="en-US" dirty="0"/>
+              <a:t>Denne video </a:t>
+            </a:r>
+            <a:r>
+              <a:rPr lang="en-US" dirty="0" err="1"/>
+              <a:t>indholdte</a:t>
+            </a:r>
+            <a:r>
+              <a:rPr lang="en-US" dirty="0"/>
+              <a:t>:</a:t>
+            </a:r>
+          </a:p>
+          <a:p>
+            <a:r>
+              <a:rPr lang="en-US" dirty="0" err="1"/>
+              <a:t>En</a:t>
+            </a:r>
+            <a:r>
+              <a:rPr lang="en-US" dirty="0"/>
+              <a:t> </a:t>
+            </a:r>
+            <a:r>
+              <a:rPr lang="en-US" dirty="0" err="1"/>
+              <a:t>introduktion</a:t>
+            </a:r>
+            <a:r>
+              <a:rPr lang="en-US" dirty="0"/>
+              <a:t> </a:t>
+            </a:r>
+            <a:r>
+              <a:rPr lang="en-US" dirty="0" err="1"/>
+              <a:t>til</a:t>
+            </a:r>
+            <a:r>
+              <a:rPr lang="en-US" dirty="0"/>
+              <a:t> </a:t>
+            </a:r>
+            <a:r>
+              <a:rPr lang="en-US" dirty="0" err="1"/>
+              <a:t>kursets</a:t>
+            </a:r>
+            <a:r>
+              <a:rPr lang="en-US" dirty="0"/>
+              <a:t> </a:t>
+            </a:r>
+            <a:r>
+              <a:rPr lang="en-US" dirty="0" err="1"/>
+              <a:t>formål</a:t>
+            </a:r>
+            <a:r>
+              <a:rPr lang="en-US" dirty="0"/>
+              <a:t> </a:t>
+            </a:r>
+            <a:r>
+              <a:rPr lang="en-US" dirty="0" err="1"/>
+              <a:t>og</a:t>
+            </a:r>
+            <a:r>
+              <a:rPr lang="en-US" dirty="0"/>
+              <a:t> </a:t>
+            </a:r>
+            <a:r>
+              <a:rPr lang="en-US" dirty="0" err="1"/>
+              <a:t>lærerteamet</a:t>
+            </a:r>
+            <a:endParaRPr lang="en-US" dirty="0"/>
+          </a:p>
+          <a:p>
+            <a:r>
+              <a:rPr lang="en-US" dirty="0" err="1"/>
+              <a:t>En</a:t>
+            </a:r>
+            <a:r>
+              <a:rPr lang="en-US" dirty="0"/>
+              <a:t> </a:t>
+            </a:r>
+            <a:r>
+              <a:rPr lang="en-US" dirty="0" err="1"/>
+              <a:t>kort</a:t>
+            </a:r>
+            <a:r>
+              <a:rPr lang="en-US" dirty="0"/>
+              <a:t> </a:t>
+            </a:r>
+            <a:r>
+              <a:rPr lang="en-US" dirty="0" err="1"/>
+              <a:t>gennemgang</a:t>
+            </a:r>
+            <a:r>
+              <a:rPr lang="en-US" dirty="0"/>
+              <a:t> </a:t>
+            </a:r>
+            <a:r>
+              <a:rPr lang="en-US" dirty="0" err="1"/>
+              <a:t>af</a:t>
+            </a:r>
+            <a:r>
+              <a:rPr lang="en-US" dirty="0"/>
+              <a:t> </a:t>
+            </a:r>
+            <a:r>
+              <a:rPr lang="en-US" dirty="0" err="1"/>
+              <a:t>Absalonsiderne</a:t>
+            </a:r>
+            <a:endParaRPr lang="en-US" dirty="0"/>
+          </a:p>
+          <a:p>
+            <a:r>
+              <a:rPr lang="en-US" dirty="0" err="1"/>
+              <a:t>En</a:t>
+            </a:r>
+            <a:r>
+              <a:rPr lang="en-US" dirty="0"/>
+              <a:t> </a:t>
+            </a:r>
+            <a:r>
+              <a:rPr lang="en-US" dirty="0" err="1"/>
+              <a:t>gennemgang</a:t>
+            </a:r>
+            <a:r>
+              <a:rPr lang="en-US" dirty="0"/>
+              <a:t> </a:t>
+            </a:r>
+            <a:r>
+              <a:rPr lang="en-US" dirty="0" err="1"/>
+              <a:t>af</a:t>
+            </a:r>
+            <a:r>
+              <a:rPr lang="en-US" dirty="0"/>
+              <a:t> den </a:t>
+            </a:r>
+            <a:r>
+              <a:rPr lang="en-US" dirty="0" err="1"/>
+              <a:t>første</a:t>
+            </a:r>
+            <a:r>
+              <a:rPr lang="en-US" dirty="0"/>
+              <a:t> </a:t>
+            </a:r>
+            <a:r>
+              <a:rPr lang="en-US" dirty="0" err="1"/>
+              <a:t>arbejdsseddel</a:t>
+            </a:r>
+            <a:endParaRPr lang="en-US" dirty="0"/>
+          </a:p>
+          <a:p>
+            <a:r>
+              <a:rPr lang="en-US" dirty="0" err="1"/>
+              <a:t>En</a:t>
+            </a:r>
+            <a:r>
+              <a:rPr lang="en-US" dirty="0"/>
+              <a:t> </a:t>
+            </a:r>
+            <a:r>
+              <a:rPr lang="en-US" dirty="0" err="1"/>
+              <a:t>kort</a:t>
+            </a:r>
+            <a:r>
+              <a:rPr lang="en-US" dirty="0"/>
+              <a:t> introduction </a:t>
+            </a:r>
+            <a:r>
+              <a:rPr lang="en-US" dirty="0" err="1"/>
+              <a:t>til</a:t>
+            </a:r>
+            <a:r>
+              <a:rPr lang="en-US" dirty="0"/>
+              <a:t> imperative </a:t>
+            </a:r>
+            <a:r>
+              <a:rPr lang="en-US" dirty="0" err="1"/>
+              <a:t>programmering</a:t>
+            </a:r>
+            <a:endParaRPr lang="en-US" dirty="0"/>
+          </a:p>
+          <a:p>
+            <a:endParaRPr lang="en-US" dirty="0"/>
+          </a:p>
+          <a:p>
+            <a:endParaRPr lang="en-US" dirty="0"/>
+          </a:p>
+          <a:p>
+            <a:pPr marL="0" indent="0">
+              <a:buNone/>
+            </a:pPr>
+            <a:endParaRPr lang="en-US" dirty="0"/>
+          </a:p>
+          <a:p>
+            <a:pPr marL="0" indent="0">
+              <a:buNone/>
+            </a:pPr>
+            <a:endParaRPr lang="en-US" dirty="0"/>
+          </a:p>
+        </p:txBody>
+      </p:sp>
     </p:spTree>
     <p:extLst>
       <p:ext uri="{BB962C8B-B14F-4D97-AF65-F5344CB8AC3E}">
-        <p14:creationId xmlns:p14="http://schemas.microsoft.com/office/powerpoint/2010/main" val="2438738661"/>
+        <p14:creationId xmlns:p14="http://schemas.microsoft.com/office/powerpoint/2010/main" val="77819973"/>
       </p:ext>
     </p:extLst>
   </p:cSld>
@@ -6947,7 +9861,7 @@
           <p:cNvPr id="2" name="Title 1">
             <a:extLst>
               <a:ext uri="{FF2B5EF4-FFF2-40B4-BE49-F238E27FC236}">
-                <a16:creationId xmlns:a16="http://schemas.microsoft.com/office/drawing/2014/main" id="{3DB75344-6F71-1740-929A-4952137F2B04}"/>
+                <a16:creationId xmlns:a16="http://schemas.microsoft.com/office/drawing/2014/main" id="{0ACBB10D-A260-F941-8B71-00F8F1DB22DC}"/>
               </a:ext>
             </a:extLst>
           </p:cNvPr>
@@ -6964,30 +9878,18 @@
           <a:lstStyle/>
           <a:p>
             <a:r>
-              <a:rPr lang="en-GB" dirty="0" err="1"/>
-              <a:t>Hvem</a:t>
-            </a:r>
-            <a:r>
               <a:rPr lang="en-GB" dirty="0"/>
-              <a:t> </a:t>
-            </a:r>
-            <a:r>
-              <a:rPr lang="en-GB" dirty="0" err="1"/>
-              <a:t>er</a:t>
-            </a:r>
-            <a:r>
-              <a:rPr lang="en-GB" dirty="0"/>
-              <a:t> I?</a:t>
+              <a:t>Online programming…</a:t>
             </a:r>
           </a:p>
         </p:txBody>
       </p:sp>
       <p:sp>
         <p:nvSpPr>
-          <p:cNvPr id="4" name="Content Placeholder 2">
+          <p:cNvPr id="3" name="Content Placeholder 2">
             <a:extLst>
               <a:ext uri="{FF2B5EF4-FFF2-40B4-BE49-F238E27FC236}">
-                <a16:creationId xmlns:a16="http://schemas.microsoft.com/office/drawing/2014/main" id="{156DF278-FBFD-A643-A23D-2686598A394C}"/>
+                <a16:creationId xmlns:a16="http://schemas.microsoft.com/office/drawing/2014/main" id="{19372C29-81C6-9F40-B8C8-8C83CEE68784}"/>
               </a:ext>
             </a:extLst>
           </p:cNvPr>
@@ -6998,46 +9900,196 @@
             <p:ph idx="1"/>
           </p:nvPr>
         </p:nvSpPr>
+        <p:spPr/>
+        <p:txBody>
+          <a:bodyPr/>
+          <a:lstStyle/>
+          <a:p>
+            <a:r>
+              <a:rPr lang="en-GB" dirty="0"/>
+              <a:t>Hello World</a:t>
+            </a:r>
+          </a:p>
+          <a:p>
+            <a:r>
+              <a:rPr lang="en-GB" dirty="0"/>
+              <a:t>Count to 9</a:t>
+            </a:r>
+          </a:p>
+        </p:txBody>
+      </p:sp>
+      <p:pic>
+        <p:nvPicPr>
+          <p:cNvPr id="5" name="Picture 4">
+            <a:extLst>
+              <a:ext uri="{FF2B5EF4-FFF2-40B4-BE49-F238E27FC236}">
+                <a16:creationId xmlns:a16="http://schemas.microsoft.com/office/drawing/2014/main" id="{CF614A0F-735B-F84C-9E06-7A9450D193BB}"/>
+              </a:ext>
+            </a:extLst>
+          </p:cNvPr>
+          <p:cNvPicPr>
+            <a:picLocks noChangeAspect="1"/>
+          </p:cNvPicPr>
+          <p:nvPr/>
+        </p:nvPicPr>
+        <p:blipFill>
+          <a:blip r:embed="rId2"/>
+          <a:stretch>
+            <a:fillRect/>
+          </a:stretch>
+        </p:blipFill>
         <p:spPr>
           <a:xfrm>
-            <a:off x="3570514" y="3093979"/>
-            <a:ext cx="5536163" cy="761824"/>
+            <a:off x="4191000" y="1863725"/>
+            <a:ext cx="2590800" cy="2222500"/>
           </a:xfrm>
+          <a:prstGeom prst="rect">
+            <a:avLst/>
+          </a:prstGeom>
         </p:spPr>
-        <p:txBody>
-          <a:bodyPr>
-            <a:normAutofit/>
-          </a:bodyPr>
-          <a:lstStyle/>
-          <a:p>
-            <a:pPr marL="0" indent="0">
-              <a:buNone/>
-            </a:pPr>
-            <a:r>
-              <a:rPr lang="en-GB" dirty="0"/>
-              <a:t>https://</a:t>
-            </a:r>
-            <a:r>
-              <a:rPr lang="en-GB" dirty="0" err="1"/>
-              <a:t>tinyurl.com</a:t>
-            </a:r>
-            <a:r>
-              <a:rPr lang="en-GB" dirty="0"/>
-              <a:t>/yykjc8oh</a:t>
-            </a:r>
-          </a:p>
-        </p:txBody>
-      </p:sp>
+      </p:pic>
+      <p:pic>
+        <p:nvPicPr>
+          <p:cNvPr id="7" name="Picture 6">
+            <a:extLst>
+              <a:ext uri="{FF2B5EF4-FFF2-40B4-BE49-F238E27FC236}">
+                <a16:creationId xmlns:a16="http://schemas.microsoft.com/office/drawing/2014/main" id="{757C8A41-E8CF-AC45-ACCA-7E553DBC599E}"/>
+              </a:ext>
+            </a:extLst>
+          </p:cNvPr>
+          <p:cNvPicPr>
+            <a:picLocks noChangeAspect="1"/>
+          </p:cNvPicPr>
+          <p:nvPr/>
+        </p:nvPicPr>
+        <p:blipFill>
+          <a:blip r:embed="rId3"/>
+          <a:stretch>
+            <a:fillRect/>
+          </a:stretch>
+        </p:blipFill>
+        <p:spPr>
+          <a:xfrm>
+            <a:off x="7797800" y="1825625"/>
+            <a:ext cx="2540000" cy="3175000"/>
+          </a:xfrm>
+          <a:prstGeom prst="rect">
+            <a:avLst/>
+          </a:prstGeom>
+        </p:spPr>
+      </p:pic>
     </p:spTree>
     <p:extLst>
       <p:ext uri="{BB962C8B-B14F-4D97-AF65-F5344CB8AC3E}">
-        <p14:creationId xmlns:p14="http://schemas.microsoft.com/office/powerpoint/2010/main" val="3530618180"/>
+        <p14:creationId xmlns:p14="http://schemas.microsoft.com/office/powerpoint/2010/main" val="1754232616"/>
       </p:ext>
     </p:extLst>
   </p:cSld>
   <p:clrMapOvr>
     <a:masterClrMapping/>
   </p:clrMapOvr>
+  <p:timing>
+    <p:tnLst>
+      <p:par>
+        <p:cTn id="1" dur="indefinite" restart="never" nodeType="tmRoot">
+          <p:childTnLst>
+            <p:seq concurrent="1" nextAc="seek">
+              <p:cTn id="2" dur="indefinite" nodeType="mainSeq">
+                <p:childTnLst>
+                  <p:par>
+                    <p:cTn id="3" fill="hold">
+                      <p:stCondLst>
+                        <p:cond delay="indefinite"/>
+                      </p:stCondLst>
+                      <p:childTnLst>
+                        <p:par>
+                          <p:cTn id="4" fill="hold">
+                            <p:stCondLst>
+                              <p:cond delay="0"/>
+                            </p:stCondLst>
+                            <p:childTnLst>
+                              <p:par>
+                                <p:cTn id="5" presetID="1" presetClass="entr" presetSubtype="0" fill="hold" nodeType="clickEffect">
+                                  <p:stCondLst>
+                                    <p:cond delay="0"/>
+                                  </p:stCondLst>
+                                  <p:childTnLst>
+                                    <p:set>
+                                      <p:cBhvr>
+                                        <p:cTn id="6" dur="1" fill="hold">
+                                          <p:stCondLst>
+                                            <p:cond delay="0"/>
+                                          </p:stCondLst>
+                                        </p:cTn>
+                                        <p:tgtEl>
+                                          <p:spTgt spid="5"/>
+                                        </p:tgtEl>
+                                        <p:attrNameLst>
+                                          <p:attrName>style.visibility</p:attrName>
+                                        </p:attrNameLst>
+                                      </p:cBhvr>
+                                      <p:to>
+                                        <p:strVal val="visible"/>
+                                      </p:to>
+                                    </p:set>
+                                  </p:childTnLst>
+                                </p:cTn>
+                              </p:par>
+                              <p:par>
+                                <p:cTn id="7" presetID="1" presetClass="entr" presetSubtype="0" fill="hold" nodeType="withEffect">
+                                  <p:stCondLst>
+                                    <p:cond delay="0"/>
+                                  </p:stCondLst>
+                                  <p:childTnLst>
+                                    <p:set>
+                                      <p:cBhvr>
+                                        <p:cTn id="8" dur="1" fill="hold">
+                                          <p:stCondLst>
+                                            <p:cond delay="0"/>
+                                          </p:stCondLst>
+                                        </p:cTn>
+                                        <p:tgtEl>
+                                          <p:spTgt spid="7"/>
+                                        </p:tgtEl>
+                                        <p:attrNameLst>
+                                          <p:attrName>style.visibility</p:attrName>
+                                        </p:attrNameLst>
+                                      </p:cBhvr>
+                                      <p:to>
+                                        <p:strVal val="visible"/>
+                                      </p:to>
+                                    </p:set>
+                                  </p:childTnLst>
+                                </p:cTn>
+                              </p:par>
+                            </p:childTnLst>
+                          </p:cTn>
+                        </p:par>
+                      </p:childTnLst>
+                    </p:cTn>
+                  </p:par>
+                </p:childTnLst>
+              </p:cTn>
+              <p:prevCondLst>
+                <p:cond evt="onPrev" delay="0">
+                  <p:tgtEl>
+                    <p:sldTgt/>
+                  </p:tgtEl>
+                </p:cond>
+              </p:prevCondLst>
+              <p:nextCondLst>
+                <p:cond evt="onNext" delay="0">
+                  <p:tgtEl>
+                    <p:sldTgt/>
+                  </p:tgtEl>
+                </p:cond>
+              </p:nextCondLst>
+            </p:seq>
+          </p:childTnLst>
+        </p:cTn>
+      </p:par>
+    </p:tnLst>
+  </p:timing>
 </p:sld>
 </file>
 
